--- a/Resources/Cards/cards presentation.pptx
+++ b/Resources/Cards/cards presentation.pptx
@@ -6,34 +6,35 @@
   </p:sldMasterIdLst>
   <p:sldIdLst>
     <p:sldId id="256" r:id="rId2"/>
-    <p:sldId id="257" r:id="rId3"/>
-    <p:sldId id="258" r:id="rId4"/>
-    <p:sldId id="269" r:id="rId5"/>
-    <p:sldId id="259" r:id="rId6"/>
-    <p:sldId id="260" r:id="rId7"/>
-    <p:sldId id="261" r:id="rId8"/>
-    <p:sldId id="262" r:id="rId9"/>
-    <p:sldId id="263" r:id="rId10"/>
-    <p:sldId id="264" r:id="rId11"/>
-    <p:sldId id="265" r:id="rId12"/>
-    <p:sldId id="266" r:id="rId13"/>
-    <p:sldId id="267" r:id="rId14"/>
-    <p:sldId id="268" r:id="rId15"/>
-    <p:sldId id="272" r:id="rId16"/>
-    <p:sldId id="273" r:id="rId17"/>
-    <p:sldId id="277" r:id="rId18"/>
-    <p:sldId id="276" r:id="rId19"/>
-    <p:sldId id="275" r:id="rId20"/>
-    <p:sldId id="274" r:id="rId21"/>
-    <p:sldId id="278" r:id="rId22"/>
-    <p:sldId id="279" r:id="rId23"/>
-    <p:sldId id="280" r:id="rId24"/>
-    <p:sldId id="281" r:id="rId25"/>
-    <p:sldId id="270" r:id="rId26"/>
-    <p:sldId id="282" r:id="rId27"/>
-    <p:sldId id="283" r:id="rId28"/>
-    <p:sldId id="284" r:id="rId29"/>
-    <p:sldId id="271" r:id="rId30"/>
+    <p:sldId id="285" r:id="rId3"/>
+    <p:sldId id="257" r:id="rId4"/>
+    <p:sldId id="258" r:id="rId5"/>
+    <p:sldId id="269" r:id="rId6"/>
+    <p:sldId id="259" r:id="rId7"/>
+    <p:sldId id="260" r:id="rId8"/>
+    <p:sldId id="261" r:id="rId9"/>
+    <p:sldId id="262" r:id="rId10"/>
+    <p:sldId id="263" r:id="rId11"/>
+    <p:sldId id="264" r:id="rId12"/>
+    <p:sldId id="265" r:id="rId13"/>
+    <p:sldId id="266" r:id="rId14"/>
+    <p:sldId id="267" r:id="rId15"/>
+    <p:sldId id="268" r:id="rId16"/>
+    <p:sldId id="272" r:id="rId17"/>
+    <p:sldId id="273" r:id="rId18"/>
+    <p:sldId id="277" r:id="rId19"/>
+    <p:sldId id="276" r:id="rId20"/>
+    <p:sldId id="275" r:id="rId21"/>
+    <p:sldId id="274" r:id="rId22"/>
+    <p:sldId id="278" r:id="rId23"/>
+    <p:sldId id="279" r:id="rId24"/>
+    <p:sldId id="280" r:id="rId25"/>
+    <p:sldId id="281" r:id="rId26"/>
+    <p:sldId id="270" r:id="rId27"/>
+    <p:sldId id="282" r:id="rId28"/>
+    <p:sldId id="283" r:id="rId29"/>
+    <p:sldId id="284" r:id="rId30"/>
+    <p:sldId id="271" r:id="rId31"/>
   </p:sldIdLst>
   <p:sldSz cx="12192000" cy="6858000"/>
   <p:notesSz cx="6858000" cy="9144000"/>
@@ -289,7 +290,7 @@
           <a:p>
             <a:fld id="{5AC7B6AB-3631-46AA-8F68-F00898F2DB27}" type="datetimeFigureOut">
               <a:rPr lang="en-CA" smtClean="0"/>
-              <a:t>2019-12-27</a:t>
+              <a:t>2019-12-28</a:t>
             </a:fld>
             <a:endParaRPr lang="en-CA"/>
           </a:p>
@@ -489,7 +490,7 @@
           <a:p>
             <a:fld id="{5AC7B6AB-3631-46AA-8F68-F00898F2DB27}" type="datetimeFigureOut">
               <a:rPr lang="en-CA" smtClean="0"/>
-              <a:t>2019-12-27</a:t>
+              <a:t>2019-12-28</a:t>
             </a:fld>
             <a:endParaRPr lang="en-CA"/>
           </a:p>
@@ -699,7 +700,7 @@
           <a:p>
             <a:fld id="{5AC7B6AB-3631-46AA-8F68-F00898F2DB27}" type="datetimeFigureOut">
               <a:rPr lang="en-CA" smtClean="0"/>
-              <a:t>2019-12-27</a:t>
+              <a:t>2019-12-28</a:t>
             </a:fld>
             <a:endParaRPr lang="en-CA"/>
           </a:p>
@@ -899,7 +900,7 @@
           <a:p>
             <a:fld id="{5AC7B6AB-3631-46AA-8F68-F00898F2DB27}" type="datetimeFigureOut">
               <a:rPr lang="en-CA" smtClean="0"/>
-              <a:t>2019-12-27</a:t>
+              <a:t>2019-12-28</a:t>
             </a:fld>
             <a:endParaRPr lang="en-CA"/>
           </a:p>
@@ -1175,7 +1176,7 @@
           <a:p>
             <a:fld id="{5AC7B6AB-3631-46AA-8F68-F00898F2DB27}" type="datetimeFigureOut">
               <a:rPr lang="en-CA" smtClean="0"/>
-              <a:t>2019-12-27</a:t>
+              <a:t>2019-12-28</a:t>
             </a:fld>
             <a:endParaRPr lang="en-CA"/>
           </a:p>
@@ -1443,7 +1444,7 @@
           <a:p>
             <a:fld id="{5AC7B6AB-3631-46AA-8F68-F00898F2DB27}" type="datetimeFigureOut">
               <a:rPr lang="en-CA" smtClean="0"/>
-              <a:t>2019-12-27</a:t>
+              <a:t>2019-12-28</a:t>
             </a:fld>
             <a:endParaRPr lang="en-CA"/>
           </a:p>
@@ -1858,7 +1859,7 @@
           <a:p>
             <a:fld id="{5AC7B6AB-3631-46AA-8F68-F00898F2DB27}" type="datetimeFigureOut">
               <a:rPr lang="en-CA" smtClean="0"/>
-              <a:t>2019-12-27</a:t>
+              <a:t>2019-12-28</a:t>
             </a:fld>
             <a:endParaRPr lang="en-CA"/>
           </a:p>
@@ -2000,7 +2001,7 @@
           <a:p>
             <a:fld id="{5AC7B6AB-3631-46AA-8F68-F00898F2DB27}" type="datetimeFigureOut">
               <a:rPr lang="en-CA" smtClean="0"/>
-              <a:t>2019-12-27</a:t>
+              <a:t>2019-12-28</a:t>
             </a:fld>
             <a:endParaRPr lang="en-CA"/>
           </a:p>
@@ -2113,7 +2114,7 @@
           <a:p>
             <a:fld id="{5AC7B6AB-3631-46AA-8F68-F00898F2DB27}" type="datetimeFigureOut">
               <a:rPr lang="en-CA" smtClean="0"/>
-              <a:t>2019-12-27</a:t>
+              <a:t>2019-12-28</a:t>
             </a:fld>
             <a:endParaRPr lang="en-CA"/>
           </a:p>
@@ -2426,7 +2427,7 @@
           <a:p>
             <a:fld id="{5AC7B6AB-3631-46AA-8F68-F00898F2DB27}" type="datetimeFigureOut">
               <a:rPr lang="en-CA" smtClean="0"/>
-              <a:t>2019-12-27</a:t>
+              <a:t>2019-12-28</a:t>
             </a:fld>
             <a:endParaRPr lang="en-CA"/>
           </a:p>
@@ -2715,7 +2716,7 @@
           <a:p>
             <a:fld id="{5AC7B6AB-3631-46AA-8F68-F00898F2DB27}" type="datetimeFigureOut">
               <a:rPr lang="en-CA" smtClean="0"/>
-              <a:t>2019-12-27</a:t>
+              <a:t>2019-12-28</a:t>
             </a:fld>
             <a:endParaRPr lang="en-CA"/>
           </a:p>
@@ -2958,7 +2959,7 @@
           <a:p>
             <a:fld id="{5AC7B6AB-3631-46AA-8F68-F00898F2DB27}" type="datetimeFigureOut">
               <a:rPr lang="en-CA" smtClean="0"/>
-              <a:t>2019-12-27</a:t>
+              <a:t>2019-12-28</a:t>
             </a:fld>
             <a:endParaRPr lang="en-CA"/>
           </a:p>
@@ -4019,6 +4020,1990 @@
           </p:txBody>
         </p:sp>
       </p:grpSp>
+      <p:grpSp>
+        <p:nvGrpSpPr>
+          <p:cNvPr id="5" name="Group 4">
+            <a:extLst>
+              <a:ext uri="{FF2B5EF4-FFF2-40B4-BE49-F238E27FC236}">
+                <a16:creationId xmlns:a16="http://schemas.microsoft.com/office/drawing/2014/main" id="{F7E503B0-6DA8-4E8A-8F23-8D6CF10AF152}"/>
+              </a:ext>
+            </a:extLst>
+          </p:cNvPr>
+          <p:cNvGrpSpPr/>
+          <p:nvPr/>
+        </p:nvGrpSpPr>
+        <p:grpSpPr>
+          <a:xfrm>
+            <a:off x="6841689" y="1245704"/>
+            <a:ext cx="2239618" cy="3220279"/>
+            <a:chOff x="8234391" y="1245703"/>
+            <a:chExt cx="2239618" cy="3220279"/>
+          </a:xfrm>
+        </p:grpSpPr>
+        <p:sp>
+          <p:nvSpPr>
+            <p:cNvPr id="21" name="Rectangle: Rounded Corners 20">
+              <a:extLst>
+                <a:ext uri="{FF2B5EF4-FFF2-40B4-BE49-F238E27FC236}">
+                  <a16:creationId xmlns:a16="http://schemas.microsoft.com/office/drawing/2014/main" id="{5C31A5B3-F758-46C8-B333-B83249802077}"/>
+                </a:ext>
+              </a:extLst>
+            </p:cNvPr>
+            <p:cNvSpPr/>
+            <p:nvPr/>
+          </p:nvSpPr>
+          <p:spPr>
+            <a:xfrm>
+              <a:off x="8234391" y="1245703"/>
+              <a:ext cx="2239618" cy="3220279"/>
+            </a:xfrm>
+            <a:prstGeom prst="roundRect">
+              <a:avLst/>
+            </a:prstGeom>
+            <a:solidFill>
+              <a:srgbClr val="F0F5F5"/>
+            </a:solidFill>
+            <a:ln w="76200">
+              <a:solidFill>
+                <a:schemeClr val="tx1"/>
+              </a:solidFill>
+            </a:ln>
+          </p:spPr>
+          <p:style>
+            <a:lnRef idx="2">
+              <a:schemeClr val="accent1">
+                <a:shade val="50000"/>
+              </a:schemeClr>
+            </a:lnRef>
+            <a:fillRef idx="1">
+              <a:schemeClr val="accent1"/>
+            </a:fillRef>
+            <a:effectRef idx="0">
+              <a:schemeClr val="accent1"/>
+            </a:effectRef>
+            <a:fontRef idx="minor">
+              <a:schemeClr val="lt1"/>
+            </a:fontRef>
+          </p:style>
+          <p:txBody>
+            <a:bodyPr rtlCol="0" anchor="ctr"/>
+            <a:lstStyle/>
+            <a:p>
+              <a:pPr algn="ctr"/>
+              <a:endParaRPr lang="en-CA"/>
+            </a:p>
+          </p:txBody>
+        </p:sp>
+        <p:sp>
+          <p:nvSpPr>
+            <p:cNvPr id="2" name="Rectangle 1">
+              <a:extLst>
+                <a:ext uri="{FF2B5EF4-FFF2-40B4-BE49-F238E27FC236}">
+                  <a16:creationId xmlns:a16="http://schemas.microsoft.com/office/drawing/2014/main" id="{A00DDD45-5EE6-4E50-8482-B4CBB0E01A25}"/>
+                </a:ext>
+              </a:extLst>
+            </p:cNvPr>
+            <p:cNvSpPr/>
+            <p:nvPr/>
+          </p:nvSpPr>
+          <p:spPr>
+            <a:xfrm>
+              <a:off x="8440616" y="1477108"/>
+              <a:ext cx="1828800" cy="2771335"/>
+            </a:xfrm>
+            <a:prstGeom prst="rect">
+              <a:avLst/>
+            </a:prstGeom>
+            <a:solidFill>
+              <a:schemeClr val="accent1"/>
+            </a:solidFill>
+            <a:ln>
+              <a:solidFill>
+                <a:schemeClr val="tx1"/>
+              </a:solidFill>
+            </a:ln>
+          </p:spPr>
+          <p:style>
+            <a:lnRef idx="2">
+              <a:schemeClr val="accent1">
+                <a:shade val="50000"/>
+              </a:schemeClr>
+            </a:lnRef>
+            <a:fillRef idx="1">
+              <a:schemeClr val="accent1"/>
+            </a:fillRef>
+            <a:effectRef idx="0">
+              <a:schemeClr val="accent1"/>
+            </a:effectRef>
+            <a:fontRef idx="minor">
+              <a:schemeClr val="lt1"/>
+            </a:fontRef>
+          </p:style>
+          <p:txBody>
+            <a:bodyPr rtlCol="0" anchor="ctr"/>
+            <a:lstStyle/>
+            <a:p>
+              <a:pPr algn="ctr"/>
+              <a:endParaRPr lang="en-CA"/>
+            </a:p>
+          </p:txBody>
+        </p:sp>
+        <p:sp>
+          <p:nvSpPr>
+            <p:cNvPr id="3" name="Flowchart: Collate 2">
+              <a:extLst>
+                <a:ext uri="{FF2B5EF4-FFF2-40B4-BE49-F238E27FC236}">
+                  <a16:creationId xmlns:a16="http://schemas.microsoft.com/office/drawing/2014/main" id="{1A29CA05-1487-4CCD-9DB9-303584B66C79}"/>
+                </a:ext>
+              </a:extLst>
+            </p:cNvPr>
+            <p:cNvSpPr/>
+            <p:nvPr/>
+          </p:nvSpPr>
+          <p:spPr>
+            <a:xfrm>
+              <a:off x="8440616" y="1477108"/>
+              <a:ext cx="393436" cy="393895"/>
+            </a:xfrm>
+            <a:prstGeom prst="flowChartCollate">
+              <a:avLst/>
+            </a:prstGeom>
+            <a:solidFill>
+              <a:schemeClr val="accent4"/>
+            </a:solidFill>
+          </p:spPr>
+          <p:style>
+            <a:lnRef idx="2">
+              <a:schemeClr val="accent1">
+                <a:shade val="50000"/>
+              </a:schemeClr>
+            </a:lnRef>
+            <a:fillRef idx="1">
+              <a:schemeClr val="accent1"/>
+            </a:fillRef>
+            <a:effectRef idx="0">
+              <a:schemeClr val="accent1"/>
+            </a:effectRef>
+            <a:fontRef idx="minor">
+              <a:schemeClr val="lt1"/>
+            </a:fontRef>
+          </p:style>
+          <p:txBody>
+            <a:bodyPr rtlCol="0" anchor="ctr"/>
+            <a:lstStyle/>
+            <a:p>
+              <a:pPr algn="ctr"/>
+              <a:endParaRPr lang="en-CA">
+                <a:solidFill>
+                  <a:schemeClr val="tx1"/>
+                </a:solidFill>
+              </a:endParaRPr>
+            </a:p>
+          </p:txBody>
+        </p:sp>
+        <p:sp>
+          <p:nvSpPr>
+            <p:cNvPr id="22" name="Flowchart: Collate 21">
+              <a:extLst>
+                <a:ext uri="{FF2B5EF4-FFF2-40B4-BE49-F238E27FC236}">
+                  <a16:creationId xmlns:a16="http://schemas.microsoft.com/office/drawing/2014/main" id="{10850038-FE3F-4937-8C0B-CF852C45C4E6}"/>
+                </a:ext>
+              </a:extLst>
+            </p:cNvPr>
+            <p:cNvSpPr/>
+            <p:nvPr/>
+          </p:nvSpPr>
+          <p:spPr>
+            <a:xfrm>
+              <a:off x="8789968" y="1474760"/>
+              <a:ext cx="393436" cy="393895"/>
+            </a:xfrm>
+            <a:prstGeom prst="flowChartCollate">
+              <a:avLst/>
+            </a:prstGeom>
+            <a:solidFill>
+              <a:schemeClr val="accent4"/>
+            </a:solidFill>
+          </p:spPr>
+          <p:style>
+            <a:lnRef idx="2">
+              <a:schemeClr val="accent1">
+                <a:shade val="50000"/>
+              </a:schemeClr>
+            </a:lnRef>
+            <a:fillRef idx="1">
+              <a:schemeClr val="accent1"/>
+            </a:fillRef>
+            <a:effectRef idx="0">
+              <a:schemeClr val="accent1"/>
+            </a:effectRef>
+            <a:fontRef idx="minor">
+              <a:schemeClr val="lt1"/>
+            </a:fontRef>
+          </p:style>
+          <p:txBody>
+            <a:bodyPr rtlCol="0" anchor="ctr"/>
+            <a:lstStyle/>
+            <a:p>
+              <a:pPr algn="ctr"/>
+              <a:endParaRPr lang="en-CA">
+                <a:solidFill>
+                  <a:schemeClr val="tx1"/>
+                </a:solidFill>
+              </a:endParaRPr>
+            </a:p>
+          </p:txBody>
+        </p:sp>
+        <p:sp>
+          <p:nvSpPr>
+            <p:cNvPr id="23" name="Flowchart: Collate 22">
+              <a:extLst>
+                <a:ext uri="{FF2B5EF4-FFF2-40B4-BE49-F238E27FC236}">
+                  <a16:creationId xmlns:a16="http://schemas.microsoft.com/office/drawing/2014/main" id="{ADC145A5-8B93-46D0-9662-6341526F6B5C}"/>
+                </a:ext>
+              </a:extLst>
+            </p:cNvPr>
+            <p:cNvSpPr/>
+            <p:nvPr/>
+          </p:nvSpPr>
+          <p:spPr>
+            <a:xfrm>
+              <a:off x="9126873" y="1477108"/>
+              <a:ext cx="393436" cy="393895"/>
+            </a:xfrm>
+            <a:prstGeom prst="flowChartCollate">
+              <a:avLst/>
+            </a:prstGeom>
+            <a:solidFill>
+              <a:schemeClr val="accent4"/>
+            </a:solidFill>
+          </p:spPr>
+          <p:style>
+            <a:lnRef idx="2">
+              <a:schemeClr val="accent1">
+                <a:shade val="50000"/>
+              </a:schemeClr>
+            </a:lnRef>
+            <a:fillRef idx="1">
+              <a:schemeClr val="accent1"/>
+            </a:fillRef>
+            <a:effectRef idx="0">
+              <a:schemeClr val="accent1"/>
+            </a:effectRef>
+            <a:fontRef idx="minor">
+              <a:schemeClr val="lt1"/>
+            </a:fontRef>
+          </p:style>
+          <p:txBody>
+            <a:bodyPr rtlCol="0" anchor="ctr"/>
+            <a:lstStyle/>
+            <a:p>
+              <a:pPr algn="ctr"/>
+              <a:endParaRPr lang="en-CA">
+                <a:solidFill>
+                  <a:schemeClr val="tx1"/>
+                </a:solidFill>
+              </a:endParaRPr>
+            </a:p>
+          </p:txBody>
+        </p:sp>
+        <p:sp>
+          <p:nvSpPr>
+            <p:cNvPr id="24" name="Flowchart: Collate 23">
+              <a:extLst>
+                <a:ext uri="{FF2B5EF4-FFF2-40B4-BE49-F238E27FC236}">
+                  <a16:creationId xmlns:a16="http://schemas.microsoft.com/office/drawing/2014/main" id="{7885E675-911B-4D99-A2E9-61ED20975E7F}"/>
+                </a:ext>
+              </a:extLst>
+            </p:cNvPr>
+            <p:cNvSpPr/>
+            <p:nvPr/>
+          </p:nvSpPr>
+          <p:spPr>
+            <a:xfrm>
+              <a:off x="9476224" y="1474760"/>
+              <a:ext cx="393435" cy="393895"/>
+            </a:xfrm>
+            <a:prstGeom prst="flowChartCollate">
+              <a:avLst/>
+            </a:prstGeom>
+            <a:solidFill>
+              <a:schemeClr val="accent4"/>
+            </a:solidFill>
+          </p:spPr>
+          <p:style>
+            <a:lnRef idx="2">
+              <a:schemeClr val="accent1">
+                <a:shade val="50000"/>
+              </a:schemeClr>
+            </a:lnRef>
+            <a:fillRef idx="1">
+              <a:schemeClr val="accent1"/>
+            </a:fillRef>
+            <a:effectRef idx="0">
+              <a:schemeClr val="accent1"/>
+            </a:effectRef>
+            <a:fontRef idx="minor">
+              <a:schemeClr val="lt1"/>
+            </a:fontRef>
+          </p:style>
+          <p:txBody>
+            <a:bodyPr rtlCol="0" anchor="ctr"/>
+            <a:lstStyle/>
+            <a:p>
+              <a:pPr algn="ctr"/>
+              <a:endParaRPr lang="en-CA">
+                <a:solidFill>
+                  <a:schemeClr val="tx1"/>
+                </a:solidFill>
+              </a:endParaRPr>
+            </a:p>
+          </p:txBody>
+        </p:sp>
+        <p:sp>
+          <p:nvSpPr>
+            <p:cNvPr id="26" name="Flowchart: Collate 25">
+              <a:extLst>
+                <a:ext uri="{FF2B5EF4-FFF2-40B4-BE49-F238E27FC236}">
+                  <a16:creationId xmlns:a16="http://schemas.microsoft.com/office/drawing/2014/main" id="{D47044A8-954C-4CD2-B537-BEF1B9BE56CC}"/>
+                </a:ext>
+              </a:extLst>
+            </p:cNvPr>
+            <p:cNvSpPr/>
+            <p:nvPr/>
+          </p:nvSpPr>
+          <p:spPr>
+            <a:xfrm>
+              <a:off x="9878124" y="1474759"/>
+              <a:ext cx="405360" cy="393895"/>
+            </a:xfrm>
+            <a:prstGeom prst="flowChartCollate">
+              <a:avLst/>
+            </a:prstGeom>
+            <a:solidFill>
+              <a:schemeClr val="accent4"/>
+            </a:solidFill>
+          </p:spPr>
+          <p:style>
+            <a:lnRef idx="2">
+              <a:schemeClr val="accent1">
+                <a:shade val="50000"/>
+              </a:schemeClr>
+            </a:lnRef>
+            <a:fillRef idx="1">
+              <a:schemeClr val="accent1"/>
+            </a:fillRef>
+            <a:effectRef idx="0">
+              <a:schemeClr val="accent1"/>
+            </a:effectRef>
+            <a:fontRef idx="minor">
+              <a:schemeClr val="lt1"/>
+            </a:fontRef>
+          </p:style>
+          <p:txBody>
+            <a:bodyPr rtlCol="0" anchor="ctr"/>
+            <a:lstStyle/>
+            <a:p>
+              <a:pPr algn="ctr"/>
+              <a:endParaRPr lang="en-CA">
+                <a:solidFill>
+                  <a:schemeClr val="tx1"/>
+                </a:solidFill>
+              </a:endParaRPr>
+            </a:p>
+          </p:txBody>
+        </p:sp>
+        <p:sp>
+          <p:nvSpPr>
+            <p:cNvPr id="27" name="Flowchart: Collate 26">
+              <a:extLst>
+                <a:ext uri="{FF2B5EF4-FFF2-40B4-BE49-F238E27FC236}">
+                  <a16:creationId xmlns:a16="http://schemas.microsoft.com/office/drawing/2014/main" id="{A1B4F671-A236-4B0C-8A2A-C744E1AC2115}"/>
+                </a:ext>
+              </a:extLst>
+            </p:cNvPr>
+            <p:cNvSpPr/>
+            <p:nvPr/>
+          </p:nvSpPr>
+          <p:spPr>
+            <a:xfrm>
+              <a:off x="8440616" y="1874974"/>
+              <a:ext cx="393436" cy="393895"/>
+            </a:xfrm>
+            <a:prstGeom prst="flowChartCollate">
+              <a:avLst/>
+            </a:prstGeom>
+            <a:solidFill>
+              <a:schemeClr val="accent4"/>
+            </a:solidFill>
+          </p:spPr>
+          <p:style>
+            <a:lnRef idx="2">
+              <a:schemeClr val="accent1">
+                <a:shade val="50000"/>
+              </a:schemeClr>
+            </a:lnRef>
+            <a:fillRef idx="1">
+              <a:schemeClr val="accent1"/>
+            </a:fillRef>
+            <a:effectRef idx="0">
+              <a:schemeClr val="accent1"/>
+            </a:effectRef>
+            <a:fontRef idx="minor">
+              <a:schemeClr val="lt1"/>
+            </a:fontRef>
+          </p:style>
+          <p:txBody>
+            <a:bodyPr rtlCol="0" anchor="ctr"/>
+            <a:lstStyle/>
+            <a:p>
+              <a:pPr algn="ctr"/>
+              <a:endParaRPr lang="en-CA">
+                <a:solidFill>
+                  <a:schemeClr val="tx1"/>
+                </a:solidFill>
+              </a:endParaRPr>
+            </a:p>
+          </p:txBody>
+        </p:sp>
+        <p:sp>
+          <p:nvSpPr>
+            <p:cNvPr id="28" name="Flowchart: Collate 27">
+              <a:extLst>
+                <a:ext uri="{FF2B5EF4-FFF2-40B4-BE49-F238E27FC236}">
+                  <a16:creationId xmlns:a16="http://schemas.microsoft.com/office/drawing/2014/main" id="{0C0165B0-B981-4F81-8048-533542C2A00A}"/>
+                </a:ext>
+              </a:extLst>
+            </p:cNvPr>
+            <p:cNvSpPr/>
+            <p:nvPr/>
+          </p:nvSpPr>
+          <p:spPr>
+            <a:xfrm>
+              <a:off x="8789968" y="1872626"/>
+              <a:ext cx="393436" cy="393895"/>
+            </a:xfrm>
+            <a:prstGeom prst="flowChartCollate">
+              <a:avLst/>
+            </a:prstGeom>
+            <a:solidFill>
+              <a:schemeClr val="accent4"/>
+            </a:solidFill>
+          </p:spPr>
+          <p:style>
+            <a:lnRef idx="2">
+              <a:schemeClr val="accent1">
+                <a:shade val="50000"/>
+              </a:schemeClr>
+            </a:lnRef>
+            <a:fillRef idx="1">
+              <a:schemeClr val="accent1"/>
+            </a:fillRef>
+            <a:effectRef idx="0">
+              <a:schemeClr val="accent1"/>
+            </a:effectRef>
+            <a:fontRef idx="minor">
+              <a:schemeClr val="lt1"/>
+            </a:fontRef>
+          </p:style>
+          <p:txBody>
+            <a:bodyPr rtlCol="0" anchor="ctr"/>
+            <a:lstStyle/>
+            <a:p>
+              <a:pPr algn="ctr"/>
+              <a:endParaRPr lang="en-CA">
+                <a:solidFill>
+                  <a:schemeClr val="tx1"/>
+                </a:solidFill>
+              </a:endParaRPr>
+            </a:p>
+          </p:txBody>
+        </p:sp>
+        <p:sp>
+          <p:nvSpPr>
+            <p:cNvPr id="29" name="Flowchart: Collate 28">
+              <a:extLst>
+                <a:ext uri="{FF2B5EF4-FFF2-40B4-BE49-F238E27FC236}">
+                  <a16:creationId xmlns:a16="http://schemas.microsoft.com/office/drawing/2014/main" id="{A40F50CE-0C48-43A6-B53A-1C3291A04960}"/>
+                </a:ext>
+              </a:extLst>
+            </p:cNvPr>
+            <p:cNvSpPr/>
+            <p:nvPr/>
+          </p:nvSpPr>
+          <p:spPr>
+            <a:xfrm>
+              <a:off x="9126873" y="1874974"/>
+              <a:ext cx="393436" cy="393895"/>
+            </a:xfrm>
+            <a:prstGeom prst="flowChartCollate">
+              <a:avLst/>
+            </a:prstGeom>
+            <a:solidFill>
+              <a:schemeClr val="accent4"/>
+            </a:solidFill>
+          </p:spPr>
+          <p:style>
+            <a:lnRef idx="2">
+              <a:schemeClr val="accent1">
+                <a:shade val="50000"/>
+              </a:schemeClr>
+            </a:lnRef>
+            <a:fillRef idx="1">
+              <a:schemeClr val="accent1"/>
+            </a:fillRef>
+            <a:effectRef idx="0">
+              <a:schemeClr val="accent1"/>
+            </a:effectRef>
+            <a:fontRef idx="minor">
+              <a:schemeClr val="lt1"/>
+            </a:fontRef>
+          </p:style>
+          <p:txBody>
+            <a:bodyPr rtlCol="0" anchor="ctr"/>
+            <a:lstStyle/>
+            <a:p>
+              <a:pPr algn="ctr"/>
+              <a:endParaRPr lang="en-CA">
+                <a:solidFill>
+                  <a:schemeClr val="tx1"/>
+                </a:solidFill>
+              </a:endParaRPr>
+            </a:p>
+          </p:txBody>
+        </p:sp>
+        <p:sp>
+          <p:nvSpPr>
+            <p:cNvPr id="30" name="Flowchart: Collate 29">
+              <a:extLst>
+                <a:ext uri="{FF2B5EF4-FFF2-40B4-BE49-F238E27FC236}">
+                  <a16:creationId xmlns:a16="http://schemas.microsoft.com/office/drawing/2014/main" id="{D0ED8CDF-C297-4C59-B497-A917CC108D02}"/>
+                </a:ext>
+              </a:extLst>
+            </p:cNvPr>
+            <p:cNvSpPr/>
+            <p:nvPr/>
+          </p:nvSpPr>
+          <p:spPr>
+            <a:xfrm>
+              <a:off x="9476224" y="1872626"/>
+              <a:ext cx="393435" cy="393895"/>
+            </a:xfrm>
+            <a:prstGeom prst="flowChartCollate">
+              <a:avLst/>
+            </a:prstGeom>
+            <a:solidFill>
+              <a:schemeClr val="accent4"/>
+            </a:solidFill>
+          </p:spPr>
+          <p:style>
+            <a:lnRef idx="2">
+              <a:schemeClr val="accent1">
+                <a:shade val="50000"/>
+              </a:schemeClr>
+            </a:lnRef>
+            <a:fillRef idx="1">
+              <a:schemeClr val="accent1"/>
+            </a:fillRef>
+            <a:effectRef idx="0">
+              <a:schemeClr val="accent1"/>
+            </a:effectRef>
+            <a:fontRef idx="minor">
+              <a:schemeClr val="lt1"/>
+            </a:fontRef>
+          </p:style>
+          <p:txBody>
+            <a:bodyPr rtlCol="0" anchor="ctr"/>
+            <a:lstStyle/>
+            <a:p>
+              <a:pPr algn="ctr"/>
+              <a:endParaRPr lang="en-CA">
+                <a:solidFill>
+                  <a:schemeClr val="tx1"/>
+                </a:solidFill>
+              </a:endParaRPr>
+            </a:p>
+          </p:txBody>
+        </p:sp>
+        <p:sp>
+          <p:nvSpPr>
+            <p:cNvPr id="31" name="Flowchart: Collate 30">
+              <a:extLst>
+                <a:ext uri="{FF2B5EF4-FFF2-40B4-BE49-F238E27FC236}">
+                  <a16:creationId xmlns:a16="http://schemas.microsoft.com/office/drawing/2014/main" id="{F87F8B75-9B28-4DA1-95FE-FF436B2A7FF0}"/>
+                </a:ext>
+              </a:extLst>
+            </p:cNvPr>
+            <p:cNvSpPr/>
+            <p:nvPr/>
+          </p:nvSpPr>
+          <p:spPr>
+            <a:xfrm>
+              <a:off x="9878124" y="1872625"/>
+              <a:ext cx="405360" cy="393895"/>
+            </a:xfrm>
+            <a:prstGeom prst="flowChartCollate">
+              <a:avLst/>
+            </a:prstGeom>
+            <a:solidFill>
+              <a:schemeClr val="accent4"/>
+            </a:solidFill>
+          </p:spPr>
+          <p:style>
+            <a:lnRef idx="2">
+              <a:schemeClr val="accent1">
+                <a:shade val="50000"/>
+              </a:schemeClr>
+            </a:lnRef>
+            <a:fillRef idx="1">
+              <a:schemeClr val="accent1"/>
+            </a:fillRef>
+            <a:effectRef idx="0">
+              <a:schemeClr val="accent1"/>
+            </a:effectRef>
+            <a:fontRef idx="minor">
+              <a:schemeClr val="lt1"/>
+            </a:fontRef>
+          </p:style>
+          <p:txBody>
+            <a:bodyPr rtlCol="0" anchor="ctr"/>
+            <a:lstStyle/>
+            <a:p>
+              <a:pPr algn="ctr"/>
+              <a:endParaRPr lang="en-CA">
+                <a:solidFill>
+                  <a:schemeClr val="tx1"/>
+                </a:solidFill>
+              </a:endParaRPr>
+            </a:p>
+          </p:txBody>
+        </p:sp>
+        <p:sp>
+          <p:nvSpPr>
+            <p:cNvPr id="32" name="Flowchart: Collate 31">
+              <a:extLst>
+                <a:ext uri="{FF2B5EF4-FFF2-40B4-BE49-F238E27FC236}">
+                  <a16:creationId xmlns:a16="http://schemas.microsoft.com/office/drawing/2014/main" id="{5E67485D-B406-44A5-B31E-7D98A0420378}"/>
+                </a:ext>
+              </a:extLst>
+            </p:cNvPr>
+            <p:cNvSpPr/>
+            <p:nvPr/>
+          </p:nvSpPr>
+          <p:spPr>
+            <a:xfrm>
+              <a:off x="8440616" y="2270491"/>
+              <a:ext cx="393436" cy="393895"/>
+            </a:xfrm>
+            <a:prstGeom prst="flowChartCollate">
+              <a:avLst/>
+            </a:prstGeom>
+            <a:solidFill>
+              <a:schemeClr val="accent4"/>
+            </a:solidFill>
+          </p:spPr>
+          <p:style>
+            <a:lnRef idx="2">
+              <a:schemeClr val="accent1">
+                <a:shade val="50000"/>
+              </a:schemeClr>
+            </a:lnRef>
+            <a:fillRef idx="1">
+              <a:schemeClr val="accent1"/>
+            </a:fillRef>
+            <a:effectRef idx="0">
+              <a:schemeClr val="accent1"/>
+            </a:effectRef>
+            <a:fontRef idx="minor">
+              <a:schemeClr val="lt1"/>
+            </a:fontRef>
+          </p:style>
+          <p:txBody>
+            <a:bodyPr rtlCol="0" anchor="ctr"/>
+            <a:lstStyle/>
+            <a:p>
+              <a:pPr algn="ctr"/>
+              <a:endParaRPr lang="en-CA">
+                <a:solidFill>
+                  <a:schemeClr val="tx1"/>
+                </a:solidFill>
+              </a:endParaRPr>
+            </a:p>
+          </p:txBody>
+        </p:sp>
+        <p:sp>
+          <p:nvSpPr>
+            <p:cNvPr id="33" name="Flowchart: Collate 32">
+              <a:extLst>
+                <a:ext uri="{FF2B5EF4-FFF2-40B4-BE49-F238E27FC236}">
+                  <a16:creationId xmlns:a16="http://schemas.microsoft.com/office/drawing/2014/main" id="{D2A7FB5D-F1D6-469D-ADFB-72629FF220A6}"/>
+                </a:ext>
+              </a:extLst>
+            </p:cNvPr>
+            <p:cNvSpPr/>
+            <p:nvPr/>
+          </p:nvSpPr>
+          <p:spPr>
+            <a:xfrm>
+              <a:off x="8789968" y="2268143"/>
+              <a:ext cx="393436" cy="393895"/>
+            </a:xfrm>
+            <a:prstGeom prst="flowChartCollate">
+              <a:avLst/>
+            </a:prstGeom>
+            <a:solidFill>
+              <a:schemeClr val="accent4"/>
+            </a:solidFill>
+          </p:spPr>
+          <p:style>
+            <a:lnRef idx="2">
+              <a:schemeClr val="accent1">
+                <a:shade val="50000"/>
+              </a:schemeClr>
+            </a:lnRef>
+            <a:fillRef idx="1">
+              <a:schemeClr val="accent1"/>
+            </a:fillRef>
+            <a:effectRef idx="0">
+              <a:schemeClr val="accent1"/>
+            </a:effectRef>
+            <a:fontRef idx="minor">
+              <a:schemeClr val="lt1"/>
+            </a:fontRef>
+          </p:style>
+          <p:txBody>
+            <a:bodyPr rtlCol="0" anchor="ctr"/>
+            <a:lstStyle/>
+            <a:p>
+              <a:pPr algn="ctr"/>
+              <a:endParaRPr lang="en-CA">
+                <a:solidFill>
+                  <a:schemeClr val="tx1"/>
+                </a:solidFill>
+              </a:endParaRPr>
+            </a:p>
+          </p:txBody>
+        </p:sp>
+        <p:sp>
+          <p:nvSpPr>
+            <p:cNvPr id="34" name="Flowchart: Collate 33">
+              <a:extLst>
+                <a:ext uri="{FF2B5EF4-FFF2-40B4-BE49-F238E27FC236}">
+                  <a16:creationId xmlns:a16="http://schemas.microsoft.com/office/drawing/2014/main" id="{D5A13583-E321-4E99-977A-F17EF363AE18}"/>
+                </a:ext>
+              </a:extLst>
+            </p:cNvPr>
+            <p:cNvSpPr/>
+            <p:nvPr/>
+          </p:nvSpPr>
+          <p:spPr>
+            <a:xfrm>
+              <a:off x="9126873" y="2270491"/>
+              <a:ext cx="393436" cy="393895"/>
+            </a:xfrm>
+            <a:prstGeom prst="flowChartCollate">
+              <a:avLst/>
+            </a:prstGeom>
+            <a:solidFill>
+              <a:schemeClr val="accent4"/>
+            </a:solidFill>
+          </p:spPr>
+          <p:style>
+            <a:lnRef idx="2">
+              <a:schemeClr val="accent1">
+                <a:shade val="50000"/>
+              </a:schemeClr>
+            </a:lnRef>
+            <a:fillRef idx="1">
+              <a:schemeClr val="accent1"/>
+            </a:fillRef>
+            <a:effectRef idx="0">
+              <a:schemeClr val="accent1"/>
+            </a:effectRef>
+            <a:fontRef idx="minor">
+              <a:schemeClr val="lt1"/>
+            </a:fontRef>
+          </p:style>
+          <p:txBody>
+            <a:bodyPr rtlCol="0" anchor="ctr"/>
+            <a:lstStyle/>
+            <a:p>
+              <a:pPr algn="ctr"/>
+              <a:endParaRPr lang="en-CA">
+                <a:solidFill>
+                  <a:schemeClr val="tx1"/>
+                </a:solidFill>
+              </a:endParaRPr>
+            </a:p>
+          </p:txBody>
+        </p:sp>
+        <p:sp>
+          <p:nvSpPr>
+            <p:cNvPr id="35" name="Flowchart: Collate 34">
+              <a:extLst>
+                <a:ext uri="{FF2B5EF4-FFF2-40B4-BE49-F238E27FC236}">
+                  <a16:creationId xmlns:a16="http://schemas.microsoft.com/office/drawing/2014/main" id="{0B2EE941-90B2-4681-8EC6-B6A1C340ED71}"/>
+                </a:ext>
+              </a:extLst>
+            </p:cNvPr>
+            <p:cNvSpPr/>
+            <p:nvPr/>
+          </p:nvSpPr>
+          <p:spPr>
+            <a:xfrm>
+              <a:off x="9476224" y="2268143"/>
+              <a:ext cx="393435" cy="393895"/>
+            </a:xfrm>
+            <a:prstGeom prst="flowChartCollate">
+              <a:avLst/>
+            </a:prstGeom>
+            <a:solidFill>
+              <a:schemeClr val="accent4"/>
+            </a:solidFill>
+          </p:spPr>
+          <p:style>
+            <a:lnRef idx="2">
+              <a:schemeClr val="accent1">
+                <a:shade val="50000"/>
+              </a:schemeClr>
+            </a:lnRef>
+            <a:fillRef idx="1">
+              <a:schemeClr val="accent1"/>
+            </a:fillRef>
+            <a:effectRef idx="0">
+              <a:schemeClr val="accent1"/>
+            </a:effectRef>
+            <a:fontRef idx="minor">
+              <a:schemeClr val="lt1"/>
+            </a:fontRef>
+          </p:style>
+          <p:txBody>
+            <a:bodyPr rtlCol="0" anchor="ctr"/>
+            <a:lstStyle/>
+            <a:p>
+              <a:pPr algn="ctr"/>
+              <a:endParaRPr lang="en-CA">
+                <a:solidFill>
+                  <a:schemeClr val="tx1"/>
+                </a:solidFill>
+              </a:endParaRPr>
+            </a:p>
+          </p:txBody>
+        </p:sp>
+        <p:sp>
+          <p:nvSpPr>
+            <p:cNvPr id="36" name="Flowchart: Collate 35">
+              <a:extLst>
+                <a:ext uri="{FF2B5EF4-FFF2-40B4-BE49-F238E27FC236}">
+                  <a16:creationId xmlns:a16="http://schemas.microsoft.com/office/drawing/2014/main" id="{4D37BE79-5009-4FBD-9389-4EA8525136DC}"/>
+                </a:ext>
+              </a:extLst>
+            </p:cNvPr>
+            <p:cNvSpPr/>
+            <p:nvPr/>
+          </p:nvSpPr>
+          <p:spPr>
+            <a:xfrm>
+              <a:off x="9878124" y="2268142"/>
+              <a:ext cx="405360" cy="393895"/>
+            </a:xfrm>
+            <a:prstGeom prst="flowChartCollate">
+              <a:avLst/>
+            </a:prstGeom>
+            <a:solidFill>
+              <a:schemeClr val="accent4"/>
+            </a:solidFill>
+          </p:spPr>
+          <p:style>
+            <a:lnRef idx="2">
+              <a:schemeClr val="accent1">
+                <a:shade val="50000"/>
+              </a:schemeClr>
+            </a:lnRef>
+            <a:fillRef idx="1">
+              <a:schemeClr val="accent1"/>
+            </a:fillRef>
+            <a:effectRef idx="0">
+              <a:schemeClr val="accent1"/>
+            </a:effectRef>
+            <a:fontRef idx="minor">
+              <a:schemeClr val="lt1"/>
+            </a:fontRef>
+          </p:style>
+          <p:txBody>
+            <a:bodyPr rtlCol="0" anchor="ctr"/>
+            <a:lstStyle/>
+            <a:p>
+              <a:pPr algn="ctr"/>
+              <a:endParaRPr lang="en-CA">
+                <a:solidFill>
+                  <a:schemeClr val="tx1"/>
+                </a:solidFill>
+              </a:endParaRPr>
+            </a:p>
+          </p:txBody>
+        </p:sp>
+        <p:sp>
+          <p:nvSpPr>
+            <p:cNvPr id="37" name="Flowchart: Collate 36">
+              <a:extLst>
+                <a:ext uri="{FF2B5EF4-FFF2-40B4-BE49-F238E27FC236}">
+                  <a16:creationId xmlns:a16="http://schemas.microsoft.com/office/drawing/2014/main" id="{E39CBDAF-8B57-4EDA-B522-E0CF5A85C634}"/>
+                </a:ext>
+              </a:extLst>
+            </p:cNvPr>
+            <p:cNvSpPr/>
+            <p:nvPr/>
+          </p:nvSpPr>
+          <p:spPr>
+            <a:xfrm>
+              <a:off x="8440616" y="2654289"/>
+              <a:ext cx="393436" cy="393895"/>
+            </a:xfrm>
+            <a:prstGeom prst="flowChartCollate">
+              <a:avLst/>
+            </a:prstGeom>
+            <a:solidFill>
+              <a:schemeClr val="accent4"/>
+            </a:solidFill>
+          </p:spPr>
+          <p:style>
+            <a:lnRef idx="2">
+              <a:schemeClr val="accent1">
+                <a:shade val="50000"/>
+              </a:schemeClr>
+            </a:lnRef>
+            <a:fillRef idx="1">
+              <a:schemeClr val="accent1"/>
+            </a:fillRef>
+            <a:effectRef idx="0">
+              <a:schemeClr val="accent1"/>
+            </a:effectRef>
+            <a:fontRef idx="minor">
+              <a:schemeClr val="lt1"/>
+            </a:fontRef>
+          </p:style>
+          <p:txBody>
+            <a:bodyPr rtlCol="0" anchor="ctr"/>
+            <a:lstStyle/>
+            <a:p>
+              <a:pPr algn="ctr"/>
+              <a:endParaRPr lang="en-CA">
+                <a:solidFill>
+                  <a:schemeClr val="tx1"/>
+                </a:solidFill>
+              </a:endParaRPr>
+            </a:p>
+          </p:txBody>
+        </p:sp>
+        <p:sp>
+          <p:nvSpPr>
+            <p:cNvPr id="38" name="Flowchart: Collate 37">
+              <a:extLst>
+                <a:ext uri="{FF2B5EF4-FFF2-40B4-BE49-F238E27FC236}">
+                  <a16:creationId xmlns:a16="http://schemas.microsoft.com/office/drawing/2014/main" id="{14517533-98FB-4C19-8970-EC7B6DD60D69}"/>
+                </a:ext>
+              </a:extLst>
+            </p:cNvPr>
+            <p:cNvSpPr/>
+            <p:nvPr/>
+          </p:nvSpPr>
+          <p:spPr>
+            <a:xfrm>
+              <a:off x="8789968" y="2651941"/>
+              <a:ext cx="393436" cy="393895"/>
+            </a:xfrm>
+            <a:prstGeom prst="flowChartCollate">
+              <a:avLst/>
+            </a:prstGeom>
+            <a:solidFill>
+              <a:schemeClr val="accent4"/>
+            </a:solidFill>
+          </p:spPr>
+          <p:style>
+            <a:lnRef idx="2">
+              <a:schemeClr val="accent1">
+                <a:shade val="50000"/>
+              </a:schemeClr>
+            </a:lnRef>
+            <a:fillRef idx="1">
+              <a:schemeClr val="accent1"/>
+            </a:fillRef>
+            <a:effectRef idx="0">
+              <a:schemeClr val="accent1"/>
+            </a:effectRef>
+            <a:fontRef idx="minor">
+              <a:schemeClr val="lt1"/>
+            </a:fontRef>
+          </p:style>
+          <p:txBody>
+            <a:bodyPr rtlCol="0" anchor="ctr"/>
+            <a:lstStyle/>
+            <a:p>
+              <a:pPr algn="ctr"/>
+              <a:endParaRPr lang="en-CA">
+                <a:solidFill>
+                  <a:schemeClr val="tx1"/>
+                </a:solidFill>
+              </a:endParaRPr>
+            </a:p>
+          </p:txBody>
+        </p:sp>
+        <p:sp>
+          <p:nvSpPr>
+            <p:cNvPr id="39" name="Flowchart: Collate 38">
+              <a:extLst>
+                <a:ext uri="{FF2B5EF4-FFF2-40B4-BE49-F238E27FC236}">
+                  <a16:creationId xmlns:a16="http://schemas.microsoft.com/office/drawing/2014/main" id="{8DE4ED53-9D69-4913-8807-6AE62DAA2EFB}"/>
+                </a:ext>
+              </a:extLst>
+            </p:cNvPr>
+            <p:cNvSpPr/>
+            <p:nvPr/>
+          </p:nvSpPr>
+          <p:spPr>
+            <a:xfrm>
+              <a:off x="9126873" y="2654289"/>
+              <a:ext cx="393436" cy="393895"/>
+            </a:xfrm>
+            <a:prstGeom prst="flowChartCollate">
+              <a:avLst/>
+            </a:prstGeom>
+            <a:solidFill>
+              <a:schemeClr val="accent4"/>
+            </a:solidFill>
+          </p:spPr>
+          <p:style>
+            <a:lnRef idx="2">
+              <a:schemeClr val="accent1">
+                <a:shade val="50000"/>
+              </a:schemeClr>
+            </a:lnRef>
+            <a:fillRef idx="1">
+              <a:schemeClr val="accent1"/>
+            </a:fillRef>
+            <a:effectRef idx="0">
+              <a:schemeClr val="accent1"/>
+            </a:effectRef>
+            <a:fontRef idx="minor">
+              <a:schemeClr val="lt1"/>
+            </a:fontRef>
+          </p:style>
+          <p:txBody>
+            <a:bodyPr rtlCol="0" anchor="ctr"/>
+            <a:lstStyle/>
+            <a:p>
+              <a:pPr algn="ctr"/>
+              <a:endParaRPr lang="en-CA">
+                <a:solidFill>
+                  <a:schemeClr val="tx1"/>
+                </a:solidFill>
+              </a:endParaRPr>
+            </a:p>
+          </p:txBody>
+        </p:sp>
+        <p:sp>
+          <p:nvSpPr>
+            <p:cNvPr id="40" name="Flowchart: Collate 39">
+              <a:extLst>
+                <a:ext uri="{FF2B5EF4-FFF2-40B4-BE49-F238E27FC236}">
+                  <a16:creationId xmlns:a16="http://schemas.microsoft.com/office/drawing/2014/main" id="{BEF8C6EF-A915-4EE8-9988-4206A786078A}"/>
+                </a:ext>
+              </a:extLst>
+            </p:cNvPr>
+            <p:cNvSpPr/>
+            <p:nvPr/>
+          </p:nvSpPr>
+          <p:spPr>
+            <a:xfrm>
+              <a:off x="9476224" y="2651941"/>
+              <a:ext cx="393435" cy="393895"/>
+            </a:xfrm>
+            <a:prstGeom prst="flowChartCollate">
+              <a:avLst/>
+            </a:prstGeom>
+            <a:solidFill>
+              <a:schemeClr val="accent4"/>
+            </a:solidFill>
+          </p:spPr>
+          <p:style>
+            <a:lnRef idx="2">
+              <a:schemeClr val="accent1">
+                <a:shade val="50000"/>
+              </a:schemeClr>
+            </a:lnRef>
+            <a:fillRef idx="1">
+              <a:schemeClr val="accent1"/>
+            </a:fillRef>
+            <a:effectRef idx="0">
+              <a:schemeClr val="accent1"/>
+            </a:effectRef>
+            <a:fontRef idx="minor">
+              <a:schemeClr val="lt1"/>
+            </a:fontRef>
+          </p:style>
+          <p:txBody>
+            <a:bodyPr rtlCol="0" anchor="ctr"/>
+            <a:lstStyle/>
+            <a:p>
+              <a:pPr algn="ctr"/>
+              <a:endParaRPr lang="en-CA">
+                <a:solidFill>
+                  <a:schemeClr val="tx1"/>
+                </a:solidFill>
+              </a:endParaRPr>
+            </a:p>
+          </p:txBody>
+        </p:sp>
+        <p:sp>
+          <p:nvSpPr>
+            <p:cNvPr id="41" name="Flowchart: Collate 40">
+              <a:extLst>
+                <a:ext uri="{FF2B5EF4-FFF2-40B4-BE49-F238E27FC236}">
+                  <a16:creationId xmlns:a16="http://schemas.microsoft.com/office/drawing/2014/main" id="{16BD0D4F-5745-4AFE-9A5B-11FBB8BD641C}"/>
+                </a:ext>
+              </a:extLst>
+            </p:cNvPr>
+            <p:cNvSpPr/>
+            <p:nvPr/>
+          </p:nvSpPr>
+          <p:spPr>
+            <a:xfrm>
+              <a:off x="9878124" y="2651940"/>
+              <a:ext cx="405360" cy="393895"/>
+            </a:xfrm>
+            <a:prstGeom prst="flowChartCollate">
+              <a:avLst/>
+            </a:prstGeom>
+            <a:solidFill>
+              <a:schemeClr val="accent4"/>
+            </a:solidFill>
+          </p:spPr>
+          <p:style>
+            <a:lnRef idx="2">
+              <a:schemeClr val="accent1">
+                <a:shade val="50000"/>
+              </a:schemeClr>
+            </a:lnRef>
+            <a:fillRef idx="1">
+              <a:schemeClr val="accent1"/>
+            </a:fillRef>
+            <a:effectRef idx="0">
+              <a:schemeClr val="accent1"/>
+            </a:effectRef>
+            <a:fontRef idx="minor">
+              <a:schemeClr val="lt1"/>
+            </a:fontRef>
+          </p:style>
+          <p:txBody>
+            <a:bodyPr rtlCol="0" anchor="ctr"/>
+            <a:lstStyle/>
+            <a:p>
+              <a:pPr algn="ctr"/>
+              <a:endParaRPr lang="en-CA">
+                <a:solidFill>
+                  <a:schemeClr val="tx1"/>
+                </a:solidFill>
+              </a:endParaRPr>
+            </a:p>
+          </p:txBody>
+        </p:sp>
+        <p:sp>
+          <p:nvSpPr>
+            <p:cNvPr id="42" name="Flowchart: Collate 41">
+              <a:extLst>
+                <a:ext uri="{FF2B5EF4-FFF2-40B4-BE49-F238E27FC236}">
+                  <a16:creationId xmlns:a16="http://schemas.microsoft.com/office/drawing/2014/main" id="{8CA27967-2122-49FD-ACDF-32DD49315268}"/>
+                </a:ext>
+              </a:extLst>
+            </p:cNvPr>
+            <p:cNvSpPr/>
+            <p:nvPr/>
+          </p:nvSpPr>
+          <p:spPr>
+            <a:xfrm>
+              <a:off x="8426548" y="3046398"/>
+              <a:ext cx="393436" cy="393895"/>
+            </a:xfrm>
+            <a:prstGeom prst="flowChartCollate">
+              <a:avLst/>
+            </a:prstGeom>
+            <a:solidFill>
+              <a:schemeClr val="accent4"/>
+            </a:solidFill>
+          </p:spPr>
+          <p:style>
+            <a:lnRef idx="2">
+              <a:schemeClr val="accent1">
+                <a:shade val="50000"/>
+              </a:schemeClr>
+            </a:lnRef>
+            <a:fillRef idx="1">
+              <a:schemeClr val="accent1"/>
+            </a:fillRef>
+            <a:effectRef idx="0">
+              <a:schemeClr val="accent1"/>
+            </a:effectRef>
+            <a:fontRef idx="minor">
+              <a:schemeClr val="lt1"/>
+            </a:fontRef>
+          </p:style>
+          <p:txBody>
+            <a:bodyPr rtlCol="0" anchor="ctr"/>
+            <a:lstStyle/>
+            <a:p>
+              <a:pPr algn="ctr"/>
+              <a:endParaRPr lang="en-CA">
+                <a:solidFill>
+                  <a:schemeClr val="tx1"/>
+                </a:solidFill>
+              </a:endParaRPr>
+            </a:p>
+          </p:txBody>
+        </p:sp>
+        <p:sp>
+          <p:nvSpPr>
+            <p:cNvPr id="43" name="Flowchart: Collate 42">
+              <a:extLst>
+                <a:ext uri="{FF2B5EF4-FFF2-40B4-BE49-F238E27FC236}">
+                  <a16:creationId xmlns:a16="http://schemas.microsoft.com/office/drawing/2014/main" id="{E39189A2-C22E-49C6-B31F-392A517A20CC}"/>
+                </a:ext>
+              </a:extLst>
+            </p:cNvPr>
+            <p:cNvSpPr/>
+            <p:nvPr/>
+          </p:nvSpPr>
+          <p:spPr>
+            <a:xfrm>
+              <a:off x="8775900" y="3058118"/>
+              <a:ext cx="393436" cy="393895"/>
+            </a:xfrm>
+            <a:prstGeom prst="flowChartCollate">
+              <a:avLst/>
+            </a:prstGeom>
+            <a:solidFill>
+              <a:schemeClr val="accent4"/>
+            </a:solidFill>
+          </p:spPr>
+          <p:style>
+            <a:lnRef idx="2">
+              <a:schemeClr val="accent1">
+                <a:shade val="50000"/>
+              </a:schemeClr>
+            </a:lnRef>
+            <a:fillRef idx="1">
+              <a:schemeClr val="accent1"/>
+            </a:fillRef>
+            <a:effectRef idx="0">
+              <a:schemeClr val="accent1"/>
+            </a:effectRef>
+            <a:fontRef idx="minor">
+              <a:schemeClr val="lt1"/>
+            </a:fontRef>
+          </p:style>
+          <p:txBody>
+            <a:bodyPr rtlCol="0" anchor="ctr"/>
+            <a:lstStyle/>
+            <a:p>
+              <a:pPr algn="ctr"/>
+              <a:endParaRPr lang="en-CA">
+                <a:solidFill>
+                  <a:schemeClr val="tx1"/>
+                </a:solidFill>
+              </a:endParaRPr>
+            </a:p>
+          </p:txBody>
+        </p:sp>
+        <p:sp>
+          <p:nvSpPr>
+            <p:cNvPr id="44" name="Flowchart: Collate 43">
+              <a:extLst>
+                <a:ext uri="{FF2B5EF4-FFF2-40B4-BE49-F238E27FC236}">
+                  <a16:creationId xmlns:a16="http://schemas.microsoft.com/office/drawing/2014/main" id="{99BBAE14-234C-49AA-8C4C-35E7B5B5B6FA}"/>
+                </a:ext>
+              </a:extLst>
+            </p:cNvPr>
+            <p:cNvSpPr/>
+            <p:nvPr/>
+          </p:nvSpPr>
+          <p:spPr>
+            <a:xfrm>
+              <a:off x="9112805" y="3046398"/>
+              <a:ext cx="393436" cy="393895"/>
+            </a:xfrm>
+            <a:prstGeom prst="flowChartCollate">
+              <a:avLst/>
+            </a:prstGeom>
+            <a:solidFill>
+              <a:schemeClr val="accent4"/>
+            </a:solidFill>
+          </p:spPr>
+          <p:style>
+            <a:lnRef idx="2">
+              <a:schemeClr val="accent1">
+                <a:shade val="50000"/>
+              </a:schemeClr>
+            </a:lnRef>
+            <a:fillRef idx="1">
+              <a:schemeClr val="accent1"/>
+            </a:fillRef>
+            <a:effectRef idx="0">
+              <a:schemeClr val="accent1"/>
+            </a:effectRef>
+            <a:fontRef idx="minor">
+              <a:schemeClr val="lt1"/>
+            </a:fontRef>
+          </p:style>
+          <p:txBody>
+            <a:bodyPr rtlCol="0" anchor="ctr"/>
+            <a:lstStyle/>
+            <a:p>
+              <a:pPr algn="ctr"/>
+              <a:endParaRPr lang="en-CA">
+                <a:solidFill>
+                  <a:schemeClr val="tx1"/>
+                </a:solidFill>
+              </a:endParaRPr>
+            </a:p>
+          </p:txBody>
+        </p:sp>
+        <p:sp>
+          <p:nvSpPr>
+            <p:cNvPr id="45" name="Flowchart: Collate 44">
+              <a:extLst>
+                <a:ext uri="{FF2B5EF4-FFF2-40B4-BE49-F238E27FC236}">
+                  <a16:creationId xmlns:a16="http://schemas.microsoft.com/office/drawing/2014/main" id="{58B9E719-1F39-4BBD-9B57-CFEA43F4DFB6}"/>
+                </a:ext>
+              </a:extLst>
+            </p:cNvPr>
+            <p:cNvSpPr/>
+            <p:nvPr/>
+          </p:nvSpPr>
+          <p:spPr>
+            <a:xfrm>
+              <a:off x="9462156" y="3058118"/>
+              <a:ext cx="393435" cy="393895"/>
+            </a:xfrm>
+            <a:prstGeom prst="flowChartCollate">
+              <a:avLst/>
+            </a:prstGeom>
+            <a:solidFill>
+              <a:schemeClr val="accent4"/>
+            </a:solidFill>
+          </p:spPr>
+          <p:style>
+            <a:lnRef idx="2">
+              <a:schemeClr val="accent1">
+                <a:shade val="50000"/>
+              </a:schemeClr>
+            </a:lnRef>
+            <a:fillRef idx="1">
+              <a:schemeClr val="accent1"/>
+            </a:fillRef>
+            <a:effectRef idx="0">
+              <a:schemeClr val="accent1"/>
+            </a:effectRef>
+            <a:fontRef idx="minor">
+              <a:schemeClr val="lt1"/>
+            </a:fontRef>
+          </p:style>
+          <p:txBody>
+            <a:bodyPr rtlCol="0" anchor="ctr"/>
+            <a:lstStyle/>
+            <a:p>
+              <a:pPr algn="ctr"/>
+              <a:endParaRPr lang="en-CA">
+                <a:solidFill>
+                  <a:schemeClr val="tx1"/>
+                </a:solidFill>
+              </a:endParaRPr>
+            </a:p>
+          </p:txBody>
+        </p:sp>
+        <p:sp>
+          <p:nvSpPr>
+            <p:cNvPr id="46" name="Flowchart: Collate 45">
+              <a:extLst>
+                <a:ext uri="{FF2B5EF4-FFF2-40B4-BE49-F238E27FC236}">
+                  <a16:creationId xmlns:a16="http://schemas.microsoft.com/office/drawing/2014/main" id="{EDCF99D8-401D-4634-9AFD-5730C04B1D4F}"/>
+                </a:ext>
+              </a:extLst>
+            </p:cNvPr>
+            <p:cNvSpPr/>
+            <p:nvPr/>
+          </p:nvSpPr>
+          <p:spPr>
+            <a:xfrm>
+              <a:off x="9864056" y="3058117"/>
+              <a:ext cx="405360" cy="393895"/>
+            </a:xfrm>
+            <a:prstGeom prst="flowChartCollate">
+              <a:avLst/>
+            </a:prstGeom>
+            <a:solidFill>
+              <a:schemeClr val="accent4"/>
+            </a:solidFill>
+          </p:spPr>
+          <p:style>
+            <a:lnRef idx="2">
+              <a:schemeClr val="accent1">
+                <a:shade val="50000"/>
+              </a:schemeClr>
+            </a:lnRef>
+            <a:fillRef idx="1">
+              <a:schemeClr val="accent1"/>
+            </a:fillRef>
+            <a:effectRef idx="0">
+              <a:schemeClr val="accent1"/>
+            </a:effectRef>
+            <a:fontRef idx="minor">
+              <a:schemeClr val="lt1"/>
+            </a:fontRef>
+          </p:style>
+          <p:txBody>
+            <a:bodyPr rtlCol="0" anchor="ctr"/>
+            <a:lstStyle/>
+            <a:p>
+              <a:pPr algn="ctr"/>
+              <a:endParaRPr lang="en-CA">
+                <a:solidFill>
+                  <a:schemeClr val="tx1"/>
+                </a:solidFill>
+              </a:endParaRPr>
+            </a:p>
+          </p:txBody>
+        </p:sp>
+        <p:sp>
+          <p:nvSpPr>
+            <p:cNvPr id="47" name="Flowchart: Collate 46">
+              <a:extLst>
+                <a:ext uri="{FF2B5EF4-FFF2-40B4-BE49-F238E27FC236}">
+                  <a16:creationId xmlns:a16="http://schemas.microsoft.com/office/drawing/2014/main" id="{9E684F94-0122-47B0-982D-B1E4EF4DBA93}"/>
+                </a:ext>
+              </a:extLst>
+            </p:cNvPr>
+            <p:cNvSpPr/>
+            <p:nvPr/>
+          </p:nvSpPr>
+          <p:spPr>
+            <a:xfrm>
+              <a:off x="8426548" y="3449853"/>
+              <a:ext cx="393436" cy="393895"/>
+            </a:xfrm>
+            <a:prstGeom prst="flowChartCollate">
+              <a:avLst/>
+            </a:prstGeom>
+            <a:solidFill>
+              <a:schemeClr val="accent4"/>
+            </a:solidFill>
+          </p:spPr>
+          <p:style>
+            <a:lnRef idx="2">
+              <a:schemeClr val="accent1">
+                <a:shade val="50000"/>
+              </a:schemeClr>
+            </a:lnRef>
+            <a:fillRef idx="1">
+              <a:schemeClr val="accent1"/>
+            </a:fillRef>
+            <a:effectRef idx="0">
+              <a:schemeClr val="accent1"/>
+            </a:effectRef>
+            <a:fontRef idx="minor">
+              <a:schemeClr val="lt1"/>
+            </a:fontRef>
+          </p:style>
+          <p:txBody>
+            <a:bodyPr rtlCol="0" anchor="ctr"/>
+            <a:lstStyle/>
+            <a:p>
+              <a:pPr algn="ctr"/>
+              <a:endParaRPr lang="en-CA">
+                <a:solidFill>
+                  <a:schemeClr val="tx1"/>
+                </a:solidFill>
+              </a:endParaRPr>
+            </a:p>
+          </p:txBody>
+        </p:sp>
+        <p:sp>
+          <p:nvSpPr>
+            <p:cNvPr id="48" name="Flowchart: Collate 47">
+              <a:extLst>
+                <a:ext uri="{FF2B5EF4-FFF2-40B4-BE49-F238E27FC236}">
+                  <a16:creationId xmlns:a16="http://schemas.microsoft.com/office/drawing/2014/main" id="{CDB4EB1F-B3CD-4FE4-B21A-337BCF7592FB}"/>
+                </a:ext>
+              </a:extLst>
+            </p:cNvPr>
+            <p:cNvSpPr/>
+            <p:nvPr/>
+          </p:nvSpPr>
+          <p:spPr>
+            <a:xfrm>
+              <a:off x="8775900" y="3441916"/>
+              <a:ext cx="393436" cy="393895"/>
+            </a:xfrm>
+            <a:prstGeom prst="flowChartCollate">
+              <a:avLst/>
+            </a:prstGeom>
+            <a:solidFill>
+              <a:schemeClr val="accent4"/>
+            </a:solidFill>
+          </p:spPr>
+          <p:style>
+            <a:lnRef idx="2">
+              <a:schemeClr val="accent1">
+                <a:shade val="50000"/>
+              </a:schemeClr>
+            </a:lnRef>
+            <a:fillRef idx="1">
+              <a:schemeClr val="accent1"/>
+            </a:fillRef>
+            <a:effectRef idx="0">
+              <a:schemeClr val="accent1"/>
+            </a:effectRef>
+            <a:fontRef idx="minor">
+              <a:schemeClr val="lt1"/>
+            </a:fontRef>
+          </p:style>
+          <p:txBody>
+            <a:bodyPr rtlCol="0" anchor="ctr"/>
+            <a:lstStyle/>
+            <a:p>
+              <a:pPr algn="ctr"/>
+              <a:endParaRPr lang="en-CA">
+                <a:solidFill>
+                  <a:schemeClr val="tx1"/>
+                </a:solidFill>
+              </a:endParaRPr>
+            </a:p>
+          </p:txBody>
+        </p:sp>
+        <p:sp>
+          <p:nvSpPr>
+            <p:cNvPr id="49" name="Flowchart: Collate 48">
+              <a:extLst>
+                <a:ext uri="{FF2B5EF4-FFF2-40B4-BE49-F238E27FC236}">
+                  <a16:creationId xmlns:a16="http://schemas.microsoft.com/office/drawing/2014/main" id="{0C73C89E-6186-42D5-B9A9-AB69D64F43BC}"/>
+                </a:ext>
+              </a:extLst>
+            </p:cNvPr>
+            <p:cNvSpPr/>
+            <p:nvPr/>
+          </p:nvSpPr>
+          <p:spPr>
+            <a:xfrm>
+              <a:off x="9112805" y="3444264"/>
+              <a:ext cx="393436" cy="393895"/>
+            </a:xfrm>
+            <a:prstGeom prst="flowChartCollate">
+              <a:avLst/>
+            </a:prstGeom>
+            <a:solidFill>
+              <a:schemeClr val="accent4"/>
+            </a:solidFill>
+          </p:spPr>
+          <p:style>
+            <a:lnRef idx="2">
+              <a:schemeClr val="accent1">
+                <a:shade val="50000"/>
+              </a:schemeClr>
+            </a:lnRef>
+            <a:fillRef idx="1">
+              <a:schemeClr val="accent1"/>
+            </a:fillRef>
+            <a:effectRef idx="0">
+              <a:schemeClr val="accent1"/>
+            </a:effectRef>
+            <a:fontRef idx="minor">
+              <a:schemeClr val="lt1"/>
+            </a:fontRef>
+          </p:style>
+          <p:txBody>
+            <a:bodyPr rtlCol="0" anchor="ctr"/>
+            <a:lstStyle/>
+            <a:p>
+              <a:pPr algn="ctr"/>
+              <a:endParaRPr lang="en-CA">
+                <a:solidFill>
+                  <a:schemeClr val="tx1"/>
+                </a:solidFill>
+              </a:endParaRPr>
+            </a:p>
+          </p:txBody>
+        </p:sp>
+        <p:sp>
+          <p:nvSpPr>
+            <p:cNvPr id="50" name="Flowchart: Collate 49">
+              <a:extLst>
+                <a:ext uri="{FF2B5EF4-FFF2-40B4-BE49-F238E27FC236}">
+                  <a16:creationId xmlns:a16="http://schemas.microsoft.com/office/drawing/2014/main" id="{1F9FE98A-D5E5-480D-9419-F0DE6E57F27C}"/>
+                </a:ext>
+              </a:extLst>
+            </p:cNvPr>
+            <p:cNvSpPr/>
+            <p:nvPr/>
+          </p:nvSpPr>
+          <p:spPr>
+            <a:xfrm>
+              <a:off x="9462156" y="3441916"/>
+              <a:ext cx="393435" cy="393895"/>
+            </a:xfrm>
+            <a:prstGeom prst="flowChartCollate">
+              <a:avLst/>
+            </a:prstGeom>
+            <a:solidFill>
+              <a:schemeClr val="accent4"/>
+            </a:solidFill>
+          </p:spPr>
+          <p:style>
+            <a:lnRef idx="2">
+              <a:schemeClr val="accent1">
+                <a:shade val="50000"/>
+              </a:schemeClr>
+            </a:lnRef>
+            <a:fillRef idx="1">
+              <a:schemeClr val="accent1"/>
+            </a:fillRef>
+            <a:effectRef idx="0">
+              <a:schemeClr val="accent1"/>
+            </a:effectRef>
+            <a:fontRef idx="minor">
+              <a:schemeClr val="lt1"/>
+            </a:fontRef>
+          </p:style>
+          <p:txBody>
+            <a:bodyPr rtlCol="0" anchor="ctr"/>
+            <a:lstStyle/>
+            <a:p>
+              <a:pPr algn="ctr"/>
+              <a:endParaRPr lang="en-CA">
+                <a:solidFill>
+                  <a:schemeClr val="tx1"/>
+                </a:solidFill>
+              </a:endParaRPr>
+            </a:p>
+          </p:txBody>
+        </p:sp>
+        <p:sp>
+          <p:nvSpPr>
+            <p:cNvPr id="51" name="Flowchart: Collate 50">
+              <a:extLst>
+                <a:ext uri="{FF2B5EF4-FFF2-40B4-BE49-F238E27FC236}">
+                  <a16:creationId xmlns:a16="http://schemas.microsoft.com/office/drawing/2014/main" id="{2EBAB4A3-85B9-4922-94D8-0AC61971C376}"/>
+                </a:ext>
+              </a:extLst>
+            </p:cNvPr>
+            <p:cNvSpPr/>
+            <p:nvPr/>
+          </p:nvSpPr>
+          <p:spPr>
+            <a:xfrm>
+              <a:off x="9864056" y="3441915"/>
+              <a:ext cx="405360" cy="393895"/>
+            </a:xfrm>
+            <a:prstGeom prst="flowChartCollate">
+              <a:avLst/>
+            </a:prstGeom>
+            <a:solidFill>
+              <a:schemeClr val="accent4"/>
+            </a:solidFill>
+          </p:spPr>
+          <p:style>
+            <a:lnRef idx="2">
+              <a:schemeClr val="accent1">
+                <a:shade val="50000"/>
+              </a:schemeClr>
+            </a:lnRef>
+            <a:fillRef idx="1">
+              <a:schemeClr val="accent1"/>
+            </a:fillRef>
+            <a:effectRef idx="0">
+              <a:schemeClr val="accent1"/>
+            </a:effectRef>
+            <a:fontRef idx="minor">
+              <a:schemeClr val="lt1"/>
+            </a:fontRef>
+          </p:style>
+          <p:txBody>
+            <a:bodyPr rtlCol="0" anchor="ctr"/>
+            <a:lstStyle/>
+            <a:p>
+              <a:pPr algn="ctr"/>
+              <a:endParaRPr lang="en-CA">
+                <a:solidFill>
+                  <a:schemeClr val="tx1"/>
+                </a:solidFill>
+              </a:endParaRPr>
+            </a:p>
+          </p:txBody>
+        </p:sp>
+        <p:sp>
+          <p:nvSpPr>
+            <p:cNvPr id="52" name="Flowchart: Collate 51">
+              <a:extLst>
+                <a:ext uri="{FF2B5EF4-FFF2-40B4-BE49-F238E27FC236}">
+                  <a16:creationId xmlns:a16="http://schemas.microsoft.com/office/drawing/2014/main" id="{9AB074AD-39C7-41B8-B291-0164878D1444}"/>
+                </a:ext>
+              </a:extLst>
+            </p:cNvPr>
+            <p:cNvSpPr/>
+            <p:nvPr/>
+          </p:nvSpPr>
+          <p:spPr>
+            <a:xfrm>
+              <a:off x="8432151" y="3837062"/>
+              <a:ext cx="393436" cy="393895"/>
+            </a:xfrm>
+            <a:prstGeom prst="flowChartCollate">
+              <a:avLst/>
+            </a:prstGeom>
+            <a:solidFill>
+              <a:schemeClr val="accent4"/>
+            </a:solidFill>
+          </p:spPr>
+          <p:style>
+            <a:lnRef idx="2">
+              <a:schemeClr val="accent1">
+                <a:shade val="50000"/>
+              </a:schemeClr>
+            </a:lnRef>
+            <a:fillRef idx="1">
+              <a:schemeClr val="accent1"/>
+            </a:fillRef>
+            <a:effectRef idx="0">
+              <a:schemeClr val="accent1"/>
+            </a:effectRef>
+            <a:fontRef idx="minor">
+              <a:schemeClr val="lt1"/>
+            </a:fontRef>
+          </p:style>
+          <p:txBody>
+            <a:bodyPr rtlCol="0" anchor="ctr"/>
+            <a:lstStyle/>
+            <a:p>
+              <a:pPr algn="ctr"/>
+              <a:endParaRPr lang="en-CA">
+                <a:solidFill>
+                  <a:schemeClr val="tx1"/>
+                </a:solidFill>
+              </a:endParaRPr>
+            </a:p>
+          </p:txBody>
+        </p:sp>
+        <p:sp>
+          <p:nvSpPr>
+            <p:cNvPr id="53" name="Flowchart: Collate 52">
+              <a:extLst>
+                <a:ext uri="{FF2B5EF4-FFF2-40B4-BE49-F238E27FC236}">
+                  <a16:creationId xmlns:a16="http://schemas.microsoft.com/office/drawing/2014/main" id="{344BA87C-9D47-48BF-8635-9359CA9DA9E7}"/>
+                </a:ext>
+              </a:extLst>
+            </p:cNvPr>
+            <p:cNvSpPr/>
+            <p:nvPr/>
+          </p:nvSpPr>
+          <p:spPr>
+            <a:xfrm>
+              <a:off x="8781503" y="3834714"/>
+              <a:ext cx="393436" cy="393895"/>
+            </a:xfrm>
+            <a:prstGeom prst="flowChartCollate">
+              <a:avLst/>
+            </a:prstGeom>
+            <a:solidFill>
+              <a:schemeClr val="accent4"/>
+            </a:solidFill>
+          </p:spPr>
+          <p:style>
+            <a:lnRef idx="2">
+              <a:schemeClr val="accent1">
+                <a:shade val="50000"/>
+              </a:schemeClr>
+            </a:lnRef>
+            <a:fillRef idx="1">
+              <a:schemeClr val="accent1"/>
+            </a:fillRef>
+            <a:effectRef idx="0">
+              <a:schemeClr val="accent1"/>
+            </a:effectRef>
+            <a:fontRef idx="minor">
+              <a:schemeClr val="lt1"/>
+            </a:fontRef>
+          </p:style>
+          <p:txBody>
+            <a:bodyPr rtlCol="0" anchor="ctr"/>
+            <a:lstStyle/>
+            <a:p>
+              <a:pPr algn="ctr"/>
+              <a:endParaRPr lang="en-CA">
+                <a:solidFill>
+                  <a:schemeClr val="tx1"/>
+                </a:solidFill>
+              </a:endParaRPr>
+            </a:p>
+          </p:txBody>
+        </p:sp>
+        <p:sp>
+          <p:nvSpPr>
+            <p:cNvPr id="54" name="Flowchart: Collate 53">
+              <a:extLst>
+                <a:ext uri="{FF2B5EF4-FFF2-40B4-BE49-F238E27FC236}">
+                  <a16:creationId xmlns:a16="http://schemas.microsoft.com/office/drawing/2014/main" id="{4B76396A-6E3A-4296-AE6E-1C131DABDB1E}"/>
+                </a:ext>
+              </a:extLst>
+            </p:cNvPr>
+            <p:cNvSpPr/>
+            <p:nvPr/>
+          </p:nvSpPr>
+          <p:spPr>
+            <a:xfrm>
+              <a:off x="9118408" y="3837062"/>
+              <a:ext cx="393436" cy="393895"/>
+            </a:xfrm>
+            <a:prstGeom prst="flowChartCollate">
+              <a:avLst/>
+            </a:prstGeom>
+            <a:solidFill>
+              <a:schemeClr val="accent4"/>
+            </a:solidFill>
+          </p:spPr>
+          <p:style>
+            <a:lnRef idx="2">
+              <a:schemeClr val="accent1">
+                <a:shade val="50000"/>
+              </a:schemeClr>
+            </a:lnRef>
+            <a:fillRef idx="1">
+              <a:schemeClr val="accent1"/>
+            </a:fillRef>
+            <a:effectRef idx="0">
+              <a:schemeClr val="accent1"/>
+            </a:effectRef>
+            <a:fontRef idx="minor">
+              <a:schemeClr val="lt1"/>
+            </a:fontRef>
+          </p:style>
+          <p:txBody>
+            <a:bodyPr rtlCol="0" anchor="ctr"/>
+            <a:lstStyle/>
+            <a:p>
+              <a:pPr algn="ctr"/>
+              <a:endParaRPr lang="en-CA">
+                <a:solidFill>
+                  <a:schemeClr val="tx1"/>
+                </a:solidFill>
+              </a:endParaRPr>
+            </a:p>
+          </p:txBody>
+        </p:sp>
+        <p:sp>
+          <p:nvSpPr>
+            <p:cNvPr id="55" name="Flowchart: Collate 54">
+              <a:extLst>
+                <a:ext uri="{FF2B5EF4-FFF2-40B4-BE49-F238E27FC236}">
+                  <a16:creationId xmlns:a16="http://schemas.microsoft.com/office/drawing/2014/main" id="{8789B844-0807-4123-B0DF-2A03B35CCD20}"/>
+                </a:ext>
+              </a:extLst>
+            </p:cNvPr>
+            <p:cNvSpPr/>
+            <p:nvPr/>
+          </p:nvSpPr>
+          <p:spPr>
+            <a:xfrm>
+              <a:off x="9467759" y="3834714"/>
+              <a:ext cx="393435" cy="393895"/>
+            </a:xfrm>
+            <a:prstGeom prst="flowChartCollate">
+              <a:avLst/>
+            </a:prstGeom>
+            <a:solidFill>
+              <a:schemeClr val="accent4"/>
+            </a:solidFill>
+          </p:spPr>
+          <p:style>
+            <a:lnRef idx="2">
+              <a:schemeClr val="accent1">
+                <a:shade val="50000"/>
+              </a:schemeClr>
+            </a:lnRef>
+            <a:fillRef idx="1">
+              <a:schemeClr val="accent1"/>
+            </a:fillRef>
+            <a:effectRef idx="0">
+              <a:schemeClr val="accent1"/>
+            </a:effectRef>
+            <a:fontRef idx="minor">
+              <a:schemeClr val="lt1"/>
+            </a:fontRef>
+          </p:style>
+          <p:txBody>
+            <a:bodyPr rtlCol="0" anchor="ctr"/>
+            <a:lstStyle/>
+            <a:p>
+              <a:pPr algn="ctr"/>
+              <a:endParaRPr lang="en-CA">
+                <a:solidFill>
+                  <a:schemeClr val="tx1"/>
+                </a:solidFill>
+              </a:endParaRPr>
+            </a:p>
+          </p:txBody>
+        </p:sp>
+        <p:sp>
+          <p:nvSpPr>
+            <p:cNvPr id="56" name="Flowchart: Collate 55">
+              <a:extLst>
+                <a:ext uri="{FF2B5EF4-FFF2-40B4-BE49-F238E27FC236}">
+                  <a16:creationId xmlns:a16="http://schemas.microsoft.com/office/drawing/2014/main" id="{EA7534C8-C29F-4EEC-899A-65B4979E9715}"/>
+                </a:ext>
+              </a:extLst>
+            </p:cNvPr>
+            <p:cNvSpPr/>
+            <p:nvPr/>
+          </p:nvSpPr>
+          <p:spPr>
+            <a:xfrm>
+              <a:off x="9869659" y="3834713"/>
+              <a:ext cx="405360" cy="393895"/>
+            </a:xfrm>
+            <a:prstGeom prst="flowChartCollate">
+              <a:avLst/>
+            </a:prstGeom>
+            <a:solidFill>
+              <a:schemeClr val="accent4"/>
+            </a:solidFill>
+          </p:spPr>
+          <p:style>
+            <a:lnRef idx="2">
+              <a:schemeClr val="accent1">
+                <a:shade val="50000"/>
+              </a:schemeClr>
+            </a:lnRef>
+            <a:fillRef idx="1">
+              <a:schemeClr val="accent1"/>
+            </a:fillRef>
+            <a:effectRef idx="0">
+              <a:schemeClr val="accent1"/>
+            </a:effectRef>
+            <a:fontRef idx="minor">
+              <a:schemeClr val="lt1"/>
+            </a:fontRef>
+          </p:style>
+          <p:txBody>
+            <a:bodyPr rtlCol="0" anchor="ctr"/>
+            <a:lstStyle/>
+            <a:p>
+              <a:pPr algn="ctr"/>
+              <a:endParaRPr lang="en-CA">
+                <a:solidFill>
+                  <a:schemeClr val="tx1"/>
+                </a:solidFill>
+              </a:endParaRPr>
+            </a:p>
+          </p:txBody>
+        </p:sp>
+      </p:grpSp>
     </p:spTree>
     <p:extLst>
       <p:ext uri="{BB962C8B-B14F-4D97-AF65-F5344CB8AC3E}">
@@ -4033,6 +6018,1179 @@
 </file>
 
 <file path=ppt/slides/slide10.xml><?xml version="1.0" encoding="utf-8"?>
+<p:sld xmlns:a="http://schemas.openxmlformats.org/drawingml/2006/main" xmlns:r="http://schemas.openxmlformats.org/officeDocument/2006/relationships" xmlns:p="http://schemas.openxmlformats.org/presentationml/2006/main">
+  <p:cSld>
+    <p:spTree>
+      <p:nvGrpSpPr>
+        <p:cNvPr id="1" name=""/>
+        <p:cNvGrpSpPr/>
+        <p:nvPr/>
+      </p:nvGrpSpPr>
+      <p:grpSpPr>
+        <a:xfrm>
+          <a:off x="0" y="0"/>
+          <a:ext cx="0" cy="0"/>
+          <a:chOff x="0" y="0"/>
+          <a:chExt cx="0" cy="0"/>
+        </a:xfrm>
+      </p:grpSpPr>
+      <p:grpSp>
+        <p:nvGrpSpPr>
+          <p:cNvPr id="44" name="Group 43">
+            <a:extLst>
+              <a:ext uri="{FF2B5EF4-FFF2-40B4-BE49-F238E27FC236}">
+                <a16:creationId xmlns:a16="http://schemas.microsoft.com/office/drawing/2014/main" id="{74E98ADB-61EB-4222-8A67-5D28B56F9F20}"/>
+              </a:ext>
+            </a:extLst>
+          </p:cNvPr>
+          <p:cNvGrpSpPr/>
+          <p:nvPr/>
+        </p:nvGrpSpPr>
+        <p:grpSpPr>
+          <a:xfrm>
+            <a:off x="550936" y="1106002"/>
+            <a:ext cx="2239618" cy="3220279"/>
+            <a:chOff x="550936" y="1106002"/>
+            <a:chExt cx="2239618" cy="3220279"/>
+          </a:xfrm>
+        </p:grpSpPr>
+        <p:grpSp>
+          <p:nvGrpSpPr>
+            <p:cNvPr id="22" name="Group 21">
+              <a:extLst>
+                <a:ext uri="{FF2B5EF4-FFF2-40B4-BE49-F238E27FC236}">
+                  <a16:creationId xmlns:a16="http://schemas.microsoft.com/office/drawing/2014/main" id="{63B614DA-BFF4-42C4-82C5-B454B5757A1A}"/>
+                </a:ext>
+              </a:extLst>
+            </p:cNvPr>
+            <p:cNvGrpSpPr/>
+            <p:nvPr/>
+          </p:nvGrpSpPr>
+          <p:grpSpPr>
+            <a:xfrm>
+              <a:off x="550936" y="1106002"/>
+              <a:ext cx="2239618" cy="3220279"/>
+              <a:chOff x="7859643" y="1245704"/>
+              <a:chExt cx="2239618" cy="3220279"/>
+            </a:xfrm>
+          </p:grpSpPr>
+          <p:sp>
+            <p:nvSpPr>
+              <p:cNvPr id="23" name="Rectangle: Rounded Corners 22">
+                <a:extLst>
+                  <a:ext uri="{FF2B5EF4-FFF2-40B4-BE49-F238E27FC236}">
+                    <a16:creationId xmlns:a16="http://schemas.microsoft.com/office/drawing/2014/main" id="{6265FC72-79D8-4FB9-8728-6D1BCF80EDAA}"/>
+                  </a:ext>
+                </a:extLst>
+              </p:cNvPr>
+              <p:cNvSpPr/>
+              <p:nvPr/>
+            </p:nvSpPr>
+            <p:spPr>
+              <a:xfrm>
+                <a:off x="7859643" y="1245704"/>
+                <a:ext cx="2239618" cy="3220279"/>
+              </a:xfrm>
+              <a:prstGeom prst="roundRect">
+                <a:avLst/>
+              </a:prstGeom>
+              <a:solidFill>
+                <a:srgbClr val="F0F5F5"/>
+              </a:solidFill>
+              <a:ln w="76200">
+                <a:solidFill>
+                  <a:schemeClr val="tx1"/>
+                </a:solidFill>
+              </a:ln>
+            </p:spPr>
+            <p:style>
+              <a:lnRef idx="2">
+                <a:schemeClr val="accent1">
+                  <a:shade val="50000"/>
+                </a:schemeClr>
+              </a:lnRef>
+              <a:fillRef idx="1">
+                <a:schemeClr val="accent1"/>
+              </a:fillRef>
+              <a:effectRef idx="0">
+                <a:schemeClr val="accent1"/>
+              </a:effectRef>
+              <a:fontRef idx="minor">
+                <a:schemeClr val="lt1"/>
+              </a:fontRef>
+            </p:style>
+            <p:txBody>
+              <a:bodyPr rtlCol="0" anchor="ctr"/>
+              <a:lstStyle/>
+              <a:p>
+                <a:pPr algn="ctr"/>
+                <a:endParaRPr lang="en-CA"/>
+              </a:p>
+            </p:txBody>
+          </p:sp>
+          <p:sp>
+            <p:nvSpPr>
+              <p:cNvPr id="24" name="Flowchart: Decision 23">
+                <a:extLst>
+                  <a:ext uri="{FF2B5EF4-FFF2-40B4-BE49-F238E27FC236}">
+                    <a16:creationId xmlns:a16="http://schemas.microsoft.com/office/drawing/2014/main" id="{DC265F79-731D-4B52-9B0A-B89A1658FA93}"/>
+                  </a:ext>
+                </a:extLst>
+              </p:cNvPr>
+              <p:cNvSpPr/>
+              <p:nvPr/>
+            </p:nvSpPr>
+            <p:spPr>
+              <a:xfrm>
+                <a:off x="8012043" y="1398104"/>
+                <a:ext cx="640383" cy="926381"/>
+              </a:xfrm>
+              <a:prstGeom prst="flowChartDecision">
+                <a:avLst/>
+              </a:prstGeom>
+              <a:solidFill>
+                <a:srgbClr val="FF0000"/>
+              </a:solidFill>
+              <a:ln>
+                <a:solidFill>
+                  <a:srgbClr val="FF0000"/>
+                </a:solidFill>
+              </a:ln>
+            </p:spPr>
+            <p:style>
+              <a:lnRef idx="2">
+                <a:schemeClr val="accent1">
+                  <a:shade val="50000"/>
+                </a:schemeClr>
+              </a:lnRef>
+              <a:fillRef idx="1">
+                <a:schemeClr val="accent1"/>
+              </a:fillRef>
+              <a:effectRef idx="0">
+                <a:schemeClr val="accent1"/>
+              </a:effectRef>
+              <a:fontRef idx="minor">
+                <a:schemeClr val="lt1"/>
+              </a:fontRef>
+            </p:style>
+            <p:txBody>
+              <a:bodyPr rot="0" spcFirstLastPara="0" vertOverflow="overflow" horzOverflow="overflow" vert="horz" wrap="square" lIns="91440" tIns="45720" rIns="91440" bIns="45720" numCol="1" spcCol="0" rtlCol="0" fromWordArt="0" anchor="ctr" anchorCtr="0" forceAA="0" compatLnSpc="1">
+                <a:prstTxWarp prst="textNoShape">
+                  <a:avLst/>
+                </a:prstTxWarp>
+                <a:noAutofit/>
+              </a:bodyPr>
+              <a:lstStyle/>
+              <a:p>
+                <a:pPr algn="ctr"/>
+                <a:endParaRPr lang="en-CA">
+                  <a:ln w="0"/>
+                  <a:solidFill>
+                    <a:schemeClr val="tx1"/>
+                  </a:solidFill>
+                  <a:effectLst>
+                    <a:outerShdw blurRad="38100" dist="19050" dir="2700000" algn="tl" rotWithShape="0">
+                      <a:schemeClr val="dk1">
+                        <a:alpha val="40000"/>
+                      </a:schemeClr>
+                    </a:outerShdw>
+                  </a:effectLst>
+                </a:endParaRPr>
+              </a:p>
+            </p:txBody>
+          </p:sp>
+        </p:grpSp>
+        <p:sp>
+          <p:nvSpPr>
+            <p:cNvPr id="40" name="Rectangle 39">
+              <a:extLst>
+                <a:ext uri="{FF2B5EF4-FFF2-40B4-BE49-F238E27FC236}">
+                  <a16:creationId xmlns:a16="http://schemas.microsoft.com/office/drawing/2014/main" id="{178A51CC-E5F6-4142-8965-6476E4318E40}"/>
+                </a:ext>
+              </a:extLst>
+            </p:cNvPr>
+            <p:cNvSpPr/>
+            <p:nvPr/>
+          </p:nvSpPr>
+          <p:spPr>
+            <a:xfrm>
+              <a:off x="1120449" y="1782547"/>
+              <a:ext cx="1370692" cy="2400657"/>
+            </a:xfrm>
+            <a:prstGeom prst="rect">
+              <a:avLst/>
+            </a:prstGeom>
+            <a:noFill/>
+          </p:spPr>
+          <p:txBody>
+            <a:bodyPr wrap="square" lIns="91440" tIns="45720" rIns="91440" bIns="45720">
+              <a:spAutoFit/>
+            </a:bodyPr>
+            <a:lstStyle/>
+            <a:p>
+              <a:pPr algn="ctr"/>
+              <a:r>
+                <a:rPr lang="en-US" sz="15000" dirty="0">
+                  <a:ln w="0"/>
+                  <a:effectLst>
+                    <a:outerShdw blurRad="38100" dist="19050" dir="2700000" algn="tl" rotWithShape="0">
+                      <a:schemeClr val="dk1">
+                        <a:alpha val="40000"/>
+                      </a:schemeClr>
+                    </a:outerShdw>
+                  </a:effectLst>
+                </a:rPr>
+                <a:t>8</a:t>
+              </a:r>
+              <a:endParaRPr lang="en-US" sz="15000" b="0" cap="none" spc="0" dirty="0">
+                <a:ln w="0"/>
+                <a:solidFill>
+                  <a:schemeClr val="tx1"/>
+                </a:solidFill>
+                <a:effectLst>
+                  <a:outerShdw blurRad="38100" dist="19050" dir="2700000" algn="tl" rotWithShape="0">
+                    <a:schemeClr val="dk1">
+                      <a:alpha val="40000"/>
+                    </a:schemeClr>
+                  </a:outerShdw>
+                </a:effectLst>
+              </a:endParaRPr>
+            </a:p>
+          </p:txBody>
+        </p:sp>
+      </p:grpSp>
+      <p:grpSp>
+        <p:nvGrpSpPr>
+          <p:cNvPr id="45" name="Group 44">
+            <a:extLst>
+              <a:ext uri="{FF2B5EF4-FFF2-40B4-BE49-F238E27FC236}">
+                <a16:creationId xmlns:a16="http://schemas.microsoft.com/office/drawing/2014/main" id="{55FD5365-8510-459C-8A15-2B201A0FDBB8}"/>
+              </a:ext>
+            </a:extLst>
+          </p:cNvPr>
+          <p:cNvGrpSpPr/>
+          <p:nvPr/>
+        </p:nvGrpSpPr>
+        <p:grpSpPr>
+          <a:xfrm>
+            <a:off x="3471521" y="1106003"/>
+            <a:ext cx="2239618" cy="3220279"/>
+            <a:chOff x="3471521" y="1106003"/>
+            <a:chExt cx="2239618" cy="3220279"/>
+          </a:xfrm>
+        </p:grpSpPr>
+        <p:sp>
+          <p:nvSpPr>
+            <p:cNvPr id="25" name="Rectangle: Rounded Corners 24">
+              <a:extLst>
+                <a:ext uri="{FF2B5EF4-FFF2-40B4-BE49-F238E27FC236}">
+                  <a16:creationId xmlns:a16="http://schemas.microsoft.com/office/drawing/2014/main" id="{72633A8E-65F9-4AD1-93C5-5A330CBEC8FD}"/>
+                </a:ext>
+              </a:extLst>
+            </p:cNvPr>
+            <p:cNvSpPr/>
+            <p:nvPr/>
+          </p:nvSpPr>
+          <p:spPr>
+            <a:xfrm>
+              <a:off x="3471521" y="1106003"/>
+              <a:ext cx="2239618" cy="3220279"/>
+            </a:xfrm>
+            <a:prstGeom prst="roundRect">
+              <a:avLst/>
+            </a:prstGeom>
+            <a:solidFill>
+              <a:srgbClr val="F0F5F5"/>
+            </a:solidFill>
+            <a:ln w="76200">
+              <a:solidFill>
+                <a:schemeClr val="tx1"/>
+              </a:solidFill>
+            </a:ln>
+          </p:spPr>
+          <p:style>
+            <a:lnRef idx="2">
+              <a:schemeClr val="accent1">
+                <a:shade val="50000"/>
+              </a:schemeClr>
+            </a:lnRef>
+            <a:fillRef idx="1">
+              <a:schemeClr val="accent1"/>
+            </a:fillRef>
+            <a:effectRef idx="0">
+              <a:schemeClr val="accent1"/>
+            </a:effectRef>
+            <a:fontRef idx="minor">
+              <a:schemeClr val="lt1"/>
+            </a:fontRef>
+          </p:style>
+          <p:txBody>
+            <a:bodyPr rtlCol="0" anchor="ctr"/>
+            <a:lstStyle/>
+            <a:p>
+              <a:pPr algn="ctr"/>
+              <a:endParaRPr lang="en-CA"/>
+            </a:p>
+          </p:txBody>
+        </p:sp>
+        <p:grpSp>
+          <p:nvGrpSpPr>
+            <p:cNvPr id="28" name="Group 27">
+              <a:extLst>
+                <a:ext uri="{FF2B5EF4-FFF2-40B4-BE49-F238E27FC236}">
+                  <a16:creationId xmlns:a16="http://schemas.microsoft.com/office/drawing/2014/main" id="{41DE7F51-3F45-4DDF-8123-3C602541BD94}"/>
+                </a:ext>
+              </a:extLst>
+            </p:cNvPr>
+            <p:cNvGrpSpPr/>
+            <p:nvPr/>
+          </p:nvGrpSpPr>
+          <p:grpSpPr>
+            <a:xfrm>
+              <a:off x="3609451" y="1258404"/>
+              <a:ext cx="845792" cy="926379"/>
+              <a:chOff x="4926496" y="4583570"/>
+              <a:chExt cx="845792" cy="926379"/>
+            </a:xfrm>
+          </p:grpSpPr>
+          <p:sp>
+            <p:nvSpPr>
+              <p:cNvPr id="29" name="Oval 28">
+                <a:extLst>
+                  <a:ext uri="{FF2B5EF4-FFF2-40B4-BE49-F238E27FC236}">
+                    <a16:creationId xmlns:a16="http://schemas.microsoft.com/office/drawing/2014/main" id="{B18A2F84-C8D2-4B2A-AA01-2EC6B3363926}"/>
+                  </a:ext>
+                </a:extLst>
+              </p:cNvPr>
+              <p:cNvSpPr/>
+              <p:nvPr/>
+            </p:nvSpPr>
+            <p:spPr>
+              <a:xfrm>
+                <a:off x="4926496" y="4972878"/>
+                <a:ext cx="410817" cy="417444"/>
+              </a:xfrm>
+              <a:prstGeom prst="ellipse">
+                <a:avLst/>
+              </a:prstGeom>
+              <a:solidFill>
+                <a:schemeClr val="tx1"/>
+              </a:solidFill>
+              <a:ln>
+                <a:solidFill>
+                  <a:schemeClr val="tx1"/>
+                </a:solidFill>
+              </a:ln>
+            </p:spPr>
+            <p:style>
+              <a:lnRef idx="2">
+                <a:schemeClr val="accent1">
+                  <a:shade val="50000"/>
+                </a:schemeClr>
+              </a:lnRef>
+              <a:fillRef idx="1">
+                <a:schemeClr val="accent1"/>
+              </a:fillRef>
+              <a:effectRef idx="0">
+                <a:schemeClr val="accent1"/>
+              </a:effectRef>
+              <a:fontRef idx="minor">
+                <a:schemeClr val="lt1"/>
+              </a:fontRef>
+            </p:style>
+            <p:txBody>
+              <a:bodyPr rtlCol="0" anchor="ctr"/>
+              <a:lstStyle/>
+              <a:p>
+                <a:pPr algn="ctr"/>
+                <a:endParaRPr lang="en-CA"/>
+              </a:p>
+            </p:txBody>
+          </p:sp>
+          <p:sp>
+            <p:nvSpPr>
+              <p:cNvPr id="30" name="Oval 29">
+                <a:extLst>
+                  <a:ext uri="{FF2B5EF4-FFF2-40B4-BE49-F238E27FC236}">
+                    <a16:creationId xmlns:a16="http://schemas.microsoft.com/office/drawing/2014/main" id="{6EB59C77-6AFF-4EC2-BC73-3978875700B3}"/>
+                  </a:ext>
+                </a:extLst>
+              </p:cNvPr>
+              <p:cNvSpPr/>
+              <p:nvPr/>
+            </p:nvSpPr>
+            <p:spPr>
+              <a:xfrm>
+                <a:off x="5361471" y="4972878"/>
+                <a:ext cx="410817" cy="417444"/>
+              </a:xfrm>
+              <a:prstGeom prst="ellipse">
+                <a:avLst/>
+              </a:prstGeom>
+              <a:solidFill>
+                <a:schemeClr val="tx1"/>
+              </a:solidFill>
+              <a:ln>
+                <a:solidFill>
+                  <a:schemeClr val="tx1"/>
+                </a:solidFill>
+              </a:ln>
+            </p:spPr>
+            <p:style>
+              <a:lnRef idx="2">
+                <a:schemeClr val="accent1">
+                  <a:shade val="50000"/>
+                </a:schemeClr>
+              </a:lnRef>
+              <a:fillRef idx="1">
+                <a:schemeClr val="accent1"/>
+              </a:fillRef>
+              <a:effectRef idx="0">
+                <a:schemeClr val="accent1"/>
+              </a:effectRef>
+              <a:fontRef idx="minor">
+                <a:schemeClr val="lt1"/>
+              </a:fontRef>
+            </p:style>
+            <p:txBody>
+              <a:bodyPr rtlCol="0" anchor="ctr"/>
+              <a:lstStyle/>
+              <a:p>
+                <a:pPr algn="ctr"/>
+                <a:endParaRPr lang="en-CA" dirty="0"/>
+              </a:p>
+            </p:txBody>
+          </p:sp>
+          <p:sp>
+            <p:nvSpPr>
+              <p:cNvPr id="31" name="Oval 30">
+                <a:extLst>
+                  <a:ext uri="{FF2B5EF4-FFF2-40B4-BE49-F238E27FC236}">
+                    <a16:creationId xmlns:a16="http://schemas.microsoft.com/office/drawing/2014/main" id="{19CE18DE-0DAC-4CEF-ADEC-FF59FCB1283E}"/>
+                  </a:ext>
+                </a:extLst>
+              </p:cNvPr>
+              <p:cNvSpPr/>
+              <p:nvPr/>
+            </p:nvSpPr>
+            <p:spPr>
+              <a:xfrm>
+                <a:off x="5131904" y="4583570"/>
+                <a:ext cx="410817" cy="417444"/>
+              </a:xfrm>
+              <a:prstGeom prst="ellipse">
+                <a:avLst/>
+              </a:prstGeom>
+              <a:solidFill>
+                <a:schemeClr val="tx1"/>
+              </a:solidFill>
+              <a:ln>
+                <a:solidFill>
+                  <a:schemeClr val="tx1"/>
+                </a:solidFill>
+              </a:ln>
+            </p:spPr>
+            <p:style>
+              <a:lnRef idx="2">
+                <a:schemeClr val="accent1">
+                  <a:shade val="50000"/>
+                </a:schemeClr>
+              </a:lnRef>
+              <a:fillRef idx="1">
+                <a:schemeClr val="accent1"/>
+              </a:fillRef>
+              <a:effectRef idx="0">
+                <a:schemeClr val="accent1"/>
+              </a:effectRef>
+              <a:fontRef idx="minor">
+                <a:schemeClr val="lt1"/>
+              </a:fontRef>
+            </p:style>
+            <p:txBody>
+              <a:bodyPr rtlCol="0" anchor="ctr"/>
+              <a:lstStyle/>
+              <a:p>
+                <a:pPr algn="ctr"/>
+                <a:endParaRPr lang="en-CA"/>
+              </a:p>
+            </p:txBody>
+          </p:sp>
+          <p:sp>
+            <p:nvSpPr>
+              <p:cNvPr id="32" name="Flowchart: Extract 31">
+                <a:extLst>
+                  <a:ext uri="{FF2B5EF4-FFF2-40B4-BE49-F238E27FC236}">
+                    <a16:creationId xmlns:a16="http://schemas.microsoft.com/office/drawing/2014/main" id="{A764AB6B-D4F9-48C9-B06F-153CA6616224}"/>
+                  </a:ext>
+                </a:extLst>
+              </p:cNvPr>
+              <p:cNvSpPr/>
+              <p:nvPr/>
+            </p:nvSpPr>
+            <p:spPr>
+              <a:xfrm>
+                <a:off x="5019360" y="4667977"/>
+                <a:ext cx="640383" cy="537071"/>
+              </a:xfrm>
+              <a:prstGeom prst="flowChartExtract">
+                <a:avLst/>
+              </a:prstGeom>
+              <a:solidFill>
+                <a:schemeClr val="tx1"/>
+              </a:solidFill>
+              <a:ln>
+                <a:solidFill>
+                  <a:schemeClr val="tx1"/>
+                </a:solidFill>
+              </a:ln>
+            </p:spPr>
+            <p:style>
+              <a:lnRef idx="2">
+                <a:schemeClr val="accent1">
+                  <a:shade val="50000"/>
+                </a:schemeClr>
+              </a:lnRef>
+              <a:fillRef idx="1">
+                <a:schemeClr val="accent1"/>
+              </a:fillRef>
+              <a:effectRef idx="0">
+                <a:schemeClr val="accent1"/>
+              </a:effectRef>
+              <a:fontRef idx="minor">
+                <a:schemeClr val="lt1"/>
+              </a:fontRef>
+            </p:style>
+            <p:txBody>
+              <a:bodyPr rtlCol="0" anchor="ctr"/>
+              <a:lstStyle/>
+              <a:p>
+                <a:pPr algn="ctr"/>
+                <a:endParaRPr lang="en-CA"/>
+              </a:p>
+            </p:txBody>
+          </p:sp>
+          <p:sp>
+            <p:nvSpPr>
+              <p:cNvPr id="33" name="Trapezoid 32">
+                <a:extLst>
+                  <a:ext uri="{FF2B5EF4-FFF2-40B4-BE49-F238E27FC236}">
+                    <a16:creationId xmlns:a16="http://schemas.microsoft.com/office/drawing/2014/main" id="{46A36237-BE98-48DB-BB26-CBFF8977EC90}"/>
+                  </a:ext>
+                </a:extLst>
+              </p:cNvPr>
+              <p:cNvSpPr/>
+              <p:nvPr/>
+            </p:nvSpPr>
+            <p:spPr>
+              <a:xfrm>
+                <a:off x="5295109" y="5205048"/>
+                <a:ext cx="122582" cy="304901"/>
+              </a:xfrm>
+              <a:prstGeom prst="trapezoid">
+                <a:avLst/>
+              </a:prstGeom>
+              <a:solidFill>
+                <a:schemeClr val="tx1"/>
+              </a:solidFill>
+              <a:ln>
+                <a:solidFill>
+                  <a:schemeClr val="tx1"/>
+                </a:solidFill>
+              </a:ln>
+            </p:spPr>
+            <p:style>
+              <a:lnRef idx="2">
+                <a:schemeClr val="accent1">
+                  <a:shade val="50000"/>
+                </a:schemeClr>
+              </a:lnRef>
+              <a:fillRef idx="1">
+                <a:schemeClr val="accent1"/>
+              </a:fillRef>
+              <a:effectRef idx="0">
+                <a:schemeClr val="accent1"/>
+              </a:effectRef>
+              <a:fontRef idx="minor">
+                <a:schemeClr val="lt1"/>
+              </a:fontRef>
+            </p:style>
+            <p:txBody>
+              <a:bodyPr rtlCol="0" anchor="ctr"/>
+              <a:lstStyle/>
+              <a:p>
+                <a:pPr algn="ctr"/>
+                <a:endParaRPr lang="en-CA"/>
+              </a:p>
+            </p:txBody>
+          </p:sp>
+        </p:grpSp>
+        <p:sp>
+          <p:nvSpPr>
+            <p:cNvPr id="41" name="Rectangle 40">
+              <a:extLst>
+                <a:ext uri="{FF2B5EF4-FFF2-40B4-BE49-F238E27FC236}">
+                  <a16:creationId xmlns:a16="http://schemas.microsoft.com/office/drawing/2014/main" id="{DE03F1AB-47E0-4963-8E51-751ECFA470B8}"/>
+                </a:ext>
+              </a:extLst>
+            </p:cNvPr>
+            <p:cNvSpPr/>
+            <p:nvPr/>
+          </p:nvSpPr>
+          <p:spPr>
+            <a:xfrm>
+              <a:off x="4054149" y="1782547"/>
+              <a:ext cx="1370692" cy="2400657"/>
+            </a:xfrm>
+            <a:prstGeom prst="rect">
+              <a:avLst/>
+            </a:prstGeom>
+            <a:noFill/>
+          </p:spPr>
+          <p:txBody>
+            <a:bodyPr wrap="square" lIns="91440" tIns="45720" rIns="91440" bIns="45720">
+              <a:spAutoFit/>
+            </a:bodyPr>
+            <a:lstStyle/>
+            <a:p>
+              <a:pPr algn="ctr"/>
+              <a:r>
+                <a:rPr lang="en-US" sz="15000" dirty="0">
+                  <a:ln w="0"/>
+                  <a:effectLst>
+                    <a:outerShdw blurRad="38100" dist="19050" dir="2700000" algn="tl" rotWithShape="0">
+                      <a:schemeClr val="dk1">
+                        <a:alpha val="40000"/>
+                      </a:schemeClr>
+                    </a:outerShdw>
+                  </a:effectLst>
+                </a:rPr>
+                <a:t>8</a:t>
+              </a:r>
+              <a:endParaRPr lang="en-US" sz="15000" b="0" cap="none" spc="0" dirty="0">
+                <a:ln w="0"/>
+                <a:solidFill>
+                  <a:schemeClr val="tx1"/>
+                </a:solidFill>
+                <a:effectLst>
+                  <a:outerShdw blurRad="38100" dist="19050" dir="2700000" algn="tl" rotWithShape="0">
+                    <a:schemeClr val="dk1">
+                      <a:alpha val="40000"/>
+                    </a:schemeClr>
+                  </a:outerShdw>
+                </a:effectLst>
+              </a:endParaRPr>
+            </a:p>
+          </p:txBody>
+        </p:sp>
+      </p:grpSp>
+      <p:grpSp>
+        <p:nvGrpSpPr>
+          <p:cNvPr id="46" name="Group 45">
+            <a:extLst>
+              <a:ext uri="{FF2B5EF4-FFF2-40B4-BE49-F238E27FC236}">
+                <a16:creationId xmlns:a16="http://schemas.microsoft.com/office/drawing/2014/main" id="{08395BE0-A50F-415A-B4B1-082BAD54AD3D}"/>
+              </a:ext>
+            </a:extLst>
+          </p:cNvPr>
+          <p:cNvGrpSpPr/>
+          <p:nvPr/>
+        </p:nvGrpSpPr>
+        <p:grpSpPr>
+          <a:xfrm>
+            <a:off x="6433932" y="1097674"/>
+            <a:ext cx="2239618" cy="3228608"/>
+            <a:chOff x="6433932" y="1097674"/>
+            <a:chExt cx="2239618" cy="3228608"/>
+          </a:xfrm>
+        </p:grpSpPr>
+        <p:sp>
+          <p:nvSpPr>
+            <p:cNvPr id="26" name="Rectangle: Rounded Corners 25">
+              <a:extLst>
+                <a:ext uri="{FF2B5EF4-FFF2-40B4-BE49-F238E27FC236}">
+                  <a16:creationId xmlns:a16="http://schemas.microsoft.com/office/drawing/2014/main" id="{DE23115B-0834-41C2-99F1-E40C56CCA2C3}"/>
+                </a:ext>
+              </a:extLst>
+            </p:cNvPr>
+            <p:cNvSpPr/>
+            <p:nvPr/>
+          </p:nvSpPr>
+          <p:spPr>
+            <a:xfrm>
+              <a:off x="6433932" y="1106003"/>
+              <a:ext cx="2239618" cy="3220279"/>
+            </a:xfrm>
+            <a:prstGeom prst="roundRect">
+              <a:avLst/>
+            </a:prstGeom>
+            <a:solidFill>
+              <a:srgbClr val="F0F5F5"/>
+            </a:solidFill>
+            <a:ln w="76200">
+              <a:solidFill>
+                <a:schemeClr val="tx1"/>
+              </a:solidFill>
+            </a:ln>
+          </p:spPr>
+          <p:style>
+            <a:lnRef idx="2">
+              <a:schemeClr val="accent1">
+                <a:shade val="50000"/>
+              </a:schemeClr>
+            </a:lnRef>
+            <a:fillRef idx="1">
+              <a:schemeClr val="accent1"/>
+            </a:fillRef>
+            <a:effectRef idx="0">
+              <a:schemeClr val="accent1"/>
+            </a:effectRef>
+            <a:fontRef idx="minor">
+              <a:schemeClr val="lt1"/>
+            </a:fontRef>
+          </p:style>
+          <p:txBody>
+            <a:bodyPr rtlCol="0" anchor="ctr"/>
+            <a:lstStyle/>
+            <a:p>
+              <a:pPr algn="ctr"/>
+              <a:endParaRPr lang="en-CA"/>
+            </a:p>
+          </p:txBody>
+        </p:sp>
+        <p:grpSp>
+          <p:nvGrpSpPr>
+            <p:cNvPr id="34" name="Group 33">
+              <a:extLst>
+                <a:ext uri="{FF2B5EF4-FFF2-40B4-BE49-F238E27FC236}">
+                  <a16:creationId xmlns:a16="http://schemas.microsoft.com/office/drawing/2014/main" id="{534EBE97-5505-40B8-8D7E-F748744A4916}"/>
+                </a:ext>
+              </a:extLst>
+            </p:cNvPr>
+            <p:cNvGrpSpPr/>
+            <p:nvPr/>
+          </p:nvGrpSpPr>
+          <p:grpSpPr>
+            <a:xfrm>
+              <a:off x="6484838" y="1097674"/>
+              <a:ext cx="914400" cy="1080148"/>
+              <a:chOff x="6473688" y="3091068"/>
+              <a:chExt cx="914400" cy="914400"/>
+            </a:xfrm>
+          </p:grpSpPr>
+          <p:grpSp>
+            <p:nvGrpSpPr>
+              <p:cNvPr id="35" name="Group 34">
+                <a:extLst>
+                  <a:ext uri="{FF2B5EF4-FFF2-40B4-BE49-F238E27FC236}">
+                    <a16:creationId xmlns:a16="http://schemas.microsoft.com/office/drawing/2014/main" id="{FED5F4C2-FB4F-4853-B645-964DC06B0E4C}"/>
+                  </a:ext>
+                </a:extLst>
+              </p:cNvPr>
+              <p:cNvGrpSpPr/>
+              <p:nvPr/>
+            </p:nvGrpSpPr>
+            <p:grpSpPr>
+              <a:xfrm>
+                <a:off x="6473688" y="3091068"/>
+                <a:ext cx="914400" cy="914400"/>
+                <a:chOff x="5638800" y="2971800"/>
+                <a:chExt cx="914400" cy="914400"/>
+              </a:xfrm>
+            </p:grpSpPr>
+            <p:pic>
+              <p:nvPicPr>
+                <p:cNvPr id="37" name="Graphic 36" descr="Heart">
+                  <a:extLst>
+                    <a:ext uri="{FF2B5EF4-FFF2-40B4-BE49-F238E27FC236}">
+                      <a16:creationId xmlns:a16="http://schemas.microsoft.com/office/drawing/2014/main" id="{7C81A2A4-F10E-46E3-825F-254A7212ADC3}"/>
+                    </a:ext>
+                  </a:extLst>
+                </p:cNvPr>
+                <p:cNvPicPr>
+                  <a:picLocks noChangeAspect="1"/>
+                </p:cNvPicPr>
+                <p:nvPr/>
+              </p:nvPicPr>
+              <p:blipFill>
+                <a:blip r:embed="rId2">
+                  <a:extLst>
+                    <a:ext uri="{28A0092B-C50C-407E-A947-70E740481C1C}">
+                      <a14:useLocalDpi xmlns:a14="http://schemas.microsoft.com/office/drawing/2010/main" val="0"/>
+                    </a:ext>
+                    <a:ext uri="{96DAC541-7B7A-43D3-8B79-37D633B846F1}">
+                      <asvg:svgBlip xmlns:asvg="http://schemas.microsoft.com/office/drawing/2016/SVG/main" r:embed="rId3"/>
+                    </a:ext>
+                  </a:extLst>
+                </a:blip>
+                <a:stretch>
+                  <a:fillRect/>
+                </a:stretch>
+              </p:blipFill>
+              <p:spPr>
+                <a:xfrm rot="10800000">
+                  <a:off x="5638800" y="2971800"/>
+                  <a:ext cx="914400" cy="914400"/>
+                </a:xfrm>
+                <a:prstGeom prst="rect">
+                  <a:avLst/>
+                </a:prstGeom>
+              </p:spPr>
+            </p:pic>
+            <p:sp>
+              <p:nvSpPr>
+                <p:cNvPr id="38" name="Trapezoid 37">
+                  <a:extLst>
+                    <a:ext uri="{FF2B5EF4-FFF2-40B4-BE49-F238E27FC236}">
+                      <a16:creationId xmlns:a16="http://schemas.microsoft.com/office/drawing/2014/main" id="{CE88E1E4-0DF6-47B2-AE03-554E5BD522C2}"/>
+                    </a:ext>
+                  </a:extLst>
+                </p:cNvPr>
+                <p:cNvSpPr/>
+                <p:nvPr/>
+              </p:nvSpPr>
+              <p:spPr>
+                <a:xfrm>
+                  <a:off x="5996608" y="3617842"/>
+                  <a:ext cx="178905" cy="268357"/>
+                </a:xfrm>
+                <a:prstGeom prst="trapezoid">
+                  <a:avLst/>
+                </a:prstGeom>
+                <a:solidFill>
+                  <a:schemeClr val="tx1"/>
+                </a:solidFill>
+                <a:ln>
+                  <a:solidFill>
+                    <a:schemeClr val="tx1"/>
+                  </a:solidFill>
+                </a:ln>
+              </p:spPr>
+              <p:style>
+                <a:lnRef idx="2">
+                  <a:schemeClr val="accent1">
+                    <a:shade val="50000"/>
+                  </a:schemeClr>
+                </a:lnRef>
+                <a:fillRef idx="1">
+                  <a:schemeClr val="accent1"/>
+                </a:fillRef>
+                <a:effectRef idx="0">
+                  <a:schemeClr val="accent1"/>
+                </a:effectRef>
+                <a:fontRef idx="minor">
+                  <a:schemeClr val="lt1"/>
+                </a:fontRef>
+              </p:style>
+              <p:txBody>
+                <a:bodyPr rtlCol="0" anchor="ctr"/>
+                <a:lstStyle/>
+                <a:p>
+                  <a:pPr algn="ctr"/>
+                  <a:endParaRPr lang="en-CA"/>
+                </a:p>
+              </p:txBody>
+            </p:sp>
+          </p:grpSp>
+          <p:sp>
+            <p:nvSpPr>
+              <p:cNvPr id="36" name="Oval 35">
+                <a:extLst>
+                  <a:ext uri="{FF2B5EF4-FFF2-40B4-BE49-F238E27FC236}">
+                    <a16:creationId xmlns:a16="http://schemas.microsoft.com/office/drawing/2014/main" id="{DCDB6689-363E-4C32-A86B-B8D0ED4478A7}"/>
+                  </a:ext>
+                </a:extLst>
+              </p:cNvPr>
+              <p:cNvSpPr/>
+              <p:nvPr/>
+            </p:nvSpPr>
+            <p:spPr>
+              <a:xfrm>
+                <a:off x="6844748" y="3670848"/>
+                <a:ext cx="172278" cy="185530"/>
+              </a:xfrm>
+              <a:prstGeom prst="ellipse">
+                <a:avLst/>
+              </a:prstGeom>
+              <a:solidFill>
+                <a:schemeClr val="tx1"/>
+              </a:solidFill>
+              <a:ln>
+                <a:solidFill>
+                  <a:schemeClr val="tx1"/>
+                </a:solidFill>
+              </a:ln>
+            </p:spPr>
+            <p:style>
+              <a:lnRef idx="2">
+                <a:schemeClr val="accent1">
+                  <a:shade val="50000"/>
+                </a:schemeClr>
+              </a:lnRef>
+              <a:fillRef idx="1">
+                <a:schemeClr val="accent1"/>
+              </a:fillRef>
+              <a:effectRef idx="0">
+                <a:schemeClr val="accent1"/>
+              </a:effectRef>
+              <a:fontRef idx="minor">
+                <a:schemeClr val="lt1"/>
+              </a:fontRef>
+            </p:style>
+            <p:txBody>
+              <a:bodyPr rtlCol="0" anchor="ctr"/>
+              <a:lstStyle/>
+              <a:p>
+                <a:pPr algn="ctr"/>
+                <a:endParaRPr lang="en-CA"/>
+              </a:p>
+            </p:txBody>
+          </p:sp>
+        </p:grpSp>
+        <p:sp>
+          <p:nvSpPr>
+            <p:cNvPr id="42" name="Rectangle 41">
+              <a:extLst>
+                <a:ext uri="{FF2B5EF4-FFF2-40B4-BE49-F238E27FC236}">
+                  <a16:creationId xmlns:a16="http://schemas.microsoft.com/office/drawing/2014/main" id="{4ABCF9A4-FF74-4F12-85CE-AF76EE70A525}"/>
+                </a:ext>
+              </a:extLst>
+            </p:cNvPr>
+            <p:cNvSpPr/>
+            <p:nvPr/>
+          </p:nvSpPr>
+          <p:spPr>
+            <a:xfrm>
+              <a:off x="7038649" y="1782547"/>
+              <a:ext cx="1370692" cy="2400657"/>
+            </a:xfrm>
+            <a:prstGeom prst="rect">
+              <a:avLst/>
+            </a:prstGeom>
+            <a:noFill/>
+          </p:spPr>
+          <p:txBody>
+            <a:bodyPr wrap="square" lIns="91440" tIns="45720" rIns="91440" bIns="45720">
+              <a:spAutoFit/>
+            </a:bodyPr>
+            <a:lstStyle/>
+            <a:p>
+              <a:pPr algn="ctr"/>
+              <a:r>
+                <a:rPr lang="en-US" sz="15000" dirty="0">
+                  <a:ln w="0"/>
+                  <a:effectLst>
+                    <a:outerShdw blurRad="38100" dist="19050" dir="2700000" algn="tl" rotWithShape="0">
+                      <a:schemeClr val="dk1">
+                        <a:alpha val="40000"/>
+                      </a:schemeClr>
+                    </a:outerShdw>
+                  </a:effectLst>
+                </a:rPr>
+                <a:t>8</a:t>
+              </a:r>
+              <a:endParaRPr lang="en-US" sz="15000" b="0" cap="none" spc="0" dirty="0">
+                <a:ln w="0"/>
+                <a:solidFill>
+                  <a:schemeClr val="tx1"/>
+                </a:solidFill>
+                <a:effectLst>
+                  <a:outerShdw blurRad="38100" dist="19050" dir="2700000" algn="tl" rotWithShape="0">
+                    <a:schemeClr val="dk1">
+                      <a:alpha val="40000"/>
+                    </a:schemeClr>
+                  </a:outerShdw>
+                </a:effectLst>
+              </a:endParaRPr>
+            </a:p>
+          </p:txBody>
+        </p:sp>
+      </p:grpSp>
+      <p:grpSp>
+        <p:nvGrpSpPr>
+          <p:cNvPr id="47" name="Group 46">
+            <a:extLst>
+              <a:ext uri="{FF2B5EF4-FFF2-40B4-BE49-F238E27FC236}">
+                <a16:creationId xmlns:a16="http://schemas.microsoft.com/office/drawing/2014/main" id="{BB5E08DF-FD7A-41C4-913E-DCCB552B5ACD}"/>
+              </a:ext>
+            </a:extLst>
+          </p:cNvPr>
+          <p:cNvGrpSpPr/>
+          <p:nvPr/>
+        </p:nvGrpSpPr>
+        <p:grpSpPr>
+          <a:xfrm>
+            <a:off x="9396343" y="1106004"/>
+            <a:ext cx="2239618" cy="3220279"/>
+            <a:chOff x="9396343" y="1106004"/>
+            <a:chExt cx="2239618" cy="3220279"/>
+          </a:xfrm>
+        </p:grpSpPr>
+        <p:sp>
+          <p:nvSpPr>
+            <p:cNvPr id="27" name="Rectangle: Rounded Corners 26">
+              <a:extLst>
+                <a:ext uri="{FF2B5EF4-FFF2-40B4-BE49-F238E27FC236}">
+                  <a16:creationId xmlns:a16="http://schemas.microsoft.com/office/drawing/2014/main" id="{0C0F8BF2-88C5-43C0-A054-410C430A3CC7}"/>
+                </a:ext>
+              </a:extLst>
+            </p:cNvPr>
+            <p:cNvSpPr/>
+            <p:nvPr/>
+          </p:nvSpPr>
+          <p:spPr>
+            <a:xfrm>
+              <a:off x="9396343" y="1106004"/>
+              <a:ext cx="2239618" cy="3220279"/>
+            </a:xfrm>
+            <a:prstGeom prst="roundRect">
+              <a:avLst/>
+            </a:prstGeom>
+            <a:solidFill>
+              <a:srgbClr val="F0F5F5"/>
+            </a:solidFill>
+            <a:ln w="76200">
+              <a:solidFill>
+                <a:schemeClr val="tx1"/>
+              </a:solidFill>
+            </a:ln>
+          </p:spPr>
+          <p:style>
+            <a:lnRef idx="2">
+              <a:schemeClr val="accent1">
+                <a:shade val="50000"/>
+              </a:schemeClr>
+            </a:lnRef>
+            <a:fillRef idx="1">
+              <a:schemeClr val="accent1"/>
+            </a:fillRef>
+            <a:effectRef idx="0">
+              <a:schemeClr val="accent1"/>
+            </a:effectRef>
+            <a:fontRef idx="minor">
+              <a:schemeClr val="lt1"/>
+            </a:fontRef>
+          </p:style>
+          <p:txBody>
+            <a:bodyPr rtlCol="0" anchor="ctr"/>
+            <a:lstStyle/>
+            <a:p>
+              <a:pPr algn="ctr"/>
+              <a:endParaRPr lang="en-CA"/>
+            </a:p>
+          </p:txBody>
+        </p:sp>
+        <p:pic>
+          <p:nvPicPr>
+            <p:cNvPr id="39" name="Graphic 38" descr="Heart">
+              <a:extLst>
+                <a:ext uri="{FF2B5EF4-FFF2-40B4-BE49-F238E27FC236}">
+                  <a16:creationId xmlns:a16="http://schemas.microsoft.com/office/drawing/2014/main" id="{84192BF4-C809-4E36-87CF-14AB6020055B}"/>
+                </a:ext>
+              </a:extLst>
+            </p:cNvPr>
+            <p:cNvPicPr>
+              <a:picLocks noChangeAspect="1"/>
+            </p:cNvPicPr>
+            <p:nvPr/>
+          </p:nvPicPr>
+          <p:blipFill>
+            <a:blip r:embed="rId4">
+              <a:extLst>
+                <a:ext uri="{28A0092B-C50C-407E-A947-70E740481C1C}">
+                  <a14:useLocalDpi xmlns:a14="http://schemas.microsoft.com/office/drawing/2010/main" val="0"/>
+                </a:ext>
+                <a:ext uri="{96DAC541-7B7A-43D3-8B79-37D633B846F1}">
+                  <asvg:svgBlip xmlns:asvg="http://schemas.microsoft.com/office/drawing/2016/SVG/main" r:embed="rId5"/>
+                </a:ext>
+              </a:extLst>
+            </a:blip>
+            <a:stretch>
+              <a:fillRect/>
+            </a:stretch>
+          </p:blipFill>
+          <p:spPr>
+            <a:xfrm>
+              <a:off x="9447143" y="1137194"/>
+              <a:ext cx="1037389" cy="1239906"/>
+            </a:xfrm>
+            <a:prstGeom prst="rect">
+              <a:avLst/>
+            </a:prstGeom>
+          </p:spPr>
+        </p:pic>
+        <p:sp>
+          <p:nvSpPr>
+            <p:cNvPr id="43" name="Rectangle 42">
+              <a:extLst>
+                <a:ext uri="{FF2B5EF4-FFF2-40B4-BE49-F238E27FC236}">
+                  <a16:creationId xmlns:a16="http://schemas.microsoft.com/office/drawing/2014/main" id="{0B59361C-F895-42BF-860F-4C229AF5A0D0}"/>
+                </a:ext>
+              </a:extLst>
+            </p:cNvPr>
+            <p:cNvSpPr/>
+            <p:nvPr/>
+          </p:nvSpPr>
+          <p:spPr>
+            <a:xfrm>
+              <a:off x="9997749" y="1782547"/>
+              <a:ext cx="1370692" cy="2400657"/>
+            </a:xfrm>
+            <a:prstGeom prst="rect">
+              <a:avLst/>
+            </a:prstGeom>
+            <a:noFill/>
+          </p:spPr>
+          <p:txBody>
+            <a:bodyPr wrap="square" lIns="91440" tIns="45720" rIns="91440" bIns="45720">
+              <a:spAutoFit/>
+            </a:bodyPr>
+            <a:lstStyle/>
+            <a:p>
+              <a:pPr algn="ctr"/>
+              <a:r>
+                <a:rPr lang="en-US" sz="15000" dirty="0">
+                  <a:ln w="0"/>
+                  <a:effectLst>
+                    <a:outerShdw blurRad="38100" dist="19050" dir="2700000" algn="tl" rotWithShape="0">
+                      <a:schemeClr val="dk1">
+                        <a:alpha val="40000"/>
+                      </a:schemeClr>
+                    </a:outerShdw>
+                  </a:effectLst>
+                </a:rPr>
+                <a:t>8</a:t>
+              </a:r>
+              <a:endParaRPr lang="en-US" sz="15000" b="0" cap="none" spc="0" dirty="0">
+                <a:ln w="0"/>
+                <a:solidFill>
+                  <a:schemeClr val="tx1"/>
+                </a:solidFill>
+                <a:effectLst>
+                  <a:outerShdw blurRad="38100" dist="19050" dir="2700000" algn="tl" rotWithShape="0">
+                    <a:schemeClr val="dk1">
+                      <a:alpha val="40000"/>
+                    </a:schemeClr>
+                  </a:outerShdw>
+                </a:effectLst>
+              </a:endParaRPr>
+            </a:p>
+          </p:txBody>
+        </p:sp>
+      </p:grpSp>
+    </p:spTree>
+    <p:extLst>
+      <p:ext uri="{BB962C8B-B14F-4D97-AF65-F5344CB8AC3E}">
+        <p14:creationId xmlns:p14="http://schemas.microsoft.com/office/powerpoint/2010/main" val="3185518007"/>
+      </p:ext>
+    </p:extLst>
+  </p:cSld>
+  <p:clrMapOvr>
+    <a:masterClrMapping/>
+  </p:clrMapOvr>
+</p:sld>
+</file>
+
+<file path=ppt/slides/slide11.xml><?xml version="1.0" encoding="utf-8"?>
 <p:sld xmlns:a="http://schemas.openxmlformats.org/drawingml/2006/main" xmlns:r="http://schemas.openxmlformats.org/officeDocument/2006/relationships" xmlns:p="http://schemas.openxmlformats.org/presentationml/2006/main">
   <p:cSld>
     <p:spTree>
@@ -5205,7 +8363,7 @@
 </p:sld>
 </file>
 
-<file path=ppt/slides/slide11.xml><?xml version="1.0" encoding="utf-8"?>
+<file path=ppt/slides/slide12.xml><?xml version="1.0" encoding="utf-8"?>
 <p:sld xmlns:a="http://schemas.openxmlformats.org/drawingml/2006/main" xmlns:r="http://schemas.openxmlformats.org/officeDocument/2006/relationships" xmlns:p="http://schemas.openxmlformats.org/presentationml/2006/main">
   <p:cSld>
     <p:spTree>
@@ -6378,7 +9536,7 @@
 </p:sld>
 </file>
 
-<file path=ppt/slides/slide12.xml><?xml version="1.0" encoding="utf-8"?>
+<file path=ppt/slides/slide13.xml><?xml version="1.0" encoding="utf-8"?>
 <p:sld xmlns:a="http://schemas.openxmlformats.org/drawingml/2006/main" xmlns:r="http://schemas.openxmlformats.org/officeDocument/2006/relationships" xmlns:p="http://schemas.openxmlformats.org/presentationml/2006/main">
   <p:cSld>
     <p:spTree>
@@ -7541,7 +10699,7 @@
 </p:sld>
 </file>
 
-<file path=ppt/slides/slide13.xml><?xml version="1.0" encoding="utf-8"?>
+<file path=ppt/slides/slide14.xml><?xml version="1.0" encoding="utf-8"?>
 <p:sld xmlns:a="http://schemas.openxmlformats.org/drawingml/2006/main" xmlns:r="http://schemas.openxmlformats.org/officeDocument/2006/relationships" xmlns:p="http://schemas.openxmlformats.org/presentationml/2006/main">
   <p:cSld>
     <p:spTree>
@@ -8714,7 +11872,7 @@
 </p:sld>
 </file>
 
-<file path=ppt/slides/slide14.xml><?xml version="1.0" encoding="utf-8"?>
+<file path=ppt/slides/slide15.xml><?xml version="1.0" encoding="utf-8"?>
 <p:sld xmlns:a="http://schemas.openxmlformats.org/drawingml/2006/main" xmlns:r="http://schemas.openxmlformats.org/officeDocument/2006/relationships" xmlns:p="http://schemas.openxmlformats.org/presentationml/2006/main">
   <p:cSld>
     <p:spTree>
@@ -9887,7 +13045,7 @@
 </p:sld>
 </file>
 
-<file path=ppt/slides/slide15.xml><?xml version="1.0" encoding="utf-8"?>
+<file path=ppt/slides/slide16.xml><?xml version="1.0" encoding="utf-8"?>
 <p:sld xmlns:a="http://schemas.openxmlformats.org/drawingml/2006/main" xmlns:r="http://schemas.openxmlformats.org/officeDocument/2006/relationships" xmlns:p="http://schemas.openxmlformats.org/presentationml/2006/main">
   <p:cSld>
     <p:spTree>
@@ -9945,7 +13103,7 @@
 </p:sld>
 </file>
 
-<file path=ppt/slides/slide16.xml><?xml version="1.0" encoding="utf-8"?>
+<file path=ppt/slides/slide17.xml><?xml version="1.0" encoding="utf-8"?>
 <p:sld xmlns:a="http://schemas.openxmlformats.org/drawingml/2006/main" xmlns:r="http://schemas.openxmlformats.org/officeDocument/2006/relationships" xmlns:p="http://schemas.openxmlformats.org/presentationml/2006/main">
   <p:cSld>
     <p:spTree>
@@ -10115,7 +13273,7 @@
 </p:sld>
 </file>
 
-<file path=ppt/slides/slide17.xml><?xml version="1.0" encoding="utf-8"?>
+<file path=ppt/slides/slide18.xml><?xml version="1.0" encoding="utf-8"?>
 <p:sld xmlns:a="http://schemas.openxmlformats.org/drawingml/2006/main" xmlns:r="http://schemas.openxmlformats.org/officeDocument/2006/relationships" xmlns:p="http://schemas.openxmlformats.org/presentationml/2006/main">
   <p:cSld>
     <p:spTree>
@@ -10285,7 +13443,7 @@
 </p:sld>
 </file>
 
-<file path=ppt/slides/slide18.xml><?xml version="1.0" encoding="utf-8"?>
+<file path=ppt/slides/slide19.xml><?xml version="1.0" encoding="utf-8"?>
 <p:sld xmlns:a="http://schemas.openxmlformats.org/drawingml/2006/main" xmlns:r="http://schemas.openxmlformats.org/officeDocument/2006/relationships" xmlns:p="http://schemas.openxmlformats.org/presentationml/2006/main">
   <p:cSld>
     <p:spTree>
@@ -10455,7 +13613,148 @@
 </p:sld>
 </file>
 
-<file path=ppt/slides/slide19.xml><?xml version="1.0" encoding="utf-8"?>
+<file path=ppt/slides/slide2.xml><?xml version="1.0" encoding="utf-8"?>
+<p:sld xmlns:a="http://schemas.openxmlformats.org/drawingml/2006/main" xmlns:r="http://schemas.openxmlformats.org/officeDocument/2006/relationships" xmlns:p="http://schemas.openxmlformats.org/presentationml/2006/main">
+  <p:cSld>
+    <p:spTree>
+      <p:nvGrpSpPr>
+        <p:cNvPr id="1" name=""/>
+        <p:cNvGrpSpPr/>
+        <p:nvPr/>
+      </p:nvGrpSpPr>
+      <p:grpSpPr>
+        <a:xfrm>
+          <a:off x="0" y="0"/>
+          <a:ext cx="0" cy="0"/>
+          <a:chOff x="0" y="0"/>
+          <a:chExt cx="0" cy="0"/>
+        </a:xfrm>
+      </p:grpSpPr>
+      <p:pic>
+        <p:nvPicPr>
+          <p:cNvPr id="4" name="Picture 3" descr="A close up of a logo&#10;&#10;Description automatically generated">
+            <a:extLst>
+              <a:ext uri="{FF2B5EF4-FFF2-40B4-BE49-F238E27FC236}">
+                <a16:creationId xmlns:a16="http://schemas.microsoft.com/office/drawing/2014/main" id="{19F8EFD2-1BBF-484A-8B13-D3EB14D5E38D}"/>
+              </a:ext>
+            </a:extLst>
+          </p:cNvPr>
+          <p:cNvPicPr>
+            <a:picLocks noChangeAspect="1"/>
+          </p:cNvPicPr>
+          <p:nvPr/>
+        </p:nvPicPr>
+        <p:blipFill>
+          <a:blip r:embed="rId2">
+            <a:extLst>
+              <a:ext uri="{28A0092B-C50C-407E-A947-70E740481C1C}">
+                <a14:useLocalDpi xmlns:a14="http://schemas.microsoft.com/office/drawing/2010/main" val="0"/>
+              </a:ext>
+            </a:extLst>
+          </a:blip>
+          <a:stretch>
+            <a:fillRect/>
+          </a:stretch>
+        </p:blipFill>
+        <p:spPr>
+          <a:xfrm>
+            <a:off x="214076" y="568187"/>
+            <a:ext cx="2316681" cy="3304318"/>
+          </a:xfrm>
+          <a:prstGeom prst="rect">
+            <a:avLst/>
+          </a:prstGeom>
+        </p:spPr>
+      </p:pic>
+      <p:sp>
+        <p:nvSpPr>
+          <p:cNvPr id="5" name="Rectangle 4">
+            <a:extLst>
+              <a:ext uri="{FF2B5EF4-FFF2-40B4-BE49-F238E27FC236}">
+                <a16:creationId xmlns:a16="http://schemas.microsoft.com/office/drawing/2014/main" id="{3CD07259-BF74-4A81-B993-0E3A32AB2D20}"/>
+              </a:ext>
+            </a:extLst>
+          </p:cNvPr>
+          <p:cNvSpPr/>
+          <p:nvPr/>
+        </p:nvSpPr>
+        <p:spPr>
+          <a:xfrm>
+            <a:off x="3715658" y="352362"/>
+            <a:ext cx="7724726" cy="6367751"/>
+          </a:xfrm>
+          <a:prstGeom prst="rect">
+            <a:avLst/>
+          </a:prstGeom>
+          <a:gradFill flip="none" rotWithShape="1">
+            <a:gsLst>
+              <a:gs pos="39000">
+                <a:schemeClr val="accent6">
+                  <a:lumMod val="75000"/>
+                </a:schemeClr>
+              </a:gs>
+              <a:gs pos="100000">
+                <a:schemeClr val="accent6">
+                  <a:lumMod val="50000"/>
+                </a:schemeClr>
+              </a:gs>
+              <a:gs pos="100000">
+                <a:schemeClr val="accent1">
+                  <a:shade val="100000"/>
+                  <a:satMod val="115000"/>
+                </a:schemeClr>
+              </a:gs>
+            </a:gsLst>
+            <a:path path="circle">
+              <a:fillToRect l="50000" t="50000" r="50000" b="50000"/>
+            </a:path>
+            <a:tileRect/>
+          </a:gradFill>
+          <a:ln>
+            <a:solidFill>
+              <a:schemeClr val="tx1"/>
+            </a:solidFill>
+          </a:ln>
+        </p:spPr>
+        <p:style>
+          <a:lnRef idx="2">
+            <a:schemeClr val="accent1">
+              <a:shade val="50000"/>
+            </a:schemeClr>
+          </a:lnRef>
+          <a:fillRef idx="1">
+            <a:schemeClr val="accent1"/>
+          </a:fillRef>
+          <a:effectRef idx="0">
+            <a:schemeClr val="accent1"/>
+          </a:effectRef>
+          <a:fontRef idx="minor">
+            <a:schemeClr val="lt1"/>
+          </a:fontRef>
+        </p:style>
+        <p:txBody>
+          <a:bodyPr rtlCol="0" anchor="ctr"/>
+          <a:lstStyle/>
+          <a:p>
+            <a:pPr algn="ctr"/>
+            <a:endParaRPr lang="en-CA"/>
+          </a:p>
+        </p:txBody>
+      </p:sp>
+    </p:spTree>
+    <p:extLst>
+      <p:ext uri="{BB962C8B-B14F-4D97-AF65-F5344CB8AC3E}">
+        <p14:creationId xmlns:p14="http://schemas.microsoft.com/office/powerpoint/2010/main" val="2958938114"/>
+      </p:ext>
+    </p:extLst>
+  </p:cSld>
+  <p:clrMapOvr>
+    <a:masterClrMapping/>
+  </p:clrMapOvr>
+</p:sld>
+</file>
+
+<file path=ppt/slides/slide20.xml><?xml version="1.0" encoding="utf-8"?>
 <p:sld xmlns:a="http://schemas.openxmlformats.org/drawingml/2006/main" xmlns:r="http://schemas.openxmlformats.org/officeDocument/2006/relationships" xmlns:p="http://schemas.openxmlformats.org/presentationml/2006/main">
   <p:cSld>
     <p:spTree>
@@ -10625,7 +13924,1537 @@
 </p:sld>
 </file>
 
-<file path=ppt/slides/slide2.xml><?xml version="1.0" encoding="utf-8"?>
+<file path=ppt/slides/slide21.xml><?xml version="1.0" encoding="utf-8"?>
+<p:sld xmlns:a="http://schemas.openxmlformats.org/drawingml/2006/main" xmlns:r="http://schemas.openxmlformats.org/officeDocument/2006/relationships" xmlns:p="http://schemas.openxmlformats.org/presentationml/2006/main">
+  <p:cSld>
+    <p:spTree>
+      <p:nvGrpSpPr>
+        <p:cNvPr id="1" name=""/>
+        <p:cNvGrpSpPr/>
+        <p:nvPr/>
+      </p:nvGrpSpPr>
+      <p:grpSpPr>
+        <a:xfrm>
+          <a:off x="0" y="0"/>
+          <a:ext cx="0" cy="0"/>
+          <a:chOff x="0" y="0"/>
+          <a:chExt cx="0" cy="0"/>
+        </a:xfrm>
+      </p:grpSpPr>
+      <p:pic>
+        <p:nvPicPr>
+          <p:cNvPr id="2" name="Picture 1">
+            <a:extLst>
+              <a:ext uri="{FF2B5EF4-FFF2-40B4-BE49-F238E27FC236}">
+                <a16:creationId xmlns:a16="http://schemas.microsoft.com/office/drawing/2014/main" id="{A5CC3444-AAB4-4DCA-8276-171DF9DB4C50}"/>
+              </a:ext>
+            </a:extLst>
+          </p:cNvPr>
+          <p:cNvPicPr>
+            <a:picLocks noChangeAspect="1"/>
+          </p:cNvPicPr>
+          <p:nvPr/>
+        </p:nvPicPr>
+        <p:blipFill rotWithShape="1">
+          <a:blip r:embed="rId2">
+            <a:extLst>
+              <a:ext uri="{28A0092B-C50C-407E-A947-70E740481C1C}">
+                <a14:useLocalDpi xmlns:a14="http://schemas.microsoft.com/office/drawing/2010/main" val="0"/>
+              </a:ext>
+            </a:extLst>
+          </a:blip>
+          <a:srcRect l="10508" r="20351" b="22397"/>
+          <a:stretch/>
+        </p:blipFill>
+        <p:spPr>
+          <a:xfrm>
+            <a:off x="675249" y="1691599"/>
+            <a:ext cx="2335237" cy="3316499"/>
+          </a:xfrm>
+          <a:prstGeom prst="rect">
+            <a:avLst/>
+          </a:prstGeom>
+        </p:spPr>
+      </p:pic>
+      <p:pic>
+        <p:nvPicPr>
+          <p:cNvPr id="3" name="Picture 2">
+            <a:extLst>
+              <a:ext uri="{FF2B5EF4-FFF2-40B4-BE49-F238E27FC236}">
+                <a16:creationId xmlns:a16="http://schemas.microsoft.com/office/drawing/2014/main" id="{2832430F-B3D2-4CCD-9208-1A40B6DA7427}"/>
+              </a:ext>
+            </a:extLst>
+          </p:cNvPr>
+          <p:cNvPicPr>
+            <a:picLocks noChangeAspect="1"/>
+          </p:cNvPicPr>
+          <p:nvPr/>
+        </p:nvPicPr>
+        <p:blipFill rotWithShape="1">
+          <a:blip r:embed="rId3">
+            <a:extLst>
+              <a:ext uri="{28A0092B-C50C-407E-A947-70E740481C1C}">
+                <a14:useLocalDpi xmlns:a14="http://schemas.microsoft.com/office/drawing/2010/main" val="0"/>
+              </a:ext>
+            </a:extLst>
+          </a:blip>
+          <a:srcRect l="10885" r="19848" b="22397"/>
+          <a:stretch/>
+        </p:blipFill>
+        <p:spPr>
+          <a:xfrm>
+            <a:off x="9537894" y="1691599"/>
+            <a:ext cx="2335238" cy="3316499"/>
+          </a:xfrm>
+          <a:prstGeom prst="rect">
+            <a:avLst/>
+          </a:prstGeom>
+        </p:spPr>
+      </p:pic>
+      <p:pic>
+        <p:nvPicPr>
+          <p:cNvPr id="4" name="Picture 3">
+            <a:extLst>
+              <a:ext uri="{FF2B5EF4-FFF2-40B4-BE49-F238E27FC236}">
+                <a16:creationId xmlns:a16="http://schemas.microsoft.com/office/drawing/2014/main" id="{1BFCD8F9-128E-4B7C-B428-0ECB65192C1C}"/>
+              </a:ext>
+            </a:extLst>
+          </p:cNvPr>
+          <p:cNvPicPr>
+            <a:picLocks noChangeAspect="1"/>
+          </p:cNvPicPr>
+          <p:nvPr/>
+        </p:nvPicPr>
+        <p:blipFill rotWithShape="1">
+          <a:blip r:embed="rId4">
+            <a:extLst>
+              <a:ext uri="{28A0092B-C50C-407E-A947-70E740481C1C}">
+                <a14:useLocalDpi xmlns:a14="http://schemas.microsoft.com/office/drawing/2010/main" val="0"/>
+              </a:ext>
+            </a:extLst>
+          </a:blip>
+          <a:srcRect l="9297" r="21437" b="22397"/>
+          <a:stretch/>
+        </p:blipFill>
+        <p:spPr>
+          <a:xfrm>
+            <a:off x="6343309" y="1691599"/>
+            <a:ext cx="2335237" cy="3316499"/>
+          </a:xfrm>
+          <a:prstGeom prst="rect">
+            <a:avLst/>
+          </a:prstGeom>
+        </p:spPr>
+      </p:pic>
+      <p:pic>
+        <p:nvPicPr>
+          <p:cNvPr id="5" name="Picture 4">
+            <a:extLst>
+              <a:ext uri="{FF2B5EF4-FFF2-40B4-BE49-F238E27FC236}">
+                <a16:creationId xmlns:a16="http://schemas.microsoft.com/office/drawing/2014/main" id="{28950FC9-50FC-487B-9A52-17DF28788B8B}"/>
+              </a:ext>
+            </a:extLst>
+          </p:cNvPr>
+          <p:cNvPicPr>
+            <a:picLocks noChangeAspect="1"/>
+          </p:cNvPicPr>
+          <p:nvPr/>
+        </p:nvPicPr>
+        <p:blipFill rotWithShape="1">
+          <a:blip r:embed="rId5">
+            <a:extLst>
+              <a:ext uri="{28A0092B-C50C-407E-A947-70E740481C1C}">
+                <a14:useLocalDpi xmlns:a14="http://schemas.microsoft.com/office/drawing/2010/main" val="0"/>
+              </a:ext>
+            </a:extLst>
+          </a:blip>
+          <a:srcRect l="9872" r="20986" b="22397"/>
+          <a:stretch/>
+        </p:blipFill>
+        <p:spPr>
+          <a:xfrm>
+            <a:off x="3502855" y="1770750"/>
+            <a:ext cx="2335237" cy="3316499"/>
+          </a:xfrm>
+          <a:prstGeom prst="rect">
+            <a:avLst/>
+          </a:prstGeom>
+        </p:spPr>
+      </p:pic>
+    </p:spTree>
+    <p:extLst>
+      <p:ext uri="{BB962C8B-B14F-4D97-AF65-F5344CB8AC3E}">
+        <p14:creationId xmlns:p14="http://schemas.microsoft.com/office/powerpoint/2010/main" val="3471055057"/>
+      </p:ext>
+    </p:extLst>
+  </p:cSld>
+  <p:clrMapOvr>
+    <a:masterClrMapping/>
+  </p:clrMapOvr>
+</p:sld>
+</file>
+
+<file path=ppt/slides/slide22.xml><?xml version="1.0" encoding="utf-8"?>
+<p:sld xmlns:a="http://schemas.openxmlformats.org/drawingml/2006/main" xmlns:r="http://schemas.openxmlformats.org/officeDocument/2006/relationships" xmlns:p="http://schemas.openxmlformats.org/presentationml/2006/main">
+  <p:cSld>
+    <p:spTree>
+      <p:nvGrpSpPr>
+        <p:cNvPr id="1" name=""/>
+        <p:cNvGrpSpPr/>
+        <p:nvPr/>
+      </p:nvGrpSpPr>
+      <p:grpSpPr>
+        <a:xfrm>
+          <a:off x="0" y="0"/>
+          <a:ext cx="0" cy="0"/>
+          <a:chOff x="0" y="0"/>
+          <a:chExt cx="0" cy="0"/>
+        </a:xfrm>
+      </p:grpSpPr>
+      <p:pic>
+        <p:nvPicPr>
+          <p:cNvPr id="4" name="Picture 3">
+            <a:extLst>
+              <a:ext uri="{FF2B5EF4-FFF2-40B4-BE49-F238E27FC236}">
+                <a16:creationId xmlns:a16="http://schemas.microsoft.com/office/drawing/2014/main" id="{B58A1A1C-6843-4823-B22F-CABCE69FD7DB}"/>
+              </a:ext>
+            </a:extLst>
+          </p:cNvPr>
+          <p:cNvPicPr>
+            <a:picLocks noChangeAspect="1"/>
+          </p:cNvPicPr>
+          <p:nvPr/>
+        </p:nvPicPr>
+        <p:blipFill rotWithShape="1">
+          <a:blip r:embed="rId2">
+            <a:extLst>
+              <a:ext uri="{28A0092B-C50C-407E-A947-70E740481C1C}">
+                <a14:useLocalDpi xmlns:a14="http://schemas.microsoft.com/office/drawing/2010/main" val="0"/>
+              </a:ext>
+            </a:extLst>
+          </a:blip>
+          <a:srcRect l="10491" r="19636" b="22912"/>
+          <a:stretch/>
+        </p:blipFill>
+        <p:spPr>
+          <a:xfrm>
+            <a:off x="2069192" y="2431067"/>
+            <a:ext cx="2355674" cy="3294485"/>
+          </a:xfrm>
+          <a:prstGeom prst="rect">
+            <a:avLst/>
+          </a:prstGeom>
+        </p:spPr>
+      </p:pic>
+      <p:pic>
+        <p:nvPicPr>
+          <p:cNvPr id="5" name="Picture 4">
+            <a:extLst>
+              <a:ext uri="{FF2B5EF4-FFF2-40B4-BE49-F238E27FC236}">
+                <a16:creationId xmlns:a16="http://schemas.microsoft.com/office/drawing/2014/main" id="{380E8C89-66DF-4C8B-BF25-7DFDDF4D18DC}"/>
+              </a:ext>
+            </a:extLst>
+          </p:cNvPr>
+          <p:cNvPicPr>
+            <a:picLocks noChangeAspect="1"/>
+          </p:cNvPicPr>
+          <p:nvPr/>
+        </p:nvPicPr>
+        <p:blipFill rotWithShape="1">
+          <a:blip r:embed="rId3">
+            <a:extLst>
+              <a:ext uri="{28A0092B-C50C-407E-A947-70E740481C1C}">
+                <a14:useLocalDpi xmlns:a14="http://schemas.microsoft.com/office/drawing/2010/main" val="0"/>
+              </a:ext>
+            </a:extLst>
+          </a:blip>
+          <a:srcRect l="10224" r="20029" b="22912"/>
+          <a:stretch/>
+        </p:blipFill>
+        <p:spPr>
+          <a:xfrm>
+            <a:off x="182880" y="612233"/>
+            <a:ext cx="2355674" cy="3294485"/>
+          </a:xfrm>
+          <a:prstGeom prst="rect">
+            <a:avLst/>
+          </a:prstGeom>
+        </p:spPr>
+      </p:pic>
+      <p:pic>
+        <p:nvPicPr>
+          <p:cNvPr id="6" name="Picture 5">
+            <a:extLst>
+              <a:ext uri="{FF2B5EF4-FFF2-40B4-BE49-F238E27FC236}">
+                <a16:creationId xmlns:a16="http://schemas.microsoft.com/office/drawing/2014/main" id="{33EC546B-DFFD-4B7A-B39C-519C62472490}"/>
+              </a:ext>
+            </a:extLst>
+          </p:cNvPr>
+          <p:cNvPicPr>
+            <a:picLocks noChangeAspect="1"/>
+          </p:cNvPicPr>
+          <p:nvPr/>
+        </p:nvPicPr>
+        <p:blipFill rotWithShape="1">
+          <a:blip r:embed="rId4">
+            <a:extLst>
+              <a:ext uri="{28A0092B-C50C-407E-A947-70E740481C1C}">
+                <a14:useLocalDpi xmlns:a14="http://schemas.microsoft.com/office/drawing/2010/main" val="0"/>
+              </a:ext>
+            </a:extLst>
+          </a:blip>
+          <a:srcRect l="9592" r="20536" b="22912"/>
+          <a:stretch/>
+        </p:blipFill>
+        <p:spPr>
+          <a:xfrm>
+            <a:off x="9144000" y="1769885"/>
+            <a:ext cx="2355674" cy="3294485"/>
+          </a:xfrm>
+          <a:prstGeom prst="rect">
+            <a:avLst/>
+          </a:prstGeom>
+        </p:spPr>
+      </p:pic>
+      <p:pic>
+        <p:nvPicPr>
+          <p:cNvPr id="7" name="Picture 6">
+            <a:extLst>
+              <a:ext uri="{FF2B5EF4-FFF2-40B4-BE49-F238E27FC236}">
+                <a16:creationId xmlns:a16="http://schemas.microsoft.com/office/drawing/2014/main" id="{AB14ED49-7540-46F1-A187-258C54C85ED4}"/>
+              </a:ext>
+            </a:extLst>
+          </p:cNvPr>
+          <p:cNvPicPr>
+            <a:picLocks noChangeAspect="1"/>
+          </p:cNvPicPr>
+          <p:nvPr/>
+        </p:nvPicPr>
+        <p:blipFill rotWithShape="1">
+          <a:blip r:embed="rId5">
+            <a:extLst>
+              <a:ext uri="{28A0092B-C50C-407E-A947-70E740481C1C}">
+                <a14:useLocalDpi xmlns:a14="http://schemas.microsoft.com/office/drawing/2010/main" val="0"/>
+              </a:ext>
+            </a:extLst>
+          </a:blip>
+          <a:srcRect l="9675" r="20578" b="22912"/>
+          <a:stretch/>
+        </p:blipFill>
+        <p:spPr>
+          <a:xfrm>
+            <a:off x="3756074" y="612233"/>
+            <a:ext cx="2355674" cy="3294485"/>
+          </a:xfrm>
+          <a:prstGeom prst="rect">
+            <a:avLst/>
+          </a:prstGeom>
+        </p:spPr>
+      </p:pic>
+    </p:spTree>
+    <p:extLst>
+      <p:ext uri="{BB962C8B-B14F-4D97-AF65-F5344CB8AC3E}">
+        <p14:creationId xmlns:p14="http://schemas.microsoft.com/office/powerpoint/2010/main" val="4128971801"/>
+      </p:ext>
+    </p:extLst>
+  </p:cSld>
+  <p:clrMapOvr>
+    <a:masterClrMapping/>
+  </p:clrMapOvr>
+</p:sld>
+</file>
+
+<file path=ppt/slides/slide23.xml><?xml version="1.0" encoding="utf-8"?>
+<p:sld xmlns:a="http://schemas.openxmlformats.org/drawingml/2006/main" xmlns:r="http://schemas.openxmlformats.org/officeDocument/2006/relationships" xmlns:p="http://schemas.openxmlformats.org/presentationml/2006/main">
+  <p:cSld>
+    <p:spTree>
+      <p:nvGrpSpPr>
+        <p:cNvPr id="1" name=""/>
+        <p:cNvGrpSpPr/>
+        <p:nvPr/>
+      </p:nvGrpSpPr>
+      <p:grpSpPr>
+        <a:xfrm>
+          <a:off x="0" y="0"/>
+          <a:ext cx="0" cy="0"/>
+          <a:chOff x="0" y="0"/>
+          <a:chExt cx="0" cy="0"/>
+        </a:xfrm>
+      </p:grpSpPr>
+      <p:pic>
+        <p:nvPicPr>
+          <p:cNvPr id="4" name="Picture 3">
+            <a:extLst>
+              <a:ext uri="{FF2B5EF4-FFF2-40B4-BE49-F238E27FC236}">
+                <a16:creationId xmlns:a16="http://schemas.microsoft.com/office/drawing/2014/main" id="{4F0DBDB3-2E07-4232-ADD0-83398EA14D65}"/>
+              </a:ext>
+            </a:extLst>
+          </p:cNvPr>
+          <p:cNvPicPr>
+            <a:picLocks noChangeAspect="1"/>
+          </p:cNvPicPr>
+          <p:nvPr/>
+        </p:nvPicPr>
+        <p:blipFill rotWithShape="1">
+          <a:blip r:embed="rId2">
+            <a:extLst>
+              <a:ext uri="{28A0092B-C50C-407E-A947-70E740481C1C}">
+                <a14:useLocalDpi xmlns:a14="http://schemas.microsoft.com/office/drawing/2010/main" val="0"/>
+              </a:ext>
+            </a:extLst>
+          </a:blip>
+          <a:srcRect l="10843" r="19474" b="22371"/>
+          <a:stretch/>
+        </p:blipFill>
+        <p:spPr>
+          <a:xfrm>
+            <a:off x="2912012" y="2042167"/>
+            <a:ext cx="2349306" cy="3317624"/>
+          </a:xfrm>
+          <a:prstGeom prst="rect">
+            <a:avLst/>
+          </a:prstGeom>
+        </p:spPr>
+      </p:pic>
+      <p:pic>
+        <p:nvPicPr>
+          <p:cNvPr id="5" name="Picture 4">
+            <a:extLst>
+              <a:ext uri="{FF2B5EF4-FFF2-40B4-BE49-F238E27FC236}">
+                <a16:creationId xmlns:a16="http://schemas.microsoft.com/office/drawing/2014/main" id="{42687289-18F9-44AD-BD31-68BACC4F4A64}"/>
+              </a:ext>
+            </a:extLst>
+          </p:cNvPr>
+          <p:cNvPicPr>
+            <a:picLocks noChangeAspect="1"/>
+          </p:cNvPicPr>
+          <p:nvPr/>
+        </p:nvPicPr>
+        <p:blipFill rotWithShape="1">
+          <a:blip r:embed="rId3">
+            <a:extLst>
+              <a:ext uri="{28A0092B-C50C-407E-A947-70E740481C1C}">
+                <a14:useLocalDpi xmlns:a14="http://schemas.microsoft.com/office/drawing/2010/main" val="0"/>
+              </a:ext>
+            </a:extLst>
+          </a:blip>
+          <a:srcRect l="10233" r="20209" b="22371"/>
+          <a:stretch/>
+        </p:blipFill>
+        <p:spPr>
+          <a:xfrm>
+            <a:off x="5922499" y="2042167"/>
+            <a:ext cx="2349306" cy="3317624"/>
+          </a:xfrm>
+          <a:prstGeom prst="rect">
+            <a:avLst/>
+          </a:prstGeom>
+        </p:spPr>
+      </p:pic>
+      <p:pic>
+        <p:nvPicPr>
+          <p:cNvPr id="6" name="Picture 5">
+            <a:extLst>
+              <a:ext uri="{FF2B5EF4-FFF2-40B4-BE49-F238E27FC236}">
+                <a16:creationId xmlns:a16="http://schemas.microsoft.com/office/drawing/2014/main" id="{A62D3A83-500F-463E-B02A-85F03E5FD320}"/>
+              </a:ext>
+            </a:extLst>
+          </p:cNvPr>
+          <p:cNvPicPr>
+            <a:picLocks noChangeAspect="1"/>
+          </p:cNvPicPr>
+          <p:nvPr/>
+        </p:nvPicPr>
+        <p:blipFill rotWithShape="1">
+          <a:blip r:embed="rId4">
+            <a:extLst>
+              <a:ext uri="{28A0092B-C50C-407E-A947-70E740481C1C}">
+                <a14:useLocalDpi xmlns:a14="http://schemas.microsoft.com/office/drawing/2010/main" val="0"/>
+              </a:ext>
+            </a:extLst>
+          </a:blip>
+          <a:srcRect l="9650" r="20666" b="22371"/>
+          <a:stretch/>
+        </p:blipFill>
+        <p:spPr>
+          <a:xfrm>
+            <a:off x="9706706" y="2042167"/>
+            <a:ext cx="2349306" cy="3317624"/>
+          </a:xfrm>
+          <a:prstGeom prst="rect">
+            <a:avLst/>
+          </a:prstGeom>
+        </p:spPr>
+      </p:pic>
+      <p:pic>
+        <p:nvPicPr>
+          <p:cNvPr id="7" name="Picture 6">
+            <a:extLst>
+              <a:ext uri="{FF2B5EF4-FFF2-40B4-BE49-F238E27FC236}">
+                <a16:creationId xmlns:a16="http://schemas.microsoft.com/office/drawing/2014/main" id="{8AA6503A-C817-4A37-9090-995FD987CE17}"/>
+              </a:ext>
+            </a:extLst>
+          </p:cNvPr>
+          <p:cNvPicPr>
+            <a:picLocks noChangeAspect="1"/>
+          </p:cNvPicPr>
+          <p:nvPr/>
+        </p:nvPicPr>
+        <p:blipFill rotWithShape="1">
+          <a:blip r:embed="rId5">
+            <a:extLst>
+              <a:ext uri="{28A0092B-C50C-407E-A947-70E740481C1C}">
+                <a14:useLocalDpi xmlns:a14="http://schemas.microsoft.com/office/drawing/2010/main" val="0"/>
+              </a:ext>
+            </a:extLst>
+          </a:blip>
+          <a:srcRect l="9580" r="20862" b="22371"/>
+          <a:stretch/>
+        </p:blipFill>
+        <p:spPr>
+          <a:xfrm>
+            <a:off x="323557" y="2042167"/>
+            <a:ext cx="2349306" cy="3317624"/>
+          </a:xfrm>
+          <a:prstGeom prst="rect">
+            <a:avLst/>
+          </a:prstGeom>
+        </p:spPr>
+      </p:pic>
+    </p:spTree>
+    <p:extLst>
+      <p:ext uri="{BB962C8B-B14F-4D97-AF65-F5344CB8AC3E}">
+        <p14:creationId xmlns:p14="http://schemas.microsoft.com/office/powerpoint/2010/main" val="535334169"/>
+      </p:ext>
+    </p:extLst>
+  </p:cSld>
+  <p:clrMapOvr>
+    <a:masterClrMapping/>
+  </p:clrMapOvr>
+</p:sld>
+</file>
+
+<file path=ppt/slides/slide24.xml><?xml version="1.0" encoding="utf-8"?>
+<p:sld xmlns:a="http://schemas.openxmlformats.org/drawingml/2006/main" xmlns:r="http://schemas.openxmlformats.org/officeDocument/2006/relationships" xmlns:p="http://schemas.openxmlformats.org/presentationml/2006/main">
+  <p:cSld>
+    <p:spTree>
+      <p:nvGrpSpPr>
+        <p:cNvPr id="1" name=""/>
+        <p:cNvGrpSpPr/>
+        <p:nvPr/>
+      </p:nvGrpSpPr>
+      <p:grpSpPr>
+        <a:xfrm>
+          <a:off x="0" y="0"/>
+          <a:ext cx="0" cy="0"/>
+          <a:chOff x="0" y="0"/>
+          <a:chExt cx="0" cy="0"/>
+        </a:xfrm>
+      </p:grpSpPr>
+      <p:pic>
+        <p:nvPicPr>
+          <p:cNvPr id="4" name="Picture 3">
+            <a:extLst>
+              <a:ext uri="{FF2B5EF4-FFF2-40B4-BE49-F238E27FC236}">
+                <a16:creationId xmlns:a16="http://schemas.microsoft.com/office/drawing/2014/main" id="{EEFE5CE3-9D21-414A-AC2F-1A35B60CB19C}"/>
+              </a:ext>
+            </a:extLst>
+          </p:cNvPr>
+          <p:cNvPicPr>
+            <a:picLocks noChangeAspect="1"/>
+          </p:cNvPicPr>
+          <p:nvPr/>
+        </p:nvPicPr>
+        <p:blipFill rotWithShape="1">
+          <a:blip r:embed="rId2">
+            <a:extLst>
+              <a:ext uri="{28A0092B-C50C-407E-A947-70E740481C1C}">
+                <a14:useLocalDpi xmlns:a14="http://schemas.microsoft.com/office/drawing/2010/main" val="0"/>
+              </a:ext>
+            </a:extLst>
+          </a:blip>
+          <a:srcRect l="10510" r="20021" b="22377"/>
+          <a:stretch/>
+        </p:blipFill>
+        <p:spPr>
+          <a:xfrm>
+            <a:off x="9650437" y="1817343"/>
+            <a:ext cx="2342066" cy="3317365"/>
+          </a:xfrm>
+          <a:prstGeom prst="rect">
+            <a:avLst/>
+          </a:prstGeom>
+        </p:spPr>
+      </p:pic>
+      <p:pic>
+        <p:nvPicPr>
+          <p:cNvPr id="5" name="Picture 4">
+            <a:extLst>
+              <a:ext uri="{FF2B5EF4-FFF2-40B4-BE49-F238E27FC236}">
+                <a16:creationId xmlns:a16="http://schemas.microsoft.com/office/drawing/2014/main" id="{9349D4DC-3BF5-4C1D-8D31-AA665AAA5CB7}"/>
+              </a:ext>
+            </a:extLst>
+          </p:cNvPr>
+          <p:cNvPicPr>
+            <a:picLocks noChangeAspect="1"/>
+          </p:cNvPicPr>
+          <p:nvPr/>
+        </p:nvPicPr>
+        <p:blipFill rotWithShape="1">
+          <a:blip r:embed="rId3">
+            <a:extLst>
+              <a:ext uri="{28A0092B-C50C-407E-A947-70E740481C1C}">
+                <a14:useLocalDpi xmlns:a14="http://schemas.microsoft.com/office/drawing/2010/main" val="0"/>
+              </a:ext>
+            </a:extLst>
+          </a:blip>
+          <a:srcRect l="10071" r="20585" b="22377"/>
+          <a:stretch/>
+        </p:blipFill>
+        <p:spPr>
+          <a:xfrm>
+            <a:off x="1132655" y="537183"/>
+            <a:ext cx="2342066" cy="3317365"/>
+          </a:xfrm>
+          <a:prstGeom prst="rect">
+            <a:avLst/>
+          </a:prstGeom>
+        </p:spPr>
+      </p:pic>
+      <p:pic>
+        <p:nvPicPr>
+          <p:cNvPr id="6" name="Picture 5">
+            <a:extLst>
+              <a:ext uri="{FF2B5EF4-FFF2-40B4-BE49-F238E27FC236}">
+                <a16:creationId xmlns:a16="http://schemas.microsoft.com/office/drawing/2014/main" id="{90454A27-66A4-4F2B-871C-5A5C4D6A142B}"/>
+              </a:ext>
+            </a:extLst>
+          </p:cNvPr>
+          <p:cNvPicPr>
+            <a:picLocks noChangeAspect="1"/>
+          </p:cNvPicPr>
+          <p:nvPr/>
+        </p:nvPicPr>
+        <p:blipFill rotWithShape="1">
+          <a:blip r:embed="rId4">
+            <a:extLst>
+              <a:ext uri="{28A0092B-C50C-407E-A947-70E740481C1C}">
+                <a14:useLocalDpi xmlns:a14="http://schemas.microsoft.com/office/drawing/2010/main" val="0"/>
+              </a:ext>
+            </a:extLst>
+          </a:blip>
+          <a:srcRect l="10109" r="20548" b="22377"/>
+          <a:stretch/>
+        </p:blipFill>
+        <p:spPr>
+          <a:xfrm>
+            <a:off x="3059928" y="987350"/>
+            <a:ext cx="2342066" cy="3317365"/>
+          </a:xfrm>
+          <a:prstGeom prst="rect">
+            <a:avLst/>
+          </a:prstGeom>
+        </p:spPr>
+      </p:pic>
+      <p:pic>
+        <p:nvPicPr>
+          <p:cNvPr id="7" name="Picture 6">
+            <a:extLst>
+              <a:ext uri="{FF2B5EF4-FFF2-40B4-BE49-F238E27FC236}">
+                <a16:creationId xmlns:a16="http://schemas.microsoft.com/office/drawing/2014/main" id="{B539D13E-8BB8-4B53-8133-39E1121E8875}"/>
+              </a:ext>
+            </a:extLst>
+          </p:cNvPr>
+          <p:cNvPicPr>
+            <a:picLocks noChangeAspect="1"/>
+          </p:cNvPicPr>
+          <p:nvPr/>
+        </p:nvPicPr>
+        <p:blipFill rotWithShape="1">
+          <a:blip r:embed="rId5">
+            <a:extLst>
+              <a:ext uri="{28A0092B-C50C-407E-A947-70E740481C1C}">
+                <a14:useLocalDpi xmlns:a14="http://schemas.microsoft.com/office/drawing/2010/main" val="0"/>
+              </a:ext>
+            </a:extLst>
+          </a:blip>
+          <a:srcRect l="10006" r="20525" b="22377"/>
+          <a:stretch/>
+        </p:blipFill>
+        <p:spPr>
+          <a:xfrm>
+            <a:off x="5789060" y="636811"/>
+            <a:ext cx="2342066" cy="3317365"/>
+          </a:xfrm>
+          <a:prstGeom prst="rect">
+            <a:avLst/>
+          </a:prstGeom>
+        </p:spPr>
+      </p:pic>
+    </p:spTree>
+    <p:extLst>
+      <p:ext uri="{BB962C8B-B14F-4D97-AF65-F5344CB8AC3E}">
+        <p14:creationId xmlns:p14="http://schemas.microsoft.com/office/powerpoint/2010/main" val="2491174550"/>
+      </p:ext>
+    </p:extLst>
+  </p:cSld>
+  <p:clrMapOvr>
+    <a:masterClrMapping/>
+  </p:clrMapOvr>
+</p:sld>
+</file>
+
+<file path=ppt/slides/slide25.xml><?xml version="1.0" encoding="utf-8"?>
+<p:sld xmlns:a="http://schemas.openxmlformats.org/drawingml/2006/main" xmlns:r="http://schemas.openxmlformats.org/officeDocument/2006/relationships" xmlns:p="http://schemas.openxmlformats.org/presentationml/2006/main">
+  <p:cSld>
+    <p:spTree>
+      <p:nvGrpSpPr>
+        <p:cNvPr id="1" name=""/>
+        <p:cNvGrpSpPr/>
+        <p:nvPr/>
+      </p:nvGrpSpPr>
+      <p:grpSpPr>
+        <a:xfrm>
+          <a:off x="0" y="0"/>
+          <a:ext cx="0" cy="0"/>
+          <a:chOff x="0" y="0"/>
+          <a:chExt cx="0" cy="0"/>
+        </a:xfrm>
+      </p:grpSpPr>
+      <p:pic>
+        <p:nvPicPr>
+          <p:cNvPr id="4" name="Picture 3">
+            <a:extLst>
+              <a:ext uri="{FF2B5EF4-FFF2-40B4-BE49-F238E27FC236}">
+                <a16:creationId xmlns:a16="http://schemas.microsoft.com/office/drawing/2014/main" id="{F28F43A7-DB67-4BA2-B070-93ECB0746776}"/>
+              </a:ext>
+            </a:extLst>
+          </p:cNvPr>
+          <p:cNvPicPr>
+            <a:picLocks noChangeAspect="1"/>
+          </p:cNvPicPr>
+          <p:nvPr/>
+        </p:nvPicPr>
+        <p:blipFill rotWithShape="1">
+          <a:blip r:embed="rId2">
+            <a:extLst>
+              <a:ext uri="{28A0092B-C50C-407E-A947-70E740481C1C}">
+                <a14:useLocalDpi xmlns:a14="http://schemas.microsoft.com/office/drawing/2010/main" val="0"/>
+              </a:ext>
+            </a:extLst>
+          </a:blip>
+          <a:srcRect l="10684" r="19631" b="22435"/>
+          <a:stretch/>
+        </p:blipFill>
+        <p:spPr>
+          <a:xfrm>
+            <a:off x="520504" y="1644711"/>
+            <a:ext cx="2349304" cy="3314865"/>
+          </a:xfrm>
+          <a:prstGeom prst="rect">
+            <a:avLst/>
+          </a:prstGeom>
+        </p:spPr>
+      </p:pic>
+      <p:pic>
+        <p:nvPicPr>
+          <p:cNvPr id="5" name="Picture 4">
+            <a:extLst>
+              <a:ext uri="{FF2B5EF4-FFF2-40B4-BE49-F238E27FC236}">
+                <a16:creationId xmlns:a16="http://schemas.microsoft.com/office/drawing/2014/main" id="{7C542A43-35FB-4B79-9AC3-F3D83C1AB6B5}"/>
+              </a:ext>
+            </a:extLst>
+          </p:cNvPr>
+          <p:cNvPicPr>
+            <a:picLocks noChangeAspect="1"/>
+          </p:cNvPicPr>
+          <p:nvPr/>
+        </p:nvPicPr>
+        <p:blipFill rotWithShape="1">
+          <a:blip r:embed="rId3">
+            <a:extLst>
+              <a:ext uri="{28A0092B-C50C-407E-A947-70E740481C1C}">
+                <a14:useLocalDpi xmlns:a14="http://schemas.microsoft.com/office/drawing/2010/main" val="0"/>
+              </a:ext>
+            </a:extLst>
+          </a:blip>
+          <a:srcRect l="10830" r="20862" b="22435"/>
+          <a:stretch/>
+        </p:blipFill>
+        <p:spPr>
+          <a:xfrm>
+            <a:off x="3474719" y="3302143"/>
+            <a:ext cx="2307103" cy="3314865"/>
+          </a:xfrm>
+          <a:prstGeom prst="rect">
+            <a:avLst/>
+          </a:prstGeom>
+        </p:spPr>
+      </p:pic>
+      <p:pic>
+        <p:nvPicPr>
+          <p:cNvPr id="6" name="Picture 5">
+            <a:extLst>
+              <a:ext uri="{FF2B5EF4-FFF2-40B4-BE49-F238E27FC236}">
+                <a16:creationId xmlns:a16="http://schemas.microsoft.com/office/drawing/2014/main" id="{7FC5A750-9ABC-4229-9CC3-BADE31BBB617}"/>
+              </a:ext>
+            </a:extLst>
+          </p:cNvPr>
+          <p:cNvPicPr>
+            <a:picLocks noChangeAspect="1"/>
+          </p:cNvPicPr>
+          <p:nvPr/>
+        </p:nvPicPr>
+        <p:blipFill rotWithShape="1">
+          <a:blip r:embed="rId4">
+            <a:extLst>
+              <a:ext uri="{28A0092B-C50C-407E-A947-70E740481C1C}">
+                <a14:useLocalDpi xmlns:a14="http://schemas.microsoft.com/office/drawing/2010/main" val="0"/>
+              </a:ext>
+            </a:extLst>
+          </a:blip>
+          <a:srcRect l="10424" r="21144" b="22435"/>
+          <a:stretch/>
+        </p:blipFill>
+        <p:spPr>
+          <a:xfrm>
+            <a:off x="9186200" y="1749646"/>
+            <a:ext cx="2307104" cy="3314865"/>
+          </a:xfrm>
+          <a:prstGeom prst="rect">
+            <a:avLst/>
+          </a:prstGeom>
+        </p:spPr>
+      </p:pic>
+      <p:pic>
+        <p:nvPicPr>
+          <p:cNvPr id="7" name="Picture 6">
+            <a:extLst>
+              <a:ext uri="{FF2B5EF4-FFF2-40B4-BE49-F238E27FC236}">
+                <a16:creationId xmlns:a16="http://schemas.microsoft.com/office/drawing/2014/main" id="{4E56C239-D389-44BE-8C0F-3DB9F01B39AC}"/>
+              </a:ext>
+            </a:extLst>
+          </p:cNvPr>
+          <p:cNvPicPr>
+            <a:picLocks noChangeAspect="1"/>
+          </p:cNvPicPr>
+          <p:nvPr/>
+        </p:nvPicPr>
+        <p:blipFill rotWithShape="1">
+          <a:blip r:embed="rId5">
+            <a:extLst>
+              <a:ext uri="{28A0092B-C50C-407E-A947-70E740481C1C}">
+                <a14:useLocalDpi xmlns:a14="http://schemas.microsoft.com/office/drawing/2010/main" val="0"/>
+              </a:ext>
+            </a:extLst>
+          </a:blip>
+          <a:srcRect l="10063" r="20380" b="22435"/>
+          <a:stretch/>
+        </p:blipFill>
+        <p:spPr>
+          <a:xfrm>
+            <a:off x="3235569" y="1246863"/>
+            <a:ext cx="2349304" cy="3314865"/>
+          </a:xfrm>
+          <a:prstGeom prst="rect">
+            <a:avLst/>
+          </a:prstGeom>
+        </p:spPr>
+      </p:pic>
+    </p:spTree>
+    <p:extLst>
+      <p:ext uri="{BB962C8B-B14F-4D97-AF65-F5344CB8AC3E}">
+        <p14:creationId xmlns:p14="http://schemas.microsoft.com/office/powerpoint/2010/main" val="2126977216"/>
+      </p:ext>
+    </p:extLst>
+  </p:cSld>
+  <p:clrMapOvr>
+    <a:masterClrMapping/>
+  </p:clrMapOvr>
+</p:sld>
+</file>
+
+<file path=ppt/slides/slide26.xml><?xml version="1.0" encoding="utf-8"?>
+<p:sld xmlns:a="http://schemas.openxmlformats.org/drawingml/2006/main" xmlns:r="http://schemas.openxmlformats.org/officeDocument/2006/relationships" xmlns:p="http://schemas.openxmlformats.org/presentationml/2006/main">
+  <p:cSld>
+    <p:spTree>
+      <p:nvGrpSpPr>
+        <p:cNvPr id="1" name=""/>
+        <p:cNvGrpSpPr/>
+        <p:nvPr/>
+      </p:nvGrpSpPr>
+      <p:grpSpPr>
+        <a:xfrm>
+          <a:off x="0" y="0"/>
+          <a:ext cx="0" cy="0"/>
+          <a:chOff x="0" y="0"/>
+          <a:chExt cx="0" cy="0"/>
+        </a:xfrm>
+      </p:grpSpPr>
+      <p:pic>
+        <p:nvPicPr>
+          <p:cNvPr id="21" name="Picture 20">
+            <a:extLst>
+              <a:ext uri="{FF2B5EF4-FFF2-40B4-BE49-F238E27FC236}">
+                <a16:creationId xmlns:a16="http://schemas.microsoft.com/office/drawing/2014/main" id="{017231C4-E504-45FA-B436-FE1592B70F30}"/>
+              </a:ext>
+            </a:extLst>
+          </p:cNvPr>
+          <p:cNvPicPr>
+            <a:picLocks noChangeAspect="1"/>
+          </p:cNvPicPr>
+          <p:nvPr/>
+        </p:nvPicPr>
+        <p:blipFill rotWithShape="1">
+          <a:blip r:embed="rId2">
+            <a:extLst>
+              <a:ext uri="{28A0092B-C50C-407E-A947-70E740481C1C}">
+                <a14:useLocalDpi xmlns:a14="http://schemas.microsoft.com/office/drawing/2010/main" val="0"/>
+              </a:ext>
+            </a:extLst>
+          </a:blip>
+          <a:srcRect l="24183" r="22191" b="29342"/>
+          <a:stretch/>
+        </p:blipFill>
+        <p:spPr>
+          <a:xfrm>
+            <a:off x="5685188" y="793992"/>
+            <a:ext cx="2327743" cy="3299663"/>
+          </a:xfrm>
+          <a:prstGeom prst="rect">
+            <a:avLst/>
+          </a:prstGeom>
+        </p:spPr>
+      </p:pic>
+      <p:pic>
+        <p:nvPicPr>
+          <p:cNvPr id="47" name="Picture 46">
+            <a:extLst>
+              <a:ext uri="{FF2B5EF4-FFF2-40B4-BE49-F238E27FC236}">
+                <a16:creationId xmlns:a16="http://schemas.microsoft.com/office/drawing/2014/main" id="{D8099836-8354-43BD-9137-913E26BC127B}"/>
+              </a:ext>
+            </a:extLst>
+          </p:cNvPr>
+          <p:cNvPicPr>
+            <a:picLocks noChangeAspect="1"/>
+          </p:cNvPicPr>
+          <p:nvPr/>
+        </p:nvPicPr>
+        <p:blipFill rotWithShape="1">
+          <a:blip r:embed="rId3">
+            <a:extLst>
+              <a:ext uri="{28A0092B-C50C-407E-A947-70E740481C1C}">
+                <a14:useLocalDpi xmlns:a14="http://schemas.microsoft.com/office/drawing/2010/main" val="0"/>
+              </a:ext>
+            </a:extLst>
+          </a:blip>
+          <a:srcRect l="24702" r="22149" b="29105"/>
+          <a:stretch/>
+        </p:blipFill>
+        <p:spPr>
+          <a:xfrm>
+            <a:off x="2534577" y="786298"/>
+            <a:ext cx="2310310" cy="3315050"/>
+          </a:xfrm>
+          <a:prstGeom prst="rect">
+            <a:avLst/>
+          </a:prstGeom>
+        </p:spPr>
+      </p:pic>
+      <p:pic>
+        <p:nvPicPr>
+          <p:cNvPr id="73" name="Picture 72">
+            <a:extLst>
+              <a:ext uri="{FF2B5EF4-FFF2-40B4-BE49-F238E27FC236}">
+                <a16:creationId xmlns:a16="http://schemas.microsoft.com/office/drawing/2014/main" id="{EBD32033-6747-4890-B345-18F96AFA8886}"/>
+              </a:ext>
+            </a:extLst>
+          </p:cNvPr>
+          <p:cNvPicPr>
+            <a:picLocks noChangeAspect="1"/>
+          </p:cNvPicPr>
+          <p:nvPr/>
+        </p:nvPicPr>
+        <p:blipFill rotWithShape="1">
+          <a:blip r:embed="rId4">
+            <a:extLst>
+              <a:ext uri="{28A0092B-C50C-407E-A947-70E740481C1C}">
+                <a14:useLocalDpi xmlns:a14="http://schemas.microsoft.com/office/drawing/2010/main" val="0"/>
+              </a:ext>
+            </a:extLst>
+          </a:blip>
+          <a:srcRect l="23444" t="6" r="22930" b="29658"/>
+          <a:stretch/>
+        </p:blipFill>
+        <p:spPr>
+          <a:xfrm>
+            <a:off x="9209408" y="621442"/>
+            <a:ext cx="2327743" cy="3288949"/>
+          </a:xfrm>
+          <a:prstGeom prst="rect">
+            <a:avLst/>
+          </a:prstGeom>
+        </p:spPr>
+      </p:pic>
+      <p:pic>
+        <p:nvPicPr>
+          <p:cNvPr id="99" name="Picture 98">
+            <a:extLst>
+              <a:ext uri="{FF2B5EF4-FFF2-40B4-BE49-F238E27FC236}">
+                <a16:creationId xmlns:a16="http://schemas.microsoft.com/office/drawing/2014/main" id="{289B166D-3645-449D-8FA4-0CCD56450FA2}"/>
+              </a:ext>
+            </a:extLst>
+          </p:cNvPr>
+          <p:cNvPicPr>
+            <a:picLocks noChangeAspect="1"/>
+          </p:cNvPicPr>
+          <p:nvPr/>
+        </p:nvPicPr>
+        <p:blipFill rotWithShape="1">
+          <a:blip r:embed="rId5">
+            <a:extLst>
+              <a:ext uri="{28A0092B-C50C-407E-A947-70E740481C1C}">
+                <a14:useLocalDpi xmlns:a14="http://schemas.microsoft.com/office/drawing/2010/main" val="0"/>
+              </a:ext>
+            </a:extLst>
+          </a:blip>
+          <a:srcRect l="22764" r="23900" b="29343"/>
+          <a:stretch/>
+        </p:blipFill>
+        <p:spPr>
+          <a:xfrm>
+            <a:off x="-36363" y="801684"/>
+            <a:ext cx="2315106" cy="3299664"/>
+          </a:xfrm>
+          <a:prstGeom prst="rect">
+            <a:avLst/>
+          </a:prstGeom>
+        </p:spPr>
+      </p:pic>
+    </p:spTree>
+    <p:extLst>
+      <p:ext uri="{BB962C8B-B14F-4D97-AF65-F5344CB8AC3E}">
+        <p14:creationId xmlns:p14="http://schemas.microsoft.com/office/powerpoint/2010/main" val="1541358633"/>
+      </p:ext>
+    </p:extLst>
+  </p:cSld>
+  <p:clrMapOvr>
+    <a:masterClrMapping/>
+  </p:clrMapOvr>
+</p:sld>
+</file>
+
+<file path=ppt/slides/slide27.xml><?xml version="1.0" encoding="utf-8"?>
+<p:sld xmlns:a="http://schemas.openxmlformats.org/drawingml/2006/main" xmlns:r="http://schemas.openxmlformats.org/officeDocument/2006/relationships" xmlns:p="http://schemas.openxmlformats.org/presentationml/2006/main">
+  <p:cSld>
+    <p:spTree>
+      <p:nvGrpSpPr>
+        <p:cNvPr id="1" name=""/>
+        <p:cNvGrpSpPr/>
+        <p:nvPr/>
+      </p:nvGrpSpPr>
+      <p:grpSpPr>
+        <a:xfrm>
+          <a:off x="0" y="0"/>
+          <a:ext cx="0" cy="0"/>
+          <a:chOff x="0" y="0"/>
+          <a:chExt cx="0" cy="0"/>
+        </a:xfrm>
+      </p:grpSpPr>
+      <p:pic>
+        <p:nvPicPr>
+          <p:cNvPr id="4" name="Picture 3">
+            <a:extLst>
+              <a:ext uri="{FF2B5EF4-FFF2-40B4-BE49-F238E27FC236}">
+                <a16:creationId xmlns:a16="http://schemas.microsoft.com/office/drawing/2014/main" id="{9820862B-8B41-4C7F-99F9-D5BB371D7B5C}"/>
+              </a:ext>
+            </a:extLst>
+          </p:cNvPr>
+          <p:cNvPicPr>
+            <a:picLocks noChangeAspect="1"/>
+          </p:cNvPicPr>
+          <p:nvPr/>
+        </p:nvPicPr>
+        <p:blipFill rotWithShape="1">
+          <a:blip r:embed="rId2">
+            <a:extLst>
+              <a:ext uri="{28A0092B-C50C-407E-A947-70E740481C1C}">
+                <a14:useLocalDpi xmlns:a14="http://schemas.microsoft.com/office/drawing/2010/main" val="0"/>
+              </a:ext>
+            </a:extLst>
+          </a:blip>
+          <a:srcRect l="4976" r="17526" b="22599"/>
+          <a:stretch/>
+        </p:blipFill>
+        <p:spPr>
+          <a:xfrm>
+            <a:off x="460730" y="571328"/>
+            <a:ext cx="2338742" cy="3307839"/>
+          </a:xfrm>
+          <a:prstGeom prst="rect">
+            <a:avLst/>
+          </a:prstGeom>
+        </p:spPr>
+      </p:pic>
+      <p:pic>
+        <p:nvPicPr>
+          <p:cNvPr id="5" name="Picture 4">
+            <a:extLst>
+              <a:ext uri="{FF2B5EF4-FFF2-40B4-BE49-F238E27FC236}">
+                <a16:creationId xmlns:a16="http://schemas.microsoft.com/office/drawing/2014/main" id="{61F5A3C1-09BC-4E94-869D-89C62C300476}"/>
+              </a:ext>
+            </a:extLst>
+          </p:cNvPr>
+          <p:cNvPicPr>
+            <a:picLocks noChangeAspect="1"/>
+          </p:cNvPicPr>
+          <p:nvPr/>
+        </p:nvPicPr>
+        <p:blipFill rotWithShape="1">
+          <a:blip r:embed="rId3">
+            <a:extLst>
+              <a:ext uri="{28A0092B-C50C-407E-A947-70E740481C1C}">
+                <a14:useLocalDpi xmlns:a14="http://schemas.microsoft.com/office/drawing/2010/main" val="0"/>
+              </a:ext>
+            </a:extLst>
+          </a:blip>
+          <a:srcRect l="5734" r="16768" b="22599"/>
+          <a:stretch/>
+        </p:blipFill>
+        <p:spPr>
+          <a:xfrm>
+            <a:off x="6260123" y="2792167"/>
+            <a:ext cx="2338742" cy="3307839"/>
+          </a:xfrm>
+          <a:prstGeom prst="rect">
+            <a:avLst/>
+          </a:prstGeom>
+        </p:spPr>
+      </p:pic>
+      <p:pic>
+        <p:nvPicPr>
+          <p:cNvPr id="6" name="Picture 5">
+            <a:extLst>
+              <a:ext uri="{FF2B5EF4-FFF2-40B4-BE49-F238E27FC236}">
+                <a16:creationId xmlns:a16="http://schemas.microsoft.com/office/drawing/2014/main" id="{97944E77-0AA6-48CF-98EC-003292F31BA2}"/>
+              </a:ext>
+            </a:extLst>
+          </p:cNvPr>
+          <p:cNvPicPr>
+            <a:picLocks noChangeAspect="1"/>
+          </p:cNvPicPr>
+          <p:nvPr/>
+        </p:nvPicPr>
+        <p:blipFill rotWithShape="1">
+          <a:blip r:embed="rId4">
+            <a:extLst>
+              <a:ext uri="{28A0092B-C50C-407E-A947-70E740481C1C}">
+                <a14:useLocalDpi xmlns:a14="http://schemas.microsoft.com/office/drawing/2010/main" val="0"/>
+              </a:ext>
+            </a:extLst>
+          </a:blip>
+          <a:srcRect l="4559" r="17943" b="22599"/>
+          <a:stretch/>
+        </p:blipFill>
+        <p:spPr>
+          <a:xfrm>
+            <a:off x="9073661" y="1108583"/>
+            <a:ext cx="2338743" cy="3307839"/>
+          </a:xfrm>
+          <a:prstGeom prst="rect">
+            <a:avLst/>
+          </a:prstGeom>
+        </p:spPr>
+      </p:pic>
+      <p:pic>
+        <p:nvPicPr>
+          <p:cNvPr id="7" name="Picture 6">
+            <a:extLst>
+              <a:ext uri="{FF2B5EF4-FFF2-40B4-BE49-F238E27FC236}">
+                <a16:creationId xmlns:a16="http://schemas.microsoft.com/office/drawing/2014/main" id="{AEBD12B6-AF30-47E4-9AB7-2366B13821AC}"/>
+              </a:ext>
+            </a:extLst>
+          </p:cNvPr>
+          <p:cNvPicPr>
+            <a:picLocks noChangeAspect="1"/>
+          </p:cNvPicPr>
+          <p:nvPr/>
+        </p:nvPicPr>
+        <p:blipFill rotWithShape="1">
+          <a:blip r:embed="rId5">
+            <a:extLst>
+              <a:ext uri="{28A0092B-C50C-407E-A947-70E740481C1C}">
+                <a14:useLocalDpi xmlns:a14="http://schemas.microsoft.com/office/drawing/2010/main" val="0"/>
+              </a:ext>
+            </a:extLst>
+          </a:blip>
+          <a:srcRect l="6283" r="16218" b="22599"/>
+          <a:stretch/>
+        </p:blipFill>
+        <p:spPr>
+          <a:xfrm>
+            <a:off x="3699803" y="655334"/>
+            <a:ext cx="2338742" cy="3307839"/>
+          </a:xfrm>
+          <a:prstGeom prst="rect">
+            <a:avLst/>
+          </a:prstGeom>
+        </p:spPr>
+      </p:pic>
+    </p:spTree>
+    <p:extLst>
+      <p:ext uri="{BB962C8B-B14F-4D97-AF65-F5344CB8AC3E}">
+        <p14:creationId xmlns:p14="http://schemas.microsoft.com/office/powerpoint/2010/main" val="1060229793"/>
+      </p:ext>
+    </p:extLst>
+  </p:cSld>
+  <p:clrMapOvr>
+    <a:masterClrMapping/>
+  </p:clrMapOvr>
+</p:sld>
+</file>
+
+<file path=ppt/slides/slide28.xml><?xml version="1.0" encoding="utf-8"?>
+<p:sld xmlns:a="http://schemas.openxmlformats.org/drawingml/2006/main" xmlns:r="http://schemas.openxmlformats.org/officeDocument/2006/relationships" xmlns:p="http://schemas.openxmlformats.org/presentationml/2006/main">
+  <p:cSld>
+    <p:spTree>
+      <p:nvGrpSpPr>
+        <p:cNvPr id="1" name=""/>
+        <p:cNvGrpSpPr/>
+        <p:nvPr/>
+      </p:nvGrpSpPr>
+      <p:grpSpPr>
+        <a:xfrm>
+          <a:off x="0" y="0"/>
+          <a:ext cx="0" cy="0"/>
+          <a:chOff x="0" y="0"/>
+          <a:chExt cx="0" cy="0"/>
+        </a:xfrm>
+      </p:grpSpPr>
+      <p:pic>
+        <p:nvPicPr>
+          <p:cNvPr id="4" name="Picture 3">
+            <a:extLst>
+              <a:ext uri="{FF2B5EF4-FFF2-40B4-BE49-F238E27FC236}">
+                <a16:creationId xmlns:a16="http://schemas.microsoft.com/office/drawing/2014/main" id="{2E626369-9EB1-450A-ACCE-30111229CC46}"/>
+              </a:ext>
+            </a:extLst>
+          </p:cNvPr>
+          <p:cNvPicPr>
+            <a:picLocks noChangeAspect="1"/>
+          </p:cNvPicPr>
+          <p:nvPr/>
+        </p:nvPicPr>
+        <p:blipFill rotWithShape="1">
+          <a:blip r:embed="rId2">
+            <a:extLst>
+              <a:ext uri="{28A0092B-C50C-407E-A947-70E740481C1C}">
+                <a14:useLocalDpi xmlns:a14="http://schemas.microsoft.com/office/drawing/2010/main" val="0"/>
+              </a:ext>
+            </a:extLst>
+          </a:blip>
+          <a:srcRect l="13709" r="23465" b="22431"/>
+          <a:stretch/>
+        </p:blipFill>
+        <p:spPr>
+          <a:xfrm>
+            <a:off x="506437" y="1622743"/>
+            <a:ext cx="2321173" cy="3315017"/>
+          </a:xfrm>
+          <a:prstGeom prst="rect">
+            <a:avLst/>
+          </a:prstGeom>
+        </p:spPr>
+      </p:pic>
+      <p:pic>
+        <p:nvPicPr>
+          <p:cNvPr id="5" name="Picture 4">
+            <a:extLst>
+              <a:ext uri="{FF2B5EF4-FFF2-40B4-BE49-F238E27FC236}">
+                <a16:creationId xmlns:a16="http://schemas.microsoft.com/office/drawing/2014/main" id="{D00EB42F-9169-47E4-AFBE-F5D741E85F9E}"/>
+              </a:ext>
+            </a:extLst>
+          </p:cNvPr>
+          <p:cNvPicPr>
+            <a:picLocks noChangeAspect="1"/>
+          </p:cNvPicPr>
+          <p:nvPr/>
+        </p:nvPicPr>
+        <p:blipFill rotWithShape="1">
+          <a:blip r:embed="rId3">
+            <a:extLst>
+              <a:ext uri="{28A0092B-C50C-407E-A947-70E740481C1C}">
+                <a14:useLocalDpi xmlns:a14="http://schemas.microsoft.com/office/drawing/2010/main" val="0"/>
+              </a:ext>
+            </a:extLst>
+          </a:blip>
+          <a:srcRect l="13322" r="23746" b="22431"/>
+          <a:stretch/>
+        </p:blipFill>
+        <p:spPr>
+          <a:xfrm>
+            <a:off x="5078437" y="3098425"/>
+            <a:ext cx="2321173" cy="3315017"/>
+          </a:xfrm>
+          <a:prstGeom prst="rect">
+            <a:avLst/>
+          </a:prstGeom>
+        </p:spPr>
+      </p:pic>
+      <p:pic>
+        <p:nvPicPr>
+          <p:cNvPr id="6" name="Picture 5">
+            <a:extLst>
+              <a:ext uri="{FF2B5EF4-FFF2-40B4-BE49-F238E27FC236}">
+                <a16:creationId xmlns:a16="http://schemas.microsoft.com/office/drawing/2014/main" id="{D9AF6E55-9ACD-430E-A553-58C01E93360D}"/>
+              </a:ext>
+            </a:extLst>
+          </p:cNvPr>
+          <p:cNvPicPr>
+            <a:picLocks noChangeAspect="1"/>
+          </p:cNvPicPr>
+          <p:nvPr/>
+        </p:nvPicPr>
+        <p:blipFill rotWithShape="1">
+          <a:blip r:embed="rId4">
+            <a:extLst>
+              <a:ext uri="{28A0092B-C50C-407E-A947-70E740481C1C}">
+                <a14:useLocalDpi xmlns:a14="http://schemas.microsoft.com/office/drawing/2010/main" val="0"/>
+              </a:ext>
+            </a:extLst>
+          </a:blip>
+          <a:srcRect l="13445" r="23726" b="22431"/>
+          <a:stretch/>
+        </p:blipFill>
+        <p:spPr>
+          <a:xfrm>
+            <a:off x="8299938" y="961592"/>
+            <a:ext cx="2321174" cy="3315017"/>
+          </a:xfrm>
+          <a:prstGeom prst="rect">
+            <a:avLst/>
+          </a:prstGeom>
+        </p:spPr>
+      </p:pic>
+      <p:pic>
+        <p:nvPicPr>
+          <p:cNvPr id="7" name="Picture 6">
+            <a:extLst>
+              <a:ext uri="{FF2B5EF4-FFF2-40B4-BE49-F238E27FC236}">
+                <a16:creationId xmlns:a16="http://schemas.microsoft.com/office/drawing/2014/main" id="{DF473512-3270-49D4-B095-5664B4C62D6F}"/>
+              </a:ext>
+            </a:extLst>
+          </p:cNvPr>
+          <p:cNvPicPr>
+            <a:picLocks noChangeAspect="1"/>
+          </p:cNvPicPr>
+          <p:nvPr/>
+        </p:nvPicPr>
+        <p:blipFill rotWithShape="1">
+          <a:blip r:embed="rId5">
+            <a:extLst>
+              <a:ext uri="{28A0092B-C50C-407E-A947-70E740481C1C}">
+                <a14:useLocalDpi xmlns:a14="http://schemas.microsoft.com/office/drawing/2010/main" val="0"/>
+              </a:ext>
+            </a:extLst>
+          </a:blip>
+          <a:srcRect l="14439" r="22630" b="22431"/>
+          <a:stretch/>
+        </p:blipFill>
+        <p:spPr>
+          <a:xfrm>
+            <a:off x="3235569" y="1622742"/>
+            <a:ext cx="2321173" cy="3315017"/>
+          </a:xfrm>
+          <a:prstGeom prst="rect">
+            <a:avLst/>
+          </a:prstGeom>
+        </p:spPr>
+      </p:pic>
+    </p:spTree>
+    <p:extLst>
+      <p:ext uri="{BB962C8B-B14F-4D97-AF65-F5344CB8AC3E}">
+        <p14:creationId xmlns:p14="http://schemas.microsoft.com/office/powerpoint/2010/main" val="4166215756"/>
+      </p:ext>
+    </p:extLst>
+  </p:cSld>
+  <p:clrMapOvr>
+    <a:masterClrMapping/>
+  </p:clrMapOvr>
+</p:sld>
+</file>
+
+<file path=ppt/slides/slide29.xml><?xml version="1.0" encoding="utf-8"?>
+<p:sld xmlns:a="http://schemas.openxmlformats.org/drawingml/2006/main" xmlns:r="http://schemas.openxmlformats.org/officeDocument/2006/relationships" xmlns:p="http://schemas.openxmlformats.org/presentationml/2006/main">
+  <p:cSld>
+    <p:spTree>
+      <p:nvGrpSpPr>
+        <p:cNvPr id="1" name=""/>
+        <p:cNvGrpSpPr/>
+        <p:nvPr/>
+      </p:nvGrpSpPr>
+      <p:grpSpPr>
+        <a:xfrm>
+          <a:off x="0" y="0"/>
+          <a:ext cx="0" cy="0"/>
+          <a:chOff x="0" y="0"/>
+          <a:chExt cx="0" cy="0"/>
+        </a:xfrm>
+      </p:grpSpPr>
+      <p:pic>
+        <p:nvPicPr>
+          <p:cNvPr id="4" name="Picture 3">
+            <a:extLst>
+              <a:ext uri="{FF2B5EF4-FFF2-40B4-BE49-F238E27FC236}">
+                <a16:creationId xmlns:a16="http://schemas.microsoft.com/office/drawing/2014/main" id="{270072CE-60A5-4AF7-ABD3-8B350F26ED4A}"/>
+              </a:ext>
+            </a:extLst>
+          </p:cNvPr>
+          <p:cNvPicPr>
+            <a:picLocks noChangeAspect="1"/>
+          </p:cNvPicPr>
+          <p:nvPr/>
+        </p:nvPicPr>
+        <p:blipFill rotWithShape="1">
+          <a:blip r:embed="rId2">
+            <a:extLst>
+              <a:ext uri="{28A0092B-C50C-407E-A947-70E740481C1C}">
+                <a14:useLocalDpi xmlns:a14="http://schemas.microsoft.com/office/drawing/2010/main" val="0"/>
+              </a:ext>
+            </a:extLst>
+          </a:blip>
+          <a:srcRect l="10296" r="20645" b="22577"/>
+          <a:stretch/>
+        </p:blipFill>
+        <p:spPr>
+          <a:xfrm>
+            <a:off x="9396804" y="1979478"/>
+            <a:ext cx="2349307" cy="3308816"/>
+          </a:xfrm>
+          <a:prstGeom prst="rect">
+            <a:avLst/>
+          </a:prstGeom>
+        </p:spPr>
+      </p:pic>
+      <p:pic>
+        <p:nvPicPr>
+          <p:cNvPr id="5" name="Picture 4">
+            <a:extLst>
+              <a:ext uri="{FF2B5EF4-FFF2-40B4-BE49-F238E27FC236}">
+                <a16:creationId xmlns:a16="http://schemas.microsoft.com/office/drawing/2014/main" id="{7618FFF7-3614-4965-A579-B24C65B97D6E}"/>
+              </a:ext>
+            </a:extLst>
+          </p:cNvPr>
+          <p:cNvPicPr>
+            <a:picLocks noChangeAspect="1"/>
+          </p:cNvPicPr>
+          <p:nvPr/>
+        </p:nvPicPr>
+        <p:blipFill rotWithShape="1">
+          <a:blip r:embed="rId3">
+            <a:extLst>
+              <a:ext uri="{28A0092B-C50C-407E-A947-70E740481C1C}">
+                <a14:useLocalDpi xmlns:a14="http://schemas.microsoft.com/office/drawing/2010/main" val="0"/>
+              </a:ext>
+            </a:extLst>
+          </a:blip>
+          <a:srcRect l="9389" r="21427" b="22577"/>
+          <a:stretch/>
+        </p:blipFill>
+        <p:spPr>
+          <a:xfrm>
+            <a:off x="2795196" y="700476"/>
+            <a:ext cx="2349306" cy="3308816"/>
+          </a:xfrm>
+          <a:prstGeom prst="rect">
+            <a:avLst/>
+          </a:prstGeom>
+        </p:spPr>
+      </p:pic>
+      <p:pic>
+        <p:nvPicPr>
+          <p:cNvPr id="6" name="Picture 5">
+            <a:extLst>
+              <a:ext uri="{FF2B5EF4-FFF2-40B4-BE49-F238E27FC236}">
+                <a16:creationId xmlns:a16="http://schemas.microsoft.com/office/drawing/2014/main" id="{8A8CC3DE-CFC6-4162-8660-F0806860D420}"/>
+              </a:ext>
+            </a:extLst>
+          </p:cNvPr>
+          <p:cNvPicPr>
+            <a:picLocks noChangeAspect="1"/>
+          </p:cNvPicPr>
+          <p:nvPr/>
+        </p:nvPicPr>
+        <p:blipFill rotWithShape="1">
+          <a:blip r:embed="rId4">
+            <a:extLst>
+              <a:ext uri="{28A0092B-C50C-407E-A947-70E740481C1C}">
+                <a14:useLocalDpi xmlns:a14="http://schemas.microsoft.com/office/drawing/2010/main" val="0"/>
+              </a:ext>
+            </a:extLst>
+          </a:blip>
+          <a:srcRect l="10296" r="20645" b="22577"/>
+          <a:stretch/>
+        </p:blipFill>
+        <p:spPr>
+          <a:xfrm>
+            <a:off x="6521220" y="1292167"/>
+            <a:ext cx="2349307" cy="3308816"/>
+          </a:xfrm>
+          <a:prstGeom prst="rect">
+            <a:avLst/>
+          </a:prstGeom>
+        </p:spPr>
+      </p:pic>
+      <p:pic>
+        <p:nvPicPr>
+          <p:cNvPr id="7" name="Picture 6">
+            <a:extLst>
+              <a:ext uri="{FF2B5EF4-FFF2-40B4-BE49-F238E27FC236}">
+                <a16:creationId xmlns:a16="http://schemas.microsoft.com/office/drawing/2014/main" id="{CD311D27-287A-4F90-AD59-D77B49A5F0AC}"/>
+              </a:ext>
+            </a:extLst>
+          </p:cNvPr>
+          <p:cNvPicPr>
+            <a:picLocks noChangeAspect="1"/>
+          </p:cNvPicPr>
+          <p:nvPr/>
+        </p:nvPicPr>
+        <p:blipFill rotWithShape="1">
+          <a:blip r:embed="rId5">
+            <a:extLst>
+              <a:ext uri="{28A0092B-C50C-407E-A947-70E740481C1C}">
+                <a14:useLocalDpi xmlns:a14="http://schemas.microsoft.com/office/drawing/2010/main" val="0"/>
+              </a:ext>
+            </a:extLst>
+          </a:blip>
+          <a:srcRect l="11004" r="19814" b="22577"/>
+          <a:stretch/>
+        </p:blipFill>
+        <p:spPr>
+          <a:xfrm>
+            <a:off x="269855" y="700476"/>
+            <a:ext cx="2349306" cy="3308816"/>
+          </a:xfrm>
+          <a:prstGeom prst="rect">
+            <a:avLst/>
+          </a:prstGeom>
+        </p:spPr>
+      </p:pic>
+    </p:spTree>
+    <p:extLst>
+      <p:ext uri="{BB962C8B-B14F-4D97-AF65-F5344CB8AC3E}">
+        <p14:creationId xmlns:p14="http://schemas.microsoft.com/office/powerpoint/2010/main" val="2379619477"/>
+      </p:ext>
+    </p:extLst>
+  </p:cSld>
+  <p:clrMapOvr>
+    <a:masterClrMapping/>
+  </p:clrMapOvr>
+</p:sld>
+</file>
+
+<file path=ppt/slides/slide3.xml><?xml version="1.0" encoding="utf-8"?>
 <p:sld xmlns:a="http://schemas.openxmlformats.org/drawingml/2006/main" xmlns:r="http://schemas.openxmlformats.org/officeDocument/2006/relationships" xmlns:p="http://schemas.openxmlformats.org/presentationml/2006/main">
   <p:cSld>
     <p:spTree>
@@ -11758,1537 +16587,7 @@
 </p:sld>
 </file>
 
-<file path=ppt/slides/slide20.xml><?xml version="1.0" encoding="utf-8"?>
-<p:sld xmlns:a="http://schemas.openxmlformats.org/drawingml/2006/main" xmlns:r="http://schemas.openxmlformats.org/officeDocument/2006/relationships" xmlns:p="http://schemas.openxmlformats.org/presentationml/2006/main">
-  <p:cSld>
-    <p:spTree>
-      <p:nvGrpSpPr>
-        <p:cNvPr id="1" name=""/>
-        <p:cNvGrpSpPr/>
-        <p:nvPr/>
-      </p:nvGrpSpPr>
-      <p:grpSpPr>
-        <a:xfrm>
-          <a:off x="0" y="0"/>
-          <a:ext cx="0" cy="0"/>
-          <a:chOff x="0" y="0"/>
-          <a:chExt cx="0" cy="0"/>
-        </a:xfrm>
-      </p:grpSpPr>
-      <p:pic>
-        <p:nvPicPr>
-          <p:cNvPr id="2" name="Picture 1">
-            <a:extLst>
-              <a:ext uri="{FF2B5EF4-FFF2-40B4-BE49-F238E27FC236}">
-                <a16:creationId xmlns:a16="http://schemas.microsoft.com/office/drawing/2014/main" id="{A5CC3444-AAB4-4DCA-8276-171DF9DB4C50}"/>
-              </a:ext>
-            </a:extLst>
-          </p:cNvPr>
-          <p:cNvPicPr>
-            <a:picLocks noChangeAspect="1"/>
-          </p:cNvPicPr>
-          <p:nvPr/>
-        </p:nvPicPr>
-        <p:blipFill rotWithShape="1">
-          <a:blip r:embed="rId2">
-            <a:extLst>
-              <a:ext uri="{28A0092B-C50C-407E-A947-70E740481C1C}">
-                <a14:useLocalDpi xmlns:a14="http://schemas.microsoft.com/office/drawing/2010/main" val="0"/>
-              </a:ext>
-            </a:extLst>
-          </a:blip>
-          <a:srcRect l="10508" r="20351" b="22397"/>
-          <a:stretch/>
-        </p:blipFill>
-        <p:spPr>
-          <a:xfrm>
-            <a:off x="675249" y="1691599"/>
-            <a:ext cx="2335237" cy="3316499"/>
-          </a:xfrm>
-          <a:prstGeom prst="rect">
-            <a:avLst/>
-          </a:prstGeom>
-        </p:spPr>
-      </p:pic>
-      <p:pic>
-        <p:nvPicPr>
-          <p:cNvPr id="3" name="Picture 2">
-            <a:extLst>
-              <a:ext uri="{FF2B5EF4-FFF2-40B4-BE49-F238E27FC236}">
-                <a16:creationId xmlns:a16="http://schemas.microsoft.com/office/drawing/2014/main" id="{2832430F-B3D2-4CCD-9208-1A40B6DA7427}"/>
-              </a:ext>
-            </a:extLst>
-          </p:cNvPr>
-          <p:cNvPicPr>
-            <a:picLocks noChangeAspect="1"/>
-          </p:cNvPicPr>
-          <p:nvPr/>
-        </p:nvPicPr>
-        <p:blipFill rotWithShape="1">
-          <a:blip r:embed="rId3">
-            <a:extLst>
-              <a:ext uri="{28A0092B-C50C-407E-A947-70E740481C1C}">
-                <a14:useLocalDpi xmlns:a14="http://schemas.microsoft.com/office/drawing/2010/main" val="0"/>
-              </a:ext>
-            </a:extLst>
-          </a:blip>
-          <a:srcRect l="10885" r="19848" b="22397"/>
-          <a:stretch/>
-        </p:blipFill>
-        <p:spPr>
-          <a:xfrm>
-            <a:off x="9537894" y="1691599"/>
-            <a:ext cx="2335238" cy="3316499"/>
-          </a:xfrm>
-          <a:prstGeom prst="rect">
-            <a:avLst/>
-          </a:prstGeom>
-        </p:spPr>
-      </p:pic>
-      <p:pic>
-        <p:nvPicPr>
-          <p:cNvPr id="4" name="Picture 3">
-            <a:extLst>
-              <a:ext uri="{FF2B5EF4-FFF2-40B4-BE49-F238E27FC236}">
-                <a16:creationId xmlns:a16="http://schemas.microsoft.com/office/drawing/2014/main" id="{1BFCD8F9-128E-4B7C-B428-0ECB65192C1C}"/>
-              </a:ext>
-            </a:extLst>
-          </p:cNvPr>
-          <p:cNvPicPr>
-            <a:picLocks noChangeAspect="1"/>
-          </p:cNvPicPr>
-          <p:nvPr/>
-        </p:nvPicPr>
-        <p:blipFill rotWithShape="1">
-          <a:blip r:embed="rId4">
-            <a:extLst>
-              <a:ext uri="{28A0092B-C50C-407E-A947-70E740481C1C}">
-                <a14:useLocalDpi xmlns:a14="http://schemas.microsoft.com/office/drawing/2010/main" val="0"/>
-              </a:ext>
-            </a:extLst>
-          </a:blip>
-          <a:srcRect l="9297" r="21437" b="22397"/>
-          <a:stretch/>
-        </p:blipFill>
-        <p:spPr>
-          <a:xfrm>
-            <a:off x="6343309" y="1691599"/>
-            <a:ext cx="2335237" cy="3316499"/>
-          </a:xfrm>
-          <a:prstGeom prst="rect">
-            <a:avLst/>
-          </a:prstGeom>
-        </p:spPr>
-      </p:pic>
-      <p:pic>
-        <p:nvPicPr>
-          <p:cNvPr id="5" name="Picture 4">
-            <a:extLst>
-              <a:ext uri="{FF2B5EF4-FFF2-40B4-BE49-F238E27FC236}">
-                <a16:creationId xmlns:a16="http://schemas.microsoft.com/office/drawing/2014/main" id="{28950FC9-50FC-487B-9A52-17DF28788B8B}"/>
-              </a:ext>
-            </a:extLst>
-          </p:cNvPr>
-          <p:cNvPicPr>
-            <a:picLocks noChangeAspect="1"/>
-          </p:cNvPicPr>
-          <p:nvPr/>
-        </p:nvPicPr>
-        <p:blipFill rotWithShape="1">
-          <a:blip r:embed="rId5">
-            <a:extLst>
-              <a:ext uri="{28A0092B-C50C-407E-A947-70E740481C1C}">
-                <a14:useLocalDpi xmlns:a14="http://schemas.microsoft.com/office/drawing/2010/main" val="0"/>
-              </a:ext>
-            </a:extLst>
-          </a:blip>
-          <a:srcRect l="9872" r="20986" b="22397"/>
-          <a:stretch/>
-        </p:blipFill>
-        <p:spPr>
-          <a:xfrm>
-            <a:off x="3502855" y="1770750"/>
-            <a:ext cx="2335237" cy="3316499"/>
-          </a:xfrm>
-          <a:prstGeom prst="rect">
-            <a:avLst/>
-          </a:prstGeom>
-        </p:spPr>
-      </p:pic>
-    </p:spTree>
-    <p:extLst>
-      <p:ext uri="{BB962C8B-B14F-4D97-AF65-F5344CB8AC3E}">
-        <p14:creationId xmlns:p14="http://schemas.microsoft.com/office/powerpoint/2010/main" val="3471055057"/>
-      </p:ext>
-    </p:extLst>
-  </p:cSld>
-  <p:clrMapOvr>
-    <a:masterClrMapping/>
-  </p:clrMapOvr>
-</p:sld>
-</file>
-
-<file path=ppt/slides/slide21.xml><?xml version="1.0" encoding="utf-8"?>
-<p:sld xmlns:a="http://schemas.openxmlformats.org/drawingml/2006/main" xmlns:r="http://schemas.openxmlformats.org/officeDocument/2006/relationships" xmlns:p="http://schemas.openxmlformats.org/presentationml/2006/main">
-  <p:cSld>
-    <p:spTree>
-      <p:nvGrpSpPr>
-        <p:cNvPr id="1" name=""/>
-        <p:cNvGrpSpPr/>
-        <p:nvPr/>
-      </p:nvGrpSpPr>
-      <p:grpSpPr>
-        <a:xfrm>
-          <a:off x="0" y="0"/>
-          <a:ext cx="0" cy="0"/>
-          <a:chOff x="0" y="0"/>
-          <a:chExt cx="0" cy="0"/>
-        </a:xfrm>
-      </p:grpSpPr>
-      <p:pic>
-        <p:nvPicPr>
-          <p:cNvPr id="4" name="Picture 3">
-            <a:extLst>
-              <a:ext uri="{FF2B5EF4-FFF2-40B4-BE49-F238E27FC236}">
-                <a16:creationId xmlns:a16="http://schemas.microsoft.com/office/drawing/2014/main" id="{B58A1A1C-6843-4823-B22F-CABCE69FD7DB}"/>
-              </a:ext>
-            </a:extLst>
-          </p:cNvPr>
-          <p:cNvPicPr>
-            <a:picLocks noChangeAspect="1"/>
-          </p:cNvPicPr>
-          <p:nvPr/>
-        </p:nvPicPr>
-        <p:blipFill rotWithShape="1">
-          <a:blip r:embed="rId2">
-            <a:extLst>
-              <a:ext uri="{28A0092B-C50C-407E-A947-70E740481C1C}">
-                <a14:useLocalDpi xmlns:a14="http://schemas.microsoft.com/office/drawing/2010/main" val="0"/>
-              </a:ext>
-            </a:extLst>
-          </a:blip>
-          <a:srcRect l="10491" r="19636" b="22912"/>
-          <a:stretch/>
-        </p:blipFill>
-        <p:spPr>
-          <a:xfrm>
-            <a:off x="2069192" y="2431067"/>
-            <a:ext cx="2355674" cy="3294485"/>
-          </a:xfrm>
-          <a:prstGeom prst="rect">
-            <a:avLst/>
-          </a:prstGeom>
-        </p:spPr>
-      </p:pic>
-      <p:pic>
-        <p:nvPicPr>
-          <p:cNvPr id="5" name="Picture 4">
-            <a:extLst>
-              <a:ext uri="{FF2B5EF4-FFF2-40B4-BE49-F238E27FC236}">
-                <a16:creationId xmlns:a16="http://schemas.microsoft.com/office/drawing/2014/main" id="{380E8C89-66DF-4C8B-BF25-7DFDDF4D18DC}"/>
-              </a:ext>
-            </a:extLst>
-          </p:cNvPr>
-          <p:cNvPicPr>
-            <a:picLocks noChangeAspect="1"/>
-          </p:cNvPicPr>
-          <p:nvPr/>
-        </p:nvPicPr>
-        <p:blipFill rotWithShape="1">
-          <a:blip r:embed="rId3">
-            <a:extLst>
-              <a:ext uri="{28A0092B-C50C-407E-A947-70E740481C1C}">
-                <a14:useLocalDpi xmlns:a14="http://schemas.microsoft.com/office/drawing/2010/main" val="0"/>
-              </a:ext>
-            </a:extLst>
-          </a:blip>
-          <a:srcRect l="10224" r="20029" b="22912"/>
-          <a:stretch/>
-        </p:blipFill>
-        <p:spPr>
-          <a:xfrm>
-            <a:off x="182880" y="612233"/>
-            <a:ext cx="2355674" cy="3294485"/>
-          </a:xfrm>
-          <a:prstGeom prst="rect">
-            <a:avLst/>
-          </a:prstGeom>
-        </p:spPr>
-      </p:pic>
-      <p:pic>
-        <p:nvPicPr>
-          <p:cNvPr id="6" name="Picture 5">
-            <a:extLst>
-              <a:ext uri="{FF2B5EF4-FFF2-40B4-BE49-F238E27FC236}">
-                <a16:creationId xmlns:a16="http://schemas.microsoft.com/office/drawing/2014/main" id="{33EC546B-DFFD-4B7A-B39C-519C62472490}"/>
-              </a:ext>
-            </a:extLst>
-          </p:cNvPr>
-          <p:cNvPicPr>
-            <a:picLocks noChangeAspect="1"/>
-          </p:cNvPicPr>
-          <p:nvPr/>
-        </p:nvPicPr>
-        <p:blipFill rotWithShape="1">
-          <a:blip r:embed="rId4">
-            <a:extLst>
-              <a:ext uri="{28A0092B-C50C-407E-A947-70E740481C1C}">
-                <a14:useLocalDpi xmlns:a14="http://schemas.microsoft.com/office/drawing/2010/main" val="0"/>
-              </a:ext>
-            </a:extLst>
-          </a:blip>
-          <a:srcRect l="9592" r="20536" b="22912"/>
-          <a:stretch/>
-        </p:blipFill>
-        <p:spPr>
-          <a:xfrm>
-            <a:off x="9144000" y="1769885"/>
-            <a:ext cx="2355674" cy="3294485"/>
-          </a:xfrm>
-          <a:prstGeom prst="rect">
-            <a:avLst/>
-          </a:prstGeom>
-        </p:spPr>
-      </p:pic>
-      <p:pic>
-        <p:nvPicPr>
-          <p:cNvPr id="7" name="Picture 6">
-            <a:extLst>
-              <a:ext uri="{FF2B5EF4-FFF2-40B4-BE49-F238E27FC236}">
-                <a16:creationId xmlns:a16="http://schemas.microsoft.com/office/drawing/2014/main" id="{AB14ED49-7540-46F1-A187-258C54C85ED4}"/>
-              </a:ext>
-            </a:extLst>
-          </p:cNvPr>
-          <p:cNvPicPr>
-            <a:picLocks noChangeAspect="1"/>
-          </p:cNvPicPr>
-          <p:nvPr/>
-        </p:nvPicPr>
-        <p:blipFill rotWithShape="1">
-          <a:blip r:embed="rId5">
-            <a:extLst>
-              <a:ext uri="{28A0092B-C50C-407E-A947-70E740481C1C}">
-                <a14:useLocalDpi xmlns:a14="http://schemas.microsoft.com/office/drawing/2010/main" val="0"/>
-              </a:ext>
-            </a:extLst>
-          </a:blip>
-          <a:srcRect l="9675" r="20578" b="22912"/>
-          <a:stretch/>
-        </p:blipFill>
-        <p:spPr>
-          <a:xfrm>
-            <a:off x="3756074" y="612233"/>
-            <a:ext cx="2355674" cy="3294485"/>
-          </a:xfrm>
-          <a:prstGeom prst="rect">
-            <a:avLst/>
-          </a:prstGeom>
-        </p:spPr>
-      </p:pic>
-    </p:spTree>
-    <p:extLst>
-      <p:ext uri="{BB962C8B-B14F-4D97-AF65-F5344CB8AC3E}">
-        <p14:creationId xmlns:p14="http://schemas.microsoft.com/office/powerpoint/2010/main" val="4128971801"/>
-      </p:ext>
-    </p:extLst>
-  </p:cSld>
-  <p:clrMapOvr>
-    <a:masterClrMapping/>
-  </p:clrMapOvr>
-</p:sld>
-</file>
-
-<file path=ppt/slides/slide22.xml><?xml version="1.0" encoding="utf-8"?>
-<p:sld xmlns:a="http://schemas.openxmlformats.org/drawingml/2006/main" xmlns:r="http://schemas.openxmlformats.org/officeDocument/2006/relationships" xmlns:p="http://schemas.openxmlformats.org/presentationml/2006/main">
-  <p:cSld>
-    <p:spTree>
-      <p:nvGrpSpPr>
-        <p:cNvPr id="1" name=""/>
-        <p:cNvGrpSpPr/>
-        <p:nvPr/>
-      </p:nvGrpSpPr>
-      <p:grpSpPr>
-        <a:xfrm>
-          <a:off x="0" y="0"/>
-          <a:ext cx="0" cy="0"/>
-          <a:chOff x="0" y="0"/>
-          <a:chExt cx="0" cy="0"/>
-        </a:xfrm>
-      </p:grpSpPr>
-      <p:pic>
-        <p:nvPicPr>
-          <p:cNvPr id="4" name="Picture 3">
-            <a:extLst>
-              <a:ext uri="{FF2B5EF4-FFF2-40B4-BE49-F238E27FC236}">
-                <a16:creationId xmlns:a16="http://schemas.microsoft.com/office/drawing/2014/main" id="{4F0DBDB3-2E07-4232-ADD0-83398EA14D65}"/>
-              </a:ext>
-            </a:extLst>
-          </p:cNvPr>
-          <p:cNvPicPr>
-            <a:picLocks noChangeAspect="1"/>
-          </p:cNvPicPr>
-          <p:nvPr/>
-        </p:nvPicPr>
-        <p:blipFill rotWithShape="1">
-          <a:blip r:embed="rId2">
-            <a:extLst>
-              <a:ext uri="{28A0092B-C50C-407E-A947-70E740481C1C}">
-                <a14:useLocalDpi xmlns:a14="http://schemas.microsoft.com/office/drawing/2010/main" val="0"/>
-              </a:ext>
-            </a:extLst>
-          </a:blip>
-          <a:srcRect l="10843" r="19474" b="22371"/>
-          <a:stretch/>
-        </p:blipFill>
-        <p:spPr>
-          <a:xfrm>
-            <a:off x="2912012" y="2042167"/>
-            <a:ext cx="2349306" cy="3317624"/>
-          </a:xfrm>
-          <a:prstGeom prst="rect">
-            <a:avLst/>
-          </a:prstGeom>
-        </p:spPr>
-      </p:pic>
-      <p:pic>
-        <p:nvPicPr>
-          <p:cNvPr id="5" name="Picture 4">
-            <a:extLst>
-              <a:ext uri="{FF2B5EF4-FFF2-40B4-BE49-F238E27FC236}">
-                <a16:creationId xmlns:a16="http://schemas.microsoft.com/office/drawing/2014/main" id="{42687289-18F9-44AD-BD31-68BACC4F4A64}"/>
-              </a:ext>
-            </a:extLst>
-          </p:cNvPr>
-          <p:cNvPicPr>
-            <a:picLocks noChangeAspect="1"/>
-          </p:cNvPicPr>
-          <p:nvPr/>
-        </p:nvPicPr>
-        <p:blipFill rotWithShape="1">
-          <a:blip r:embed="rId3">
-            <a:extLst>
-              <a:ext uri="{28A0092B-C50C-407E-A947-70E740481C1C}">
-                <a14:useLocalDpi xmlns:a14="http://schemas.microsoft.com/office/drawing/2010/main" val="0"/>
-              </a:ext>
-            </a:extLst>
-          </a:blip>
-          <a:srcRect l="10233" r="20209" b="22371"/>
-          <a:stretch/>
-        </p:blipFill>
-        <p:spPr>
-          <a:xfrm>
-            <a:off x="5922499" y="2042167"/>
-            <a:ext cx="2349306" cy="3317624"/>
-          </a:xfrm>
-          <a:prstGeom prst="rect">
-            <a:avLst/>
-          </a:prstGeom>
-        </p:spPr>
-      </p:pic>
-      <p:pic>
-        <p:nvPicPr>
-          <p:cNvPr id="6" name="Picture 5">
-            <a:extLst>
-              <a:ext uri="{FF2B5EF4-FFF2-40B4-BE49-F238E27FC236}">
-                <a16:creationId xmlns:a16="http://schemas.microsoft.com/office/drawing/2014/main" id="{A62D3A83-500F-463E-B02A-85F03E5FD320}"/>
-              </a:ext>
-            </a:extLst>
-          </p:cNvPr>
-          <p:cNvPicPr>
-            <a:picLocks noChangeAspect="1"/>
-          </p:cNvPicPr>
-          <p:nvPr/>
-        </p:nvPicPr>
-        <p:blipFill rotWithShape="1">
-          <a:blip r:embed="rId4">
-            <a:extLst>
-              <a:ext uri="{28A0092B-C50C-407E-A947-70E740481C1C}">
-                <a14:useLocalDpi xmlns:a14="http://schemas.microsoft.com/office/drawing/2010/main" val="0"/>
-              </a:ext>
-            </a:extLst>
-          </a:blip>
-          <a:srcRect l="9650" r="20666" b="22371"/>
-          <a:stretch/>
-        </p:blipFill>
-        <p:spPr>
-          <a:xfrm>
-            <a:off x="9706706" y="2042167"/>
-            <a:ext cx="2349306" cy="3317624"/>
-          </a:xfrm>
-          <a:prstGeom prst="rect">
-            <a:avLst/>
-          </a:prstGeom>
-        </p:spPr>
-      </p:pic>
-      <p:pic>
-        <p:nvPicPr>
-          <p:cNvPr id="7" name="Picture 6">
-            <a:extLst>
-              <a:ext uri="{FF2B5EF4-FFF2-40B4-BE49-F238E27FC236}">
-                <a16:creationId xmlns:a16="http://schemas.microsoft.com/office/drawing/2014/main" id="{8AA6503A-C817-4A37-9090-995FD987CE17}"/>
-              </a:ext>
-            </a:extLst>
-          </p:cNvPr>
-          <p:cNvPicPr>
-            <a:picLocks noChangeAspect="1"/>
-          </p:cNvPicPr>
-          <p:nvPr/>
-        </p:nvPicPr>
-        <p:blipFill rotWithShape="1">
-          <a:blip r:embed="rId5">
-            <a:extLst>
-              <a:ext uri="{28A0092B-C50C-407E-A947-70E740481C1C}">
-                <a14:useLocalDpi xmlns:a14="http://schemas.microsoft.com/office/drawing/2010/main" val="0"/>
-              </a:ext>
-            </a:extLst>
-          </a:blip>
-          <a:srcRect l="9580" r="20862" b="22371"/>
-          <a:stretch/>
-        </p:blipFill>
-        <p:spPr>
-          <a:xfrm>
-            <a:off x="323557" y="2042167"/>
-            <a:ext cx="2349306" cy="3317624"/>
-          </a:xfrm>
-          <a:prstGeom prst="rect">
-            <a:avLst/>
-          </a:prstGeom>
-        </p:spPr>
-      </p:pic>
-    </p:spTree>
-    <p:extLst>
-      <p:ext uri="{BB962C8B-B14F-4D97-AF65-F5344CB8AC3E}">
-        <p14:creationId xmlns:p14="http://schemas.microsoft.com/office/powerpoint/2010/main" val="535334169"/>
-      </p:ext>
-    </p:extLst>
-  </p:cSld>
-  <p:clrMapOvr>
-    <a:masterClrMapping/>
-  </p:clrMapOvr>
-</p:sld>
-</file>
-
-<file path=ppt/slides/slide23.xml><?xml version="1.0" encoding="utf-8"?>
-<p:sld xmlns:a="http://schemas.openxmlformats.org/drawingml/2006/main" xmlns:r="http://schemas.openxmlformats.org/officeDocument/2006/relationships" xmlns:p="http://schemas.openxmlformats.org/presentationml/2006/main">
-  <p:cSld>
-    <p:spTree>
-      <p:nvGrpSpPr>
-        <p:cNvPr id="1" name=""/>
-        <p:cNvGrpSpPr/>
-        <p:nvPr/>
-      </p:nvGrpSpPr>
-      <p:grpSpPr>
-        <a:xfrm>
-          <a:off x="0" y="0"/>
-          <a:ext cx="0" cy="0"/>
-          <a:chOff x="0" y="0"/>
-          <a:chExt cx="0" cy="0"/>
-        </a:xfrm>
-      </p:grpSpPr>
-      <p:pic>
-        <p:nvPicPr>
-          <p:cNvPr id="4" name="Picture 3">
-            <a:extLst>
-              <a:ext uri="{FF2B5EF4-FFF2-40B4-BE49-F238E27FC236}">
-                <a16:creationId xmlns:a16="http://schemas.microsoft.com/office/drawing/2014/main" id="{EEFE5CE3-9D21-414A-AC2F-1A35B60CB19C}"/>
-              </a:ext>
-            </a:extLst>
-          </p:cNvPr>
-          <p:cNvPicPr>
-            <a:picLocks noChangeAspect="1"/>
-          </p:cNvPicPr>
-          <p:nvPr/>
-        </p:nvPicPr>
-        <p:blipFill rotWithShape="1">
-          <a:blip r:embed="rId2">
-            <a:extLst>
-              <a:ext uri="{28A0092B-C50C-407E-A947-70E740481C1C}">
-                <a14:useLocalDpi xmlns:a14="http://schemas.microsoft.com/office/drawing/2010/main" val="0"/>
-              </a:ext>
-            </a:extLst>
-          </a:blip>
-          <a:srcRect l="10510" r="20021" b="22377"/>
-          <a:stretch/>
-        </p:blipFill>
-        <p:spPr>
-          <a:xfrm>
-            <a:off x="9650437" y="1817343"/>
-            <a:ext cx="2342066" cy="3317365"/>
-          </a:xfrm>
-          <a:prstGeom prst="rect">
-            <a:avLst/>
-          </a:prstGeom>
-        </p:spPr>
-      </p:pic>
-      <p:pic>
-        <p:nvPicPr>
-          <p:cNvPr id="5" name="Picture 4">
-            <a:extLst>
-              <a:ext uri="{FF2B5EF4-FFF2-40B4-BE49-F238E27FC236}">
-                <a16:creationId xmlns:a16="http://schemas.microsoft.com/office/drawing/2014/main" id="{9349D4DC-3BF5-4C1D-8D31-AA665AAA5CB7}"/>
-              </a:ext>
-            </a:extLst>
-          </p:cNvPr>
-          <p:cNvPicPr>
-            <a:picLocks noChangeAspect="1"/>
-          </p:cNvPicPr>
-          <p:nvPr/>
-        </p:nvPicPr>
-        <p:blipFill rotWithShape="1">
-          <a:blip r:embed="rId3">
-            <a:extLst>
-              <a:ext uri="{28A0092B-C50C-407E-A947-70E740481C1C}">
-                <a14:useLocalDpi xmlns:a14="http://schemas.microsoft.com/office/drawing/2010/main" val="0"/>
-              </a:ext>
-            </a:extLst>
-          </a:blip>
-          <a:srcRect l="10071" r="20585" b="22377"/>
-          <a:stretch/>
-        </p:blipFill>
-        <p:spPr>
-          <a:xfrm>
-            <a:off x="1132655" y="537183"/>
-            <a:ext cx="2342066" cy="3317365"/>
-          </a:xfrm>
-          <a:prstGeom prst="rect">
-            <a:avLst/>
-          </a:prstGeom>
-        </p:spPr>
-      </p:pic>
-      <p:pic>
-        <p:nvPicPr>
-          <p:cNvPr id="6" name="Picture 5">
-            <a:extLst>
-              <a:ext uri="{FF2B5EF4-FFF2-40B4-BE49-F238E27FC236}">
-                <a16:creationId xmlns:a16="http://schemas.microsoft.com/office/drawing/2014/main" id="{90454A27-66A4-4F2B-871C-5A5C4D6A142B}"/>
-              </a:ext>
-            </a:extLst>
-          </p:cNvPr>
-          <p:cNvPicPr>
-            <a:picLocks noChangeAspect="1"/>
-          </p:cNvPicPr>
-          <p:nvPr/>
-        </p:nvPicPr>
-        <p:blipFill rotWithShape="1">
-          <a:blip r:embed="rId4">
-            <a:extLst>
-              <a:ext uri="{28A0092B-C50C-407E-A947-70E740481C1C}">
-                <a14:useLocalDpi xmlns:a14="http://schemas.microsoft.com/office/drawing/2010/main" val="0"/>
-              </a:ext>
-            </a:extLst>
-          </a:blip>
-          <a:srcRect l="10109" r="20548" b="22377"/>
-          <a:stretch/>
-        </p:blipFill>
-        <p:spPr>
-          <a:xfrm>
-            <a:off x="3059928" y="987350"/>
-            <a:ext cx="2342066" cy="3317365"/>
-          </a:xfrm>
-          <a:prstGeom prst="rect">
-            <a:avLst/>
-          </a:prstGeom>
-        </p:spPr>
-      </p:pic>
-      <p:pic>
-        <p:nvPicPr>
-          <p:cNvPr id="7" name="Picture 6">
-            <a:extLst>
-              <a:ext uri="{FF2B5EF4-FFF2-40B4-BE49-F238E27FC236}">
-                <a16:creationId xmlns:a16="http://schemas.microsoft.com/office/drawing/2014/main" id="{B539D13E-8BB8-4B53-8133-39E1121E8875}"/>
-              </a:ext>
-            </a:extLst>
-          </p:cNvPr>
-          <p:cNvPicPr>
-            <a:picLocks noChangeAspect="1"/>
-          </p:cNvPicPr>
-          <p:nvPr/>
-        </p:nvPicPr>
-        <p:blipFill rotWithShape="1">
-          <a:blip r:embed="rId5">
-            <a:extLst>
-              <a:ext uri="{28A0092B-C50C-407E-A947-70E740481C1C}">
-                <a14:useLocalDpi xmlns:a14="http://schemas.microsoft.com/office/drawing/2010/main" val="0"/>
-              </a:ext>
-            </a:extLst>
-          </a:blip>
-          <a:srcRect l="10006" r="20525" b="22377"/>
-          <a:stretch/>
-        </p:blipFill>
-        <p:spPr>
-          <a:xfrm>
-            <a:off x="5789060" y="636811"/>
-            <a:ext cx="2342066" cy="3317365"/>
-          </a:xfrm>
-          <a:prstGeom prst="rect">
-            <a:avLst/>
-          </a:prstGeom>
-        </p:spPr>
-      </p:pic>
-    </p:spTree>
-    <p:extLst>
-      <p:ext uri="{BB962C8B-B14F-4D97-AF65-F5344CB8AC3E}">
-        <p14:creationId xmlns:p14="http://schemas.microsoft.com/office/powerpoint/2010/main" val="2491174550"/>
-      </p:ext>
-    </p:extLst>
-  </p:cSld>
-  <p:clrMapOvr>
-    <a:masterClrMapping/>
-  </p:clrMapOvr>
-</p:sld>
-</file>
-
-<file path=ppt/slides/slide24.xml><?xml version="1.0" encoding="utf-8"?>
-<p:sld xmlns:a="http://schemas.openxmlformats.org/drawingml/2006/main" xmlns:r="http://schemas.openxmlformats.org/officeDocument/2006/relationships" xmlns:p="http://schemas.openxmlformats.org/presentationml/2006/main">
-  <p:cSld>
-    <p:spTree>
-      <p:nvGrpSpPr>
-        <p:cNvPr id="1" name=""/>
-        <p:cNvGrpSpPr/>
-        <p:nvPr/>
-      </p:nvGrpSpPr>
-      <p:grpSpPr>
-        <a:xfrm>
-          <a:off x="0" y="0"/>
-          <a:ext cx="0" cy="0"/>
-          <a:chOff x="0" y="0"/>
-          <a:chExt cx="0" cy="0"/>
-        </a:xfrm>
-      </p:grpSpPr>
-      <p:pic>
-        <p:nvPicPr>
-          <p:cNvPr id="4" name="Picture 3">
-            <a:extLst>
-              <a:ext uri="{FF2B5EF4-FFF2-40B4-BE49-F238E27FC236}">
-                <a16:creationId xmlns:a16="http://schemas.microsoft.com/office/drawing/2014/main" id="{F28F43A7-DB67-4BA2-B070-93ECB0746776}"/>
-              </a:ext>
-            </a:extLst>
-          </p:cNvPr>
-          <p:cNvPicPr>
-            <a:picLocks noChangeAspect="1"/>
-          </p:cNvPicPr>
-          <p:nvPr/>
-        </p:nvPicPr>
-        <p:blipFill rotWithShape="1">
-          <a:blip r:embed="rId2">
-            <a:extLst>
-              <a:ext uri="{28A0092B-C50C-407E-A947-70E740481C1C}">
-                <a14:useLocalDpi xmlns:a14="http://schemas.microsoft.com/office/drawing/2010/main" val="0"/>
-              </a:ext>
-            </a:extLst>
-          </a:blip>
-          <a:srcRect l="10684" r="19631" b="22435"/>
-          <a:stretch/>
-        </p:blipFill>
-        <p:spPr>
-          <a:xfrm>
-            <a:off x="520504" y="1644711"/>
-            <a:ext cx="2349304" cy="3314865"/>
-          </a:xfrm>
-          <a:prstGeom prst="rect">
-            <a:avLst/>
-          </a:prstGeom>
-        </p:spPr>
-      </p:pic>
-      <p:pic>
-        <p:nvPicPr>
-          <p:cNvPr id="5" name="Picture 4">
-            <a:extLst>
-              <a:ext uri="{FF2B5EF4-FFF2-40B4-BE49-F238E27FC236}">
-                <a16:creationId xmlns:a16="http://schemas.microsoft.com/office/drawing/2014/main" id="{7C542A43-35FB-4B79-9AC3-F3D83C1AB6B5}"/>
-              </a:ext>
-            </a:extLst>
-          </p:cNvPr>
-          <p:cNvPicPr>
-            <a:picLocks noChangeAspect="1"/>
-          </p:cNvPicPr>
-          <p:nvPr/>
-        </p:nvPicPr>
-        <p:blipFill rotWithShape="1">
-          <a:blip r:embed="rId3">
-            <a:extLst>
-              <a:ext uri="{28A0092B-C50C-407E-A947-70E740481C1C}">
-                <a14:useLocalDpi xmlns:a14="http://schemas.microsoft.com/office/drawing/2010/main" val="0"/>
-              </a:ext>
-            </a:extLst>
-          </a:blip>
-          <a:srcRect l="10830" r="20862" b="22435"/>
-          <a:stretch/>
-        </p:blipFill>
-        <p:spPr>
-          <a:xfrm>
-            <a:off x="3474719" y="3302143"/>
-            <a:ext cx="2307103" cy="3314865"/>
-          </a:xfrm>
-          <a:prstGeom prst="rect">
-            <a:avLst/>
-          </a:prstGeom>
-        </p:spPr>
-      </p:pic>
-      <p:pic>
-        <p:nvPicPr>
-          <p:cNvPr id="6" name="Picture 5">
-            <a:extLst>
-              <a:ext uri="{FF2B5EF4-FFF2-40B4-BE49-F238E27FC236}">
-                <a16:creationId xmlns:a16="http://schemas.microsoft.com/office/drawing/2014/main" id="{7FC5A750-9ABC-4229-9CC3-BADE31BBB617}"/>
-              </a:ext>
-            </a:extLst>
-          </p:cNvPr>
-          <p:cNvPicPr>
-            <a:picLocks noChangeAspect="1"/>
-          </p:cNvPicPr>
-          <p:nvPr/>
-        </p:nvPicPr>
-        <p:blipFill rotWithShape="1">
-          <a:blip r:embed="rId4">
-            <a:extLst>
-              <a:ext uri="{28A0092B-C50C-407E-A947-70E740481C1C}">
-                <a14:useLocalDpi xmlns:a14="http://schemas.microsoft.com/office/drawing/2010/main" val="0"/>
-              </a:ext>
-            </a:extLst>
-          </a:blip>
-          <a:srcRect l="10424" r="21144" b="22435"/>
-          <a:stretch/>
-        </p:blipFill>
-        <p:spPr>
-          <a:xfrm>
-            <a:off x="9186200" y="1749646"/>
-            <a:ext cx="2307104" cy="3314865"/>
-          </a:xfrm>
-          <a:prstGeom prst="rect">
-            <a:avLst/>
-          </a:prstGeom>
-        </p:spPr>
-      </p:pic>
-      <p:pic>
-        <p:nvPicPr>
-          <p:cNvPr id="7" name="Picture 6">
-            <a:extLst>
-              <a:ext uri="{FF2B5EF4-FFF2-40B4-BE49-F238E27FC236}">
-                <a16:creationId xmlns:a16="http://schemas.microsoft.com/office/drawing/2014/main" id="{4E56C239-D389-44BE-8C0F-3DB9F01B39AC}"/>
-              </a:ext>
-            </a:extLst>
-          </p:cNvPr>
-          <p:cNvPicPr>
-            <a:picLocks noChangeAspect="1"/>
-          </p:cNvPicPr>
-          <p:nvPr/>
-        </p:nvPicPr>
-        <p:blipFill rotWithShape="1">
-          <a:blip r:embed="rId5">
-            <a:extLst>
-              <a:ext uri="{28A0092B-C50C-407E-A947-70E740481C1C}">
-                <a14:useLocalDpi xmlns:a14="http://schemas.microsoft.com/office/drawing/2010/main" val="0"/>
-              </a:ext>
-            </a:extLst>
-          </a:blip>
-          <a:srcRect l="10063" r="20380" b="22435"/>
-          <a:stretch/>
-        </p:blipFill>
-        <p:spPr>
-          <a:xfrm>
-            <a:off x="3235569" y="1246863"/>
-            <a:ext cx="2349304" cy="3314865"/>
-          </a:xfrm>
-          <a:prstGeom prst="rect">
-            <a:avLst/>
-          </a:prstGeom>
-        </p:spPr>
-      </p:pic>
-    </p:spTree>
-    <p:extLst>
-      <p:ext uri="{BB962C8B-B14F-4D97-AF65-F5344CB8AC3E}">
-        <p14:creationId xmlns:p14="http://schemas.microsoft.com/office/powerpoint/2010/main" val="2126977216"/>
-      </p:ext>
-    </p:extLst>
-  </p:cSld>
-  <p:clrMapOvr>
-    <a:masterClrMapping/>
-  </p:clrMapOvr>
-</p:sld>
-</file>
-
-<file path=ppt/slides/slide25.xml><?xml version="1.0" encoding="utf-8"?>
-<p:sld xmlns:a="http://schemas.openxmlformats.org/drawingml/2006/main" xmlns:r="http://schemas.openxmlformats.org/officeDocument/2006/relationships" xmlns:p="http://schemas.openxmlformats.org/presentationml/2006/main">
-  <p:cSld>
-    <p:spTree>
-      <p:nvGrpSpPr>
-        <p:cNvPr id="1" name=""/>
-        <p:cNvGrpSpPr/>
-        <p:nvPr/>
-      </p:nvGrpSpPr>
-      <p:grpSpPr>
-        <a:xfrm>
-          <a:off x="0" y="0"/>
-          <a:ext cx="0" cy="0"/>
-          <a:chOff x="0" y="0"/>
-          <a:chExt cx="0" cy="0"/>
-        </a:xfrm>
-      </p:grpSpPr>
-      <p:pic>
-        <p:nvPicPr>
-          <p:cNvPr id="21" name="Picture 20">
-            <a:extLst>
-              <a:ext uri="{FF2B5EF4-FFF2-40B4-BE49-F238E27FC236}">
-                <a16:creationId xmlns:a16="http://schemas.microsoft.com/office/drawing/2014/main" id="{017231C4-E504-45FA-B436-FE1592B70F30}"/>
-              </a:ext>
-            </a:extLst>
-          </p:cNvPr>
-          <p:cNvPicPr>
-            <a:picLocks noChangeAspect="1"/>
-          </p:cNvPicPr>
-          <p:nvPr/>
-        </p:nvPicPr>
-        <p:blipFill rotWithShape="1">
-          <a:blip r:embed="rId2">
-            <a:extLst>
-              <a:ext uri="{28A0092B-C50C-407E-A947-70E740481C1C}">
-                <a14:useLocalDpi xmlns:a14="http://schemas.microsoft.com/office/drawing/2010/main" val="0"/>
-              </a:ext>
-            </a:extLst>
-          </a:blip>
-          <a:srcRect l="24183" r="22191" b="29342"/>
-          <a:stretch/>
-        </p:blipFill>
-        <p:spPr>
-          <a:xfrm>
-            <a:off x="5685188" y="793992"/>
-            <a:ext cx="2327743" cy="3299663"/>
-          </a:xfrm>
-          <a:prstGeom prst="rect">
-            <a:avLst/>
-          </a:prstGeom>
-        </p:spPr>
-      </p:pic>
-      <p:pic>
-        <p:nvPicPr>
-          <p:cNvPr id="47" name="Picture 46">
-            <a:extLst>
-              <a:ext uri="{FF2B5EF4-FFF2-40B4-BE49-F238E27FC236}">
-                <a16:creationId xmlns:a16="http://schemas.microsoft.com/office/drawing/2014/main" id="{D8099836-8354-43BD-9137-913E26BC127B}"/>
-              </a:ext>
-            </a:extLst>
-          </p:cNvPr>
-          <p:cNvPicPr>
-            <a:picLocks noChangeAspect="1"/>
-          </p:cNvPicPr>
-          <p:nvPr/>
-        </p:nvPicPr>
-        <p:blipFill rotWithShape="1">
-          <a:blip r:embed="rId3">
-            <a:extLst>
-              <a:ext uri="{28A0092B-C50C-407E-A947-70E740481C1C}">
-                <a14:useLocalDpi xmlns:a14="http://schemas.microsoft.com/office/drawing/2010/main" val="0"/>
-              </a:ext>
-            </a:extLst>
-          </a:blip>
-          <a:srcRect l="24702" r="22149" b="29105"/>
-          <a:stretch/>
-        </p:blipFill>
-        <p:spPr>
-          <a:xfrm>
-            <a:off x="2534577" y="786298"/>
-            <a:ext cx="2310310" cy="3315050"/>
-          </a:xfrm>
-          <a:prstGeom prst="rect">
-            <a:avLst/>
-          </a:prstGeom>
-        </p:spPr>
-      </p:pic>
-      <p:pic>
-        <p:nvPicPr>
-          <p:cNvPr id="73" name="Picture 72">
-            <a:extLst>
-              <a:ext uri="{FF2B5EF4-FFF2-40B4-BE49-F238E27FC236}">
-                <a16:creationId xmlns:a16="http://schemas.microsoft.com/office/drawing/2014/main" id="{EBD32033-6747-4890-B345-18F96AFA8886}"/>
-              </a:ext>
-            </a:extLst>
-          </p:cNvPr>
-          <p:cNvPicPr>
-            <a:picLocks noChangeAspect="1"/>
-          </p:cNvPicPr>
-          <p:nvPr/>
-        </p:nvPicPr>
-        <p:blipFill rotWithShape="1">
-          <a:blip r:embed="rId4">
-            <a:extLst>
-              <a:ext uri="{28A0092B-C50C-407E-A947-70E740481C1C}">
-                <a14:useLocalDpi xmlns:a14="http://schemas.microsoft.com/office/drawing/2010/main" val="0"/>
-              </a:ext>
-            </a:extLst>
-          </a:blip>
-          <a:srcRect l="23444" t="6" r="22930" b="29658"/>
-          <a:stretch/>
-        </p:blipFill>
-        <p:spPr>
-          <a:xfrm>
-            <a:off x="9209408" y="621442"/>
-            <a:ext cx="2327743" cy="3288949"/>
-          </a:xfrm>
-          <a:prstGeom prst="rect">
-            <a:avLst/>
-          </a:prstGeom>
-        </p:spPr>
-      </p:pic>
-      <p:pic>
-        <p:nvPicPr>
-          <p:cNvPr id="99" name="Picture 98">
-            <a:extLst>
-              <a:ext uri="{FF2B5EF4-FFF2-40B4-BE49-F238E27FC236}">
-                <a16:creationId xmlns:a16="http://schemas.microsoft.com/office/drawing/2014/main" id="{289B166D-3645-449D-8FA4-0CCD56450FA2}"/>
-              </a:ext>
-            </a:extLst>
-          </p:cNvPr>
-          <p:cNvPicPr>
-            <a:picLocks noChangeAspect="1"/>
-          </p:cNvPicPr>
-          <p:nvPr/>
-        </p:nvPicPr>
-        <p:blipFill rotWithShape="1">
-          <a:blip r:embed="rId5">
-            <a:extLst>
-              <a:ext uri="{28A0092B-C50C-407E-A947-70E740481C1C}">
-                <a14:useLocalDpi xmlns:a14="http://schemas.microsoft.com/office/drawing/2010/main" val="0"/>
-              </a:ext>
-            </a:extLst>
-          </a:blip>
-          <a:srcRect l="22764" r="23900" b="29343"/>
-          <a:stretch/>
-        </p:blipFill>
-        <p:spPr>
-          <a:xfrm>
-            <a:off x="-36363" y="801684"/>
-            <a:ext cx="2315106" cy="3299664"/>
-          </a:xfrm>
-          <a:prstGeom prst="rect">
-            <a:avLst/>
-          </a:prstGeom>
-        </p:spPr>
-      </p:pic>
-    </p:spTree>
-    <p:extLst>
-      <p:ext uri="{BB962C8B-B14F-4D97-AF65-F5344CB8AC3E}">
-        <p14:creationId xmlns:p14="http://schemas.microsoft.com/office/powerpoint/2010/main" val="1541358633"/>
-      </p:ext>
-    </p:extLst>
-  </p:cSld>
-  <p:clrMapOvr>
-    <a:masterClrMapping/>
-  </p:clrMapOvr>
-</p:sld>
-</file>
-
-<file path=ppt/slides/slide26.xml><?xml version="1.0" encoding="utf-8"?>
-<p:sld xmlns:a="http://schemas.openxmlformats.org/drawingml/2006/main" xmlns:r="http://schemas.openxmlformats.org/officeDocument/2006/relationships" xmlns:p="http://schemas.openxmlformats.org/presentationml/2006/main">
-  <p:cSld>
-    <p:spTree>
-      <p:nvGrpSpPr>
-        <p:cNvPr id="1" name=""/>
-        <p:cNvGrpSpPr/>
-        <p:nvPr/>
-      </p:nvGrpSpPr>
-      <p:grpSpPr>
-        <a:xfrm>
-          <a:off x="0" y="0"/>
-          <a:ext cx="0" cy="0"/>
-          <a:chOff x="0" y="0"/>
-          <a:chExt cx="0" cy="0"/>
-        </a:xfrm>
-      </p:grpSpPr>
-      <p:pic>
-        <p:nvPicPr>
-          <p:cNvPr id="4" name="Picture 3">
-            <a:extLst>
-              <a:ext uri="{FF2B5EF4-FFF2-40B4-BE49-F238E27FC236}">
-                <a16:creationId xmlns:a16="http://schemas.microsoft.com/office/drawing/2014/main" id="{9820862B-8B41-4C7F-99F9-D5BB371D7B5C}"/>
-              </a:ext>
-            </a:extLst>
-          </p:cNvPr>
-          <p:cNvPicPr>
-            <a:picLocks noChangeAspect="1"/>
-          </p:cNvPicPr>
-          <p:nvPr/>
-        </p:nvPicPr>
-        <p:blipFill rotWithShape="1">
-          <a:blip r:embed="rId2">
-            <a:extLst>
-              <a:ext uri="{28A0092B-C50C-407E-A947-70E740481C1C}">
-                <a14:useLocalDpi xmlns:a14="http://schemas.microsoft.com/office/drawing/2010/main" val="0"/>
-              </a:ext>
-            </a:extLst>
-          </a:blip>
-          <a:srcRect l="4976" r="17526" b="22599"/>
-          <a:stretch/>
-        </p:blipFill>
-        <p:spPr>
-          <a:xfrm>
-            <a:off x="460730" y="571328"/>
-            <a:ext cx="2338742" cy="3307839"/>
-          </a:xfrm>
-          <a:prstGeom prst="rect">
-            <a:avLst/>
-          </a:prstGeom>
-        </p:spPr>
-      </p:pic>
-      <p:pic>
-        <p:nvPicPr>
-          <p:cNvPr id="5" name="Picture 4">
-            <a:extLst>
-              <a:ext uri="{FF2B5EF4-FFF2-40B4-BE49-F238E27FC236}">
-                <a16:creationId xmlns:a16="http://schemas.microsoft.com/office/drawing/2014/main" id="{61F5A3C1-09BC-4E94-869D-89C62C300476}"/>
-              </a:ext>
-            </a:extLst>
-          </p:cNvPr>
-          <p:cNvPicPr>
-            <a:picLocks noChangeAspect="1"/>
-          </p:cNvPicPr>
-          <p:nvPr/>
-        </p:nvPicPr>
-        <p:blipFill rotWithShape="1">
-          <a:blip r:embed="rId3">
-            <a:extLst>
-              <a:ext uri="{28A0092B-C50C-407E-A947-70E740481C1C}">
-                <a14:useLocalDpi xmlns:a14="http://schemas.microsoft.com/office/drawing/2010/main" val="0"/>
-              </a:ext>
-            </a:extLst>
-          </a:blip>
-          <a:srcRect l="5734" r="16768" b="22599"/>
-          <a:stretch/>
-        </p:blipFill>
-        <p:spPr>
-          <a:xfrm>
-            <a:off x="6260123" y="2792167"/>
-            <a:ext cx="2338742" cy="3307839"/>
-          </a:xfrm>
-          <a:prstGeom prst="rect">
-            <a:avLst/>
-          </a:prstGeom>
-        </p:spPr>
-      </p:pic>
-      <p:pic>
-        <p:nvPicPr>
-          <p:cNvPr id="6" name="Picture 5">
-            <a:extLst>
-              <a:ext uri="{FF2B5EF4-FFF2-40B4-BE49-F238E27FC236}">
-                <a16:creationId xmlns:a16="http://schemas.microsoft.com/office/drawing/2014/main" id="{97944E77-0AA6-48CF-98EC-003292F31BA2}"/>
-              </a:ext>
-            </a:extLst>
-          </p:cNvPr>
-          <p:cNvPicPr>
-            <a:picLocks noChangeAspect="1"/>
-          </p:cNvPicPr>
-          <p:nvPr/>
-        </p:nvPicPr>
-        <p:blipFill rotWithShape="1">
-          <a:blip r:embed="rId4">
-            <a:extLst>
-              <a:ext uri="{28A0092B-C50C-407E-A947-70E740481C1C}">
-                <a14:useLocalDpi xmlns:a14="http://schemas.microsoft.com/office/drawing/2010/main" val="0"/>
-              </a:ext>
-            </a:extLst>
-          </a:blip>
-          <a:srcRect l="4559" r="17943" b="22599"/>
-          <a:stretch/>
-        </p:blipFill>
-        <p:spPr>
-          <a:xfrm>
-            <a:off x="9073661" y="1108583"/>
-            <a:ext cx="2338743" cy="3307839"/>
-          </a:xfrm>
-          <a:prstGeom prst="rect">
-            <a:avLst/>
-          </a:prstGeom>
-        </p:spPr>
-      </p:pic>
-      <p:pic>
-        <p:nvPicPr>
-          <p:cNvPr id="7" name="Picture 6">
-            <a:extLst>
-              <a:ext uri="{FF2B5EF4-FFF2-40B4-BE49-F238E27FC236}">
-                <a16:creationId xmlns:a16="http://schemas.microsoft.com/office/drawing/2014/main" id="{AEBD12B6-AF30-47E4-9AB7-2366B13821AC}"/>
-              </a:ext>
-            </a:extLst>
-          </p:cNvPr>
-          <p:cNvPicPr>
-            <a:picLocks noChangeAspect="1"/>
-          </p:cNvPicPr>
-          <p:nvPr/>
-        </p:nvPicPr>
-        <p:blipFill rotWithShape="1">
-          <a:blip r:embed="rId5">
-            <a:extLst>
-              <a:ext uri="{28A0092B-C50C-407E-A947-70E740481C1C}">
-                <a14:useLocalDpi xmlns:a14="http://schemas.microsoft.com/office/drawing/2010/main" val="0"/>
-              </a:ext>
-            </a:extLst>
-          </a:blip>
-          <a:srcRect l="6283" r="16218" b="22599"/>
-          <a:stretch/>
-        </p:blipFill>
-        <p:spPr>
-          <a:xfrm>
-            <a:off x="3699803" y="655334"/>
-            <a:ext cx="2338742" cy="3307839"/>
-          </a:xfrm>
-          <a:prstGeom prst="rect">
-            <a:avLst/>
-          </a:prstGeom>
-        </p:spPr>
-      </p:pic>
-    </p:spTree>
-    <p:extLst>
-      <p:ext uri="{BB962C8B-B14F-4D97-AF65-F5344CB8AC3E}">
-        <p14:creationId xmlns:p14="http://schemas.microsoft.com/office/powerpoint/2010/main" val="1060229793"/>
-      </p:ext>
-    </p:extLst>
-  </p:cSld>
-  <p:clrMapOvr>
-    <a:masterClrMapping/>
-  </p:clrMapOvr>
-</p:sld>
-</file>
-
-<file path=ppt/slides/slide27.xml><?xml version="1.0" encoding="utf-8"?>
-<p:sld xmlns:a="http://schemas.openxmlformats.org/drawingml/2006/main" xmlns:r="http://schemas.openxmlformats.org/officeDocument/2006/relationships" xmlns:p="http://schemas.openxmlformats.org/presentationml/2006/main">
-  <p:cSld>
-    <p:spTree>
-      <p:nvGrpSpPr>
-        <p:cNvPr id="1" name=""/>
-        <p:cNvGrpSpPr/>
-        <p:nvPr/>
-      </p:nvGrpSpPr>
-      <p:grpSpPr>
-        <a:xfrm>
-          <a:off x="0" y="0"/>
-          <a:ext cx="0" cy="0"/>
-          <a:chOff x="0" y="0"/>
-          <a:chExt cx="0" cy="0"/>
-        </a:xfrm>
-      </p:grpSpPr>
-      <p:pic>
-        <p:nvPicPr>
-          <p:cNvPr id="4" name="Picture 3">
-            <a:extLst>
-              <a:ext uri="{FF2B5EF4-FFF2-40B4-BE49-F238E27FC236}">
-                <a16:creationId xmlns:a16="http://schemas.microsoft.com/office/drawing/2014/main" id="{2E626369-9EB1-450A-ACCE-30111229CC46}"/>
-              </a:ext>
-            </a:extLst>
-          </p:cNvPr>
-          <p:cNvPicPr>
-            <a:picLocks noChangeAspect="1"/>
-          </p:cNvPicPr>
-          <p:nvPr/>
-        </p:nvPicPr>
-        <p:blipFill rotWithShape="1">
-          <a:blip r:embed="rId2">
-            <a:extLst>
-              <a:ext uri="{28A0092B-C50C-407E-A947-70E740481C1C}">
-                <a14:useLocalDpi xmlns:a14="http://schemas.microsoft.com/office/drawing/2010/main" val="0"/>
-              </a:ext>
-            </a:extLst>
-          </a:blip>
-          <a:srcRect l="13709" r="23465" b="22431"/>
-          <a:stretch/>
-        </p:blipFill>
-        <p:spPr>
-          <a:xfrm>
-            <a:off x="506437" y="1622743"/>
-            <a:ext cx="2321173" cy="3315017"/>
-          </a:xfrm>
-          <a:prstGeom prst="rect">
-            <a:avLst/>
-          </a:prstGeom>
-        </p:spPr>
-      </p:pic>
-      <p:pic>
-        <p:nvPicPr>
-          <p:cNvPr id="5" name="Picture 4">
-            <a:extLst>
-              <a:ext uri="{FF2B5EF4-FFF2-40B4-BE49-F238E27FC236}">
-                <a16:creationId xmlns:a16="http://schemas.microsoft.com/office/drawing/2014/main" id="{D00EB42F-9169-47E4-AFBE-F5D741E85F9E}"/>
-              </a:ext>
-            </a:extLst>
-          </p:cNvPr>
-          <p:cNvPicPr>
-            <a:picLocks noChangeAspect="1"/>
-          </p:cNvPicPr>
-          <p:nvPr/>
-        </p:nvPicPr>
-        <p:blipFill rotWithShape="1">
-          <a:blip r:embed="rId3">
-            <a:extLst>
-              <a:ext uri="{28A0092B-C50C-407E-A947-70E740481C1C}">
-                <a14:useLocalDpi xmlns:a14="http://schemas.microsoft.com/office/drawing/2010/main" val="0"/>
-              </a:ext>
-            </a:extLst>
-          </a:blip>
-          <a:srcRect l="13322" r="23746" b="22431"/>
-          <a:stretch/>
-        </p:blipFill>
-        <p:spPr>
-          <a:xfrm>
-            <a:off x="5078437" y="3098425"/>
-            <a:ext cx="2321173" cy="3315017"/>
-          </a:xfrm>
-          <a:prstGeom prst="rect">
-            <a:avLst/>
-          </a:prstGeom>
-        </p:spPr>
-      </p:pic>
-      <p:pic>
-        <p:nvPicPr>
-          <p:cNvPr id="6" name="Picture 5">
-            <a:extLst>
-              <a:ext uri="{FF2B5EF4-FFF2-40B4-BE49-F238E27FC236}">
-                <a16:creationId xmlns:a16="http://schemas.microsoft.com/office/drawing/2014/main" id="{D9AF6E55-9ACD-430E-A553-58C01E93360D}"/>
-              </a:ext>
-            </a:extLst>
-          </p:cNvPr>
-          <p:cNvPicPr>
-            <a:picLocks noChangeAspect="1"/>
-          </p:cNvPicPr>
-          <p:nvPr/>
-        </p:nvPicPr>
-        <p:blipFill rotWithShape="1">
-          <a:blip r:embed="rId4">
-            <a:extLst>
-              <a:ext uri="{28A0092B-C50C-407E-A947-70E740481C1C}">
-                <a14:useLocalDpi xmlns:a14="http://schemas.microsoft.com/office/drawing/2010/main" val="0"/>
-              </a:ext>
-            </a:extLst>
-          </a:blip>
-          <a:srcRect l="13445" r="23726" b="22431"/>
-          <a:stretch/>
-        </p:blipFill>
-        <p:spPr>
-          <a:xfrm>
-            <a:off x="8299938" y="961592"/>
-            <a:ext cx="2321174" cy="3315017"/>
-          </a:xfrm>
-          <a:prstGeom prst="rect">
-            <a:avLst/>
-          </a:prstGeom>
-        </p:spPr>
-      </p:pic>
-      <p:pic>
-        <p:nvPicPr>
-          <p:cNvPr id="7" name="Picture 6">
-            <a:extLst>
-              <a:ext uri="{FF2B5EF4-FFF2-40B4-BE49-F238E27FC236}">
-                <a16:creationId xmlns:a16="http://schemas.microsoft.com/office/drawing/2014/main" id="{DF473512-3270-49D4-B095-5664B4C62D6F}"/>
-              </a:ext>
-            </a:extLst>
-          </p:cNvPr>
-          <p:cNvPicPr>
-            <a:picLocks noChangeAspect="1"/>
-          </p:cNvPicPr>
-          <p:nvPr/>
-        </p:nvPicPr>
-        <p:blipFill rotWithShape="1">
-          <a:blip r:embed="rId5">
-            <a:extLst>
-              <a:ext uri="{28A0092B-C50C-407E-A947-70E740481C1C}">
-                <a14:useLocalDpi xmlns:a14="http://schemas.microsoft.com/office/drawing/2010/main" val="0"/>
-              </a:ext>
-            </a:extLst>
-          </a:blip>
-          <a:srcRect l="14439" r="22630" b="22431"/>
-          <a:stretch/>
-        </p:blipFill>
-        <p:spPr>
-          <a:xfrm>
-            <a:off x="3235569" y="1622742"/>
-            <a:ext cx="2321173" cy="3315017"/>
-          </a:xfrm>
-          <a:prstGeom prst="rect">
-            <a:avLst/>
-          </a:prstGeom>
-        </p:spPr>
-      </p:pic>
-    </p:spTree>
-    <p:extLst>
-      <p:ext uri="{BB962C8B-B14F-4D97-AF65-F5344CB8AC3E}">
-        <p14:creationId xmlns:p14="http://schemas.microsoft.com/office/powerpoint/2010/main" val="4166215756"/>
-      </p:ext>
-    </p:extLst>
-  </p:cSld>
-  <p:clrMapOvr>
-    <a:masterClrMapping/>
-  </p:clrMapOvr>
-</p:sld>
-</file>
-
-<file path=ppt/slides/slide28.xml><?xml version="1.0" encoding="utf-8"?>
-<p:sld xmlns:a="http://schemas.openxmlformats.org/drawingml/2006/main" xmlns:r="http://schemas.openxmlformats.org/officeDocument/2006/relationships" xmlns:p="http://schemas.openxmlformats.org/presentationml/2006/main">
-  <p:cSld>
-    <p:spTree>
-      <p:nvGrpSpPr>
-        <p:cNvPr id="1" name=""/>
-        <p:cNvGrpSpPr/>
-        <p:nvPr/>
-      </p:nvGrpSpPr>
-      <p:grpSpPr>
-        <a:xfrm>
-          <a:off x="0" y="0"/>
-          <a:ext cx="0" cy="0"/>
-          <a:chOff x="0" y="0"/>
-          <a:chExt cx="0" cy="0"/>
-        </a:xfrm>
-      </p:grpSpPr>
-      <p:pic>
-        <p:nvPicPr>
-          <p:cNvPr id="4" name="Picture 3">
-            <a:extLst>
-              <a:ext uri="{FF2B5EF4-FFF2-40B4-BE49-F238E27FC236}">
-                <a16:creationId xmlns:a16="http://schemas.microsoft.com/office/drawing/2014/main" id="{270072CE-60A5-4AF7-ABD3-8B350F26ED4A}"/>
-              </a:ext>
-            </a:extLst>
-          </p:cNvPr>
-          <p:cNvPicPr>
-            <a:picLocks noChangeAspect="1"/>
-          </p:cNvPicPr>
-          <p:nvPr/>
-        </p:nvPicPr>
-        <p:blipFill rotWithShape="1">
-          <a:blip r:embed="rId2">
-            <a:extLst>
-              <a:ext uri="{28A0092B-C50C-407E-A947-70E740481C1C}">
-                <a14:useLocalDpi xmlns:a14="http://schemas.microsoft.com/office/drawing/2010/main" val="0"/>
-              </a:ext>
-            </a:extLst>
-          </a:blip>
-          <a:srcRect l="10296" r="20645" b="22577"/>
-          <a:stretch/>
-        </p:blipFill>
-        <p:spPr>
-          <a:xfrm>
-            <a:off x="9396804" y="1979478"/>
-            <a:ext cx="2349307" cy="3308816"/>
-          </a:xfrm>
-          <a:prstGeom prst="rect">
-            <a:avLst/>
-          </a:prstGeom>
-        </p:spPr>
-      </p:pic>
-      <p:pic>
-        <p:nvPicPr>
-          <p:cNvPr id="5" name="Picture 4">
-            <a:extLst>
-              <a:ext uri="{FF2B5EF4-FFF2-40B4-BE49-F238E27FC236}">
-                <a16:creationId xmlns:a16="http://schemas.microsoft.com/office/drawing/2014/main" id="{7618FFF7-3614-4965-A579-B24C65B97D6E}"/>
-              </a:ext>
-            </a:extLst>
-          </p:cNvPr>
-          <p:cNvPicPr>
-            <a:picLocks noChangeAspect="1"/>
-          </p:cNvPicPr>
-          <p:nvPr/>
-        </p:nvPicPr>
-        <p:blipFill rotWithShape="1">
-          <a:blip r:embed="rId3">
-            <a:extLst>
-              <a:ext uri="{28A0092B-C50C-407E-A947-70E740481C1C}">
-                <a14:useLocalDpi xmlns:a14="http://schemas.microsoft.com/office/drawing/2010/main" val="0"/>
-              </a:ext>
-            </a:extLst>
-          </a:blip>
-          <a:srcRect l="9389" r="21427" b="22577"/>
-          <a:stretch/>
-        </p:blipFill>
-        <p:spPr>
-          <a:xfrm>
-            <a:off x="2795196" y="700476"/>
-            <a:ext cx="2349306" cy="3308816"/>
-          </a:xfrm>
-          <a:prstGeom prst="rect">
-            <a:avLst/>
-          </a:prstGeom>
-        </p:spPr>
-      </p:pic>
-      <p:pic>
-        <p:nvPicPr>
-          <p:cNvPr id="6" name="Picture 5">
-            <a:extLst>
-              <a:ext uri="{FF2B5EF4-FFF2-40B4-BE49-F238E27FC236}">
-                <a16:creationId xmlns:a16="http://schemas.microsoft.com/office/drawing/2014/main" id="{8A8CC3DE-CFC6-4162-8660-F0806860D420}"/>
-              </a:ext>
-            </a:extLst>
-          </p:cNvPr>
-          <p:cNvPicPr>
-            <a:picLocks noChangeAspect="1"/>
-          </p:cNvPicPr>
-          <p:nvPr/>
-        </p:nvPicPr>
-        <p:blipFill rotWithShape="1">
-          <a:blip r:embed="rId4">
-            <a:extLst>
-              <a:ext uri="{28A0092B-C50C-407E-A947-70E740481C1C}">
-                <a14:useLocalDpi xmlns:a14="http://schemas.microsoft.com/office/drawing/2010/main" val="0"/>
-              </a:ext>
-            </a:extLst>
-          </a:blip>
-          <a:srcRect l="10296" r="20645" b="22577"/>
-          <a:stretch/>
-        </p:blipFill>
-        <p:spPr>
-          <a:xfrm>
-            <a:off x="6521220" y="1292167"/>
-            <a:ext cx="2349307" cy="3308816"/>
-          </a:xfrm>
-          <a:prstGeom prst="rect">
-            <a:avLst/>
-          </a:prstGeom>
-        </p:spPr>
-      </p:pic>
-      <p:pic>
-        <p:nvPicPr>
-          <p:cNvPr id="7" name="Picture 6">
-            <a:extLst>
-              <a:ext uri="{FF2B5EF4-FFF2-40B4-BE49-F238E27FC236}">
-                <a16:creationId xmlns:a16="http://schemas.microsoft.com/office/drawing/2014/main" id="{CD311D27-287A-4F90-AD59-D77B49A5F0AC}"/>
-              </a:ext>
-            </a:extLst>
-          </p:cNvPr>
-          <p:cNvPicPr>
-            <a:picLocks noChangeAspect="1"/>
-          </p:cNvPicPr>
-          <p:nvPr/>
-        </p:nvPicPr>
-        <p:blipFill rotWithShape="1">
-          <a:blip r:embed="rId5">
-            <a:extLst>
-              <a:ext uri="{28A0092B-C50C-407E-A947-70E740481C1C}">
-                <a14:useLocalDpi xmlns:a14="http://schemas.microsoft.com/office/drawing/2010/main" val="0"/>
-              </a:ext>
-            </a:extLst>
-          </a:blip>
-          <a:srcRect l="11004" r="19814" b="22577"/>
-          <a:stretch/>
-        </p:blipFill>
-        <p:spPr>
-          <a:xfrm>
-            <a:off x="269855" y="700476"/>
-            <a:ext cx="2349306" cy="3308816"/>
-          </a:xfrm>
-          <a:prstGeom prst="rect">
-            <a:avLst/>
-          </a:prstGeom>
-        </p:spPr>
-      </p:pic>
-    </p:spTree>
-    <p:extLst>
-      <p:ext uri="{BB962C8B-B14F-4D97-AF65-F5344CB8AC3E}">
-        <p14:creationId xmlns:p14="http://schemas.microsoft.com/office/powerpoint/2010/main" val="2379619477"/>
-      </p:ext>
-    </p:extLst>
-  </p:cSld>
-  <p:clrMapOvr>
-    <a:masterClrMapping/>
-  </p:clrMapOvr>
-</p:sld>
-</file>
-
-<file path=ppt/slides/slide29.xml><?xml version="1.0" encoding="utf-8"?>
+<file path=ppt/slides/slide30.xml><?xml version="1.0" encoding="utf-8"?>
 <p:sld xmlns:a="http://schemas.openxmlformats.org/drawingml/2006/main" xmlns:r="http://schemas.openxmlformats.org/officeDocument/2006/relationships" xmlns:p="http://schemas.openxmlformats.org/presentationml/2006/main">
   <p:cSld>
     <p:spTree>
@@ -13318,7 +16617,7 @@
 </p:sld>
 </file>
 
-<file path=ppt/slides/slide3.xml><?xml version="1.0" encoding="utf-8"?>
+<file path=ppt/slides/slide4.xml><?xml version="1.0" encoding="utf-8"?>
 <p:sld xmlns:a="http://schemas.openxmlformats.org/drawingml/2006/main" xmlns:r="http://schemas.openxmlformats.org/officeDocument/2006/relationships" xmlns:p="http://schemas.openxmlformats.org/presentationml/2006/main">
   <p:cSld>
     <p:spTree>
@@ -14491,7 +17790,7 @@
 </p:sld>
 </file>
 
-<file path=ppt/slides/slide4.xml><?xml version="1.0" encoding="utf-8"?>
+<file path=ppt/slides/slide5.xml><?xml version="1.0" encoding="utf-8"?>
 <p:sld xmlns:a="http://schemas.openxmlformats.org/drawingml/2006/main" xmlns:r="http://schemas.openxmlformats.org/officeDocument/2006/relationships" xmlns:p="http://schemas.openxmlformats.org/presentationml/2006/main">
   <p:cSld>
     <p:spTree>
@@ -15664,7 +18963,7 @@
 </p:sld>
 </file>
 
-<file path=ppt/slides/slide5.xml><?xml version="1.0" encoding="utf-8"?>
+<file path=ppt/slides/slide6.xml><?xml version="1.0" encoding="utf-8"?>
 <p:sld xmlns:a="http://schemas.openxmlformats.org/drawingml/2006/main" xmlns:r="http://schemas.openxmlformats.org/officeDocument/2006/relationships" xmlns:p="http://schemas.openxmlformats.org/presentationml/2006/main">
   <p:cSld>
     <p:spTree>
@@ -16837,7 +20136,7 @@
 </p:sld>
 </file>
 
-<file path=ppt/slides/slide6.xml><?xml version="1.0" encoding="utf-8"?>
+<file path=ppt/slides/slide7.xml><?xml version="1.0" encoding="utf-8"?>
 <p:sld xmlns:a="http://schemas.openxmlformats.org/drawingml/2006/main" xmlns:r="http://schemas.openxmlformats.org/officeDocument/2006/relationships" xmlns:p="http://schemas.openxmlformats.org/presentationml/2006/main">
   <p:cSld>
     <p:spTree>
@@ -18010,7 +21309,7 @@
 </p:sld>
 </file>
 
-<file path=ppt/slides/slide7.xml><?xml version="1.0" encoding="utf-8"?>
+<file path=ppt/slides/slide8.xml><?xml version="1.0" encoding="utf-8"?>
 <p:sld xmlns:a="http://schemas.openxmlformats.org/drawingml/2006/main" xmlns:r="http://schemas.openxmlformats.org/officeDocument/2006/relationships" xmlns:p="http://schemas.openxmlformats.org/presentationml/2006/main">
   <p:cSld>
     <p:spTree>
@@ -19183,7 +22482,7 @@
 </p:sld>
 </file>
 
-<file path=ppt/slides/slide8.xml><?xml version="1.0" encoding="utf-8"?>
+<file path=ppt/slides/slide9.xml><?xml version="1.0" encoding="utf-8"?>
 <p:sld xmlns:a="http://schemas.openxmlformats.org/drawingml/2006/main" xmlns:r="http://schemas.openxmlformats.org/officeDocument/2006/relationships" xmlns:p="http://schemas.openxmlformats.org/presentationml/2006/main">
   <p:cSld>
     <p:spTree>
@@ -20356,1179 +23655,6 @@
 </p:sld>
 </file>
 
-<file path=ppt/slides/slide9.xml><?xml version="1.0" encoding="utf-8"?>
-<p:sld xmlns:a="http://schemas.openxmlformats.org/drawingml/2006/main" xmlns:r="http://schemas.openxmlformats.org/officeDocument/2006/relationships" xmlns:p="http://schemas.openxmlformats.org/presentationml/2006/main">
-  <p:cSld>
-    <p:spTree>
-      <p:nvGrpSpPr>
-        <p:cNvPr id="1" name=""/>
-        <p:cNvGrpSpPr/>
-        <p:nvPr/>
-      </p:nvGrpSpPr>
-      <p:grpSpPr>
-        <a:xfrm>
-          <a:off x="0" y="0"/>
-          <a:ext cx="0" cy="0"/>
-          <a:chOff x="0" y="0"/>
-          <a:chExt cx="0" cy="0"/>
-        </a:xfrm>
-      </p:grpSpPr>
-      <p:grpSp>
-        <p:nvGrpSpPr>
-          <p:cNvPr id="44" name="Group 43">
-            <a:extLst>
-              <a:ext uri="{FF2B5EF4-FFF2-40B4-BE49-F238E27FC236}">
-                <a16:creationId xmlns:a16="http://schemas.microsoft.com/office/drawing/2014/main" id="{74E98ADB-61EB-4222-8A67-5D28B56F9F20}"/>
-              </a:ext>
-            </a:extLst>
-          </p:cNvPr>
-          <p:cNvGrpSpPr/>
-          <p:nvPr/>
-        </p:nvGrpSpPr>
-        <p:grpSpPr>
-          <a:xfrm>
-            <a:off x="550936" y="1106002"/>
-            <a:ext cx="2239618" cy="3220279"/>
-            <a:chOff x="550936" y="1106002"/>
-            <a:chExt cx="2239618" cy="3220279"/>
-          </a:xfrm>
-        </p:grpSpPr>
-        <p:grpSp>
-          <p:nvGrpSpPr>
-            <p:cNvPr id="22" name="Group 21">
-              <a:extLst>
-                <a:ext uri="{FF2B5EF4-FFF2-40B4-BE49-F238E27FC236}">
-                  <a16:creationId xmlns:a16="http://schemas.microsoft.com/office/drawing/2014/main" id="{63B614DA-BFF4-42C4-82C5-B454B5757A1A}"/>
-                </a:ext>
-              </a:extLst>
-            </p:cNvPr>
-            <p:cNvGrpSpPr/>
-            <p:nvPr/>
-          </p:nvGrpSpPr>
-          <p:grpSpPr>
-            <a:xfrm>
-              <a:off x="550936" y="1106002"/>
-              <a:ext cx="2239618" cy="3220279"/>
-              <a:chOff x="7859643" y="1245704"/>
-              <a:chExt cx="2239618" cy="3220279"/>
-            </a:xfrm>
-          </p:grpSpPr>
-          <p:sp>
-            <p:nvSpPr>
-              <p:cNvPr id="23" name="Rectangle: Rounded Corners 22">
-                <a:extLst>
-                  <a:ext uri="{FF2B5EF4-FFF2-40B4-BE49-F238E27FC236}">
-                    <a16:creationId xmlns:a16="http://schemas.microsoft.com/office/drawing/2014/main" id="{6265FC72-79D8-4FB9-8728-6D1BCF80EDAA}"/>
-                  </a:ext>
-                </a:extLst>
-              </p:cNvPr>
-              <p:cNvSpPr/>
-              <p:nvPr/>
-            </p:nvSpPr>
-            <p:spPr>
-              <a:xfrm>
-                <a:off x="7859643" y="1245704"/>
-                <a:ext cx="2239618" cy="3220279"/>
-              </a:xfrm>
-              <a:prstGeom prst="roundRect">
-                <a:avLst/>
-              </a:prstGeom>
-              <a:solidFill>
-                <a:srgbClr val="F0F5F5"/>
-              </a:solidFill>
-              <a:ln w="76200">
-                <a:solidFill>
-                  <a:schemeClr val="tx1"/>
-                </a:solidFill>
-              </a:ln>
-            </p:spPr>
-            <p:style>
-              <a:lnRef idx="2">
-                <a:schemeClr val="accent1">
-                  <a:shade val="50000"/>
-                </a:schemeClr>
-              </a:lnRef>
-              <a:fillRef idx="1">
-                <a:schemeClr val="accent1"/>
-              </a:fillRef>
-              <a:effectRef idx="0">
-                <a:schemeClr val="accent1"/>
-              </a:effectRef>
-              <a:fontRef idx="minor">
-                <a:schemeClr val="lt1"/>
-              </a:fontRef>
-            </p:style>
-            <p:txBody>
-              <a:bodyPr rtlCol="0" anchor="ctr"/>
-              <a:lstStyle/>
-              <a:p>
-                <a:pPr algn="ctr"/>
-                <a:endParaRPr lang="en-CA"/>
-              </a:p>
-            </p:txBody>
-          </p:sp>
-          <p:sp>
-            <p:nvSpPr>
-              <p:cNvPr id="24" name="Flowchart: Decision 23">
-                <a:extLst>
-                  <a:ext uri="{FF2B5EF4-FFF2-40B4-BE49-F238E27FC236}">
-                    <a16:creationId xmlns:a16="http://schemas.microsoft.com/office/drawing/2014/main" id="{DC265F79-731D-4B52-9B0A-B89A1658FA93}"/>
-                  </a:ext>
-                </a:extLst>
-              </p:cNvPr>
-              <p:cNvSpPr/>
-              <p:nvPr/>
-            </p:nvSpPr>
-            <p:spPr>
-              <a:xfrm>
-                <a:off x="8012043" y="1398104"/>
-                <a:ext cx="640383" cy="926381"/>
-              </a:xfrm>
-              <a:prstGeom prst="flowChartDecision">
-                <a:avLst/>
-              </a:prstGeom>
-              <a:solidFill>
-                <a:srgbClr val="FF0000"/>
-              </a:solidFill>
-              <a:ln>
-                <a:solidFill>
-                  <a:srgbClr val="FF0000"/>
-                </a:solidFill>
-              </a:ln>
-            </p:spPr>
-            <p:style>
-              <a:lnRef idx="2">
-                <a:schemeClr val="accent1">
-                  <a:shade val="50000"/>
-                </a:schemeClr>
-              </a:lnRef>
-              <a:fillRef idx="1">
-                <a:schemeClr val="accent1"/>
-              </a:fillRef>
-              <a:effectRef idx="0">
-                <a:schemeClr val="accent1"/>
-              </a:effectRef>
-              <a:fontRef idx="minor">
-                <a:schemeClr val="lt1"/>
-              </a:fontRef>
-            </p:style>
-            <p:txBody>
-              <a:bodyPr rot="0" spcFirstLastPara="0" vertOverflow="overflow" horzOverflow="overflow" vert="horz" wrap="square" lIns="91440" tIns="45720" rIns="91440" bIns="45720" numCol="1" spcCol="0" rtlCol="0" fromWordArt="0" anchor="ctr" anchorCtr="0" forceAA="0" compatLnSpc="1">
-                <a:prstTxWarp prst="textNoShape">
-                  <a:avLst/>
-                </a:prstTxWarp>
-                <a:noAutofit/>
-              </a:bodyPr>
-              <a:lstStyle/>
-              <a:p>
-                <a:pPr algn="ctr"/>
-                <a:endParaRPr lang="en-CA">
-                  <a:ln w="0"/>
-                  <a:solidFill>
-                    <a:schemeClr val="tx1"/>
-                  </a:solidFill>
-                  <a:effectLst>
-                    <a:outerShdw blurRad="38100" dist="19050" dir="2700000" algn="tl" rotWithShape="0">
-                      <a:schemeClr val="dk1">
-                        <a:alpha val="40000"/>
-                      </a:schemeClr>
-                    </a:outerShdw>
-                  </a:effectLst>
-                </a:endParaRPr>
-              </a:p>
-            </p:txBody>
-          </p:sp>
-        </p:grpSp>
-        <p:sp>
-          <p:nvSpPr>
-            <p:cNvPr id="40" name="Rectangle 39">
-              <a:extLst>
-                <a:ext uri="{FF2B5EF4-FFF2-40B4-BE49-F238E27FC236}">
-                  <a16:creationId xmlns:a16="http://schemas.microsoft.com/office/drawing/2014/main" id="{178A51CC-E5F6-4142-8965-6476E4318E40}"/>
-                </a:ext>
-              </a:extLst>
-            </p:cNvPr>
-            <p:cNvSpPr/>
-            <p:nvPr/>
-          </p:nvSpPr>
-          <p:spPr>
-            <a:xfrm>
-              <a:off x="1120449" y="1782547"/>
-              <a:ext cx="1370692" cy="2400657"/>
-            </a:xfrm>
-            <a:prstGeom prst="rect">
-              <a:avLst/>
-            </a:prstGeom>
-            <a:noFill/>
-          </p:spPr>
-          <p:txBody>
-            <a:bodyPr wrap="square" lIns="91440" tIns="45720" rIns="91440" bIns="45720">
-              <a:spAutoFit/>
-            </a:bodyPr>
-            <a:lstStyle/>
-            <a:p>
-              <a:pPr algn="ctr"/>
-              <a:r>
-                <a:rPr lang="en-US" sz="15000" dirty="0">
-                  <a:ln w="0"/>
-                  <a:effectLst>
-                    <a:outerShdw blurRad="38100" dist="19050" dir="2700000" algn="tl" rotWithShape="0">
-                      <a:schemeClr val="dk1">
-                        <a:alpha val="40000"/>
-                      </a:schemeClr>
-                    </a:outerShdw>
-                  </a:effectLst>
-                </a:rPr>
-                <a:t>8</a:t>
-              </a:r>
-              <a:endParaRPr lang="en-US" sz="15000" b="0" cap="none" spc="0" dirty="0">
-                <a:ln w="0"/>
-                <a:solidFill>
-                  <a:schemeClr val="tx1"/>
-                </a:solidFill>
-                <a:effectLst>
-                  <a:outerShdw blurRad="38100" dist="19050" dir="2700000" algn="tl" rotWithShape="0">
-                    <a:schemeClr val="dk1">
-                      <a:alpha val="40000"/>
-                    </a:schemeClr>
-                  </a:outerShdw>
-                </a:effectLst>
-              </a:endParaRPr>
-            </a:p>
-          </p:txBody>
-        </p:sp>
-      </p:grpSp>
-      <p:grpSp>
-        <p:nvGrpSpPr>
-          <p:cNvPr id="45" name="Group 44">
-            <a:extLst>
-              <a:ext uri="{FF2B5EF4-FFF2-40B4-BE49-F238E27FC236}">
-                <a16:creationId xmlns:a16="http://schemas.microsoft.com/office/drawing/2014/main" id="{55FD5365-8510-459C-8A15-2B201A0FDBB8}"/>
-              </a:ext>
-            </a:extLst>
-          </p:cNvPr>
-          <p:cNvGrpSpPr/>
-          <p:nvPr/>
-        </p:nvGrpSpPr>
-        <p:grpSpPr>
-          <a:xfrm>
-            <a:off x="3471521" y="1106003"/>
-            <a:ext cx="2239618" cy="3220279"/>
-            <a:chOff x="3471521" y="1106003"/>
-            <a:chExt cx="2239618" cy="3220279"/>
-          </a:xfrm>
-        </p:grpSpPr>
-        <p:sp>
-          <p:nvSpPr>
-            <p:cNvPr id="25" name="Rectangle: Rounded Corners 24">
-              <a:extLst>
-                <a:ext uri="{FF2B5EF4-FFF2-40B4-BE49-F238E27FC236}">
-                  <a16:creationId xmlns:a16="http://schemas.microsoft.com/office/drawing/2014/main" id="{72633A8E-65F9-4AD1-93C5-5A330CBEC8FD}"/>
-                </a:ext>
-              </a:extLst>
-            </p:cNvPr>
-            <p:cNvSpPr/>
-            <p:nvPr/>
-          </p:nvSpPr>
-          <p:spPr>
-            <a:xfrm>
-              <a:off x="3471521" y="1106003"/>
-              <a:ext cx="2239618" cy="3220279"/>
-            </a:xfrm>
-            <a:prstGeom prst="roundRect">
-              <a:avLst/>
-            </a:prstGeom>
-            <a:solidFill>
-              <a:srgbClr val="F0F5F5"/>
-            </a:solidFill>
-            <a:ln w="76200">
-              <a:solidFill>
-                <a:schemeClr val="tx1"/>
-              </a:solidFill>
-            </a:ln>
-          </p:spPr>
-          <p:style>
-            <a:lnRef idx="2">
-              <a:schemeClr val="accent1">
-                <a:shade val="50000"/>
-              </a:schemeClr>
-            </a:lnRef>
-            <a:fillRef idx="1">
-              <a:schemeClr val="accent1"/>
-            </a:fillRef>
-            <a:effectRef idx="0">
-              <a:schemeClr val="accent1"/>
-            </a:effectRef>
-            <a:fontRef idx="minor">
-              <a:schemeClr val="lt1"/>
-            </a:fontRef>
-          </p:style>
-          <p:txBody>
-            <a:bodyPr rtlCol="0" anchor="ctr"/>
-            <a:lstStyle/>
-            <a:p>
-              <a:pPr algn="ctr"/>
-              <a:endParaRPr lang="en-CA"/>
-            </a:p>
-          </p:txBody>
-        </p:sp>
-        <p:grpSp>
-          <p:nvGrpSpPr>
-            <p:cNvPr id="28" name="Group 27">
-              <a:extLst>
-                <a:ext uri="{FF2B5EF4-FFF2-40B4-BE49-F238E27FC236}">
-                  <a16:creationId xmlns:a16="http://schemas.microsoft.com/office/drawing/2014/main" id="{41DE7F51-3F45-4DDF-8123-3C602541BD94}"/>
-                </a:ext>
-              </a:extLst>
-            </p:cNvPr>
-            <p:cNvGrpSpPr/>
-            <p:nvPr/>
-          </p:nvGrpSpPr>
-          <p:grpSpPr>
-            <a:xfrm>
-              <a:off x="3609451" y="1258404"/>
-              <a:ext cx="845792" cy="926379"/>
-              <a:chOff x="4926496" y="4583570"/>
-              <a:chExt cx="845792" cy="926379"/>
-            </a:xfrm>
-          </p:grpSpPr>
-          <p:sp>
-            <p:nvSpPr>
-              <p:cNvPr id="29" name="Oval 28">
-                <a:extLst>
-                  <a:ext uri="{FF2B5EF4-FFF2-40B4-BE49-F238E27FC236}">
-                    <a16:creationId xmlns:a16="http://schemas.microsoft.com/office/drawing/2014/main" id="{B18A2F84-C8D2-4B2A-AA01-2EC6B3363926}"/>
-                  </a:ext>
-                </a:extLst>
-              </p:cNvPr>
-              <p:cNvSpPr/>
-              <p:nvPr/>
-            </p:nvSpPr>
-            <p:spPr>
-              <a:xfrm>
-                <a:off x="4926496" y="4972878"/>
-                <a:ext cx="410817" cy="417444"/>
-              </a:xfrm>
-              <a:prstGeom prst="ellipse">
-                <a:avLst/>
-              </a:prstGeom>
-              <a:solidFill>
-                <a:schemeClr val="tx1"/>
-              </a:solidFill>
-              <a:ln>
-                <a:solidFill>
-                  <a:schemeClr val="tx1"/>
-                </a:solidFill>
-              </a:ln>
-            </p:spPr>
-            <p:style>
-              <a:lnRef idx="2">
-                <a:schemeClr val="accent1">
-                  <a:shade val="50000"/>
-                </a:schemeClr>
-              </a:lnRef>
-              <a:fillRef idx="1">
-                <a:schemeClr val="accent1"/>
-              </a:fillRef>
-              <a:effectRef idx="0">
-                <a:schemeClr val="accent1"/>
-              </a:effectRef>
-              <a:fontRef idx="minor">
-                <a:schemeClr val="lt1"/>
-              </a:fontRef>
-            </p:style>
-            <p:txBody>
-              <a:bodyPr rtlCol="0" anchor="ctr"/>
-              <a:lstStyle/>
-              <a:p>
-                <a:pPr algn="ctr"/>
-                <a:endParaRPr lang="en-CA"/>
-              </a:p>
-            </p:txBody>
-          </p:sp>
-          <p:sp>
-            <p:nvSpPr>
-              <p:cNvPr id="30" name="Oval 29">
-                <a:extLst>
-                  <a:ext uri="{FF2B5EF4-FFF2-40B4-BE49-F238E27FC236}">
-                    <a16:creationId xmlns:a16="http://schemas.microsoft.com/office/drawing/2014/main" id="{6EB59C77-6AFF-4EC2-BC73-3978875700B3}"/>
-                  </a:ext>
-                </a:extLst>
-              </p:cNvPr>
-              <p:cNvSpPr/>
-              <p:nvPr/>
-            </p:nvSpPr>
-            <p:spPr>
-              <a:xfrm>
-                <a:off x="5361471" y="4972878"/>
-                <a:ext cx="410817" cy="417444"/>
-              </a:xfrm>
-              <a:prstGeom prst="ellipse">
-                <a:avLst/>
-              </a:prstGeom>
-              <a:solidFill>
-                <a:schemeClr val="tx1"/>
-              </a:solidFill>
-              <a:ln>
-                <a:solidFill>
-                  <a:schemeClr val="tx1"/>
-                </a:solidFill>
-              </a:ln>
-            </p:spPr>
-            <p:style>
-              <a:lnRef idx="2">
-                <a:schemeClr val="accent1">
-                  <a:shade val="50000"/>
-                </a:schemeClr>
-              </a:lnRef>
-              <a:fillRef idx="1">
-                <a:schemeClr val="accent1"/>
-              </a:fillRef>
-              <a:effectRef idx="0">
-                <a:schemeClr val="accent1"/>
-              </a:effectRef>
-              <a:fontRef idx="minor">
-                <a:schemeClr val="lt1"/>
-              </a:fontRef>
-            </p:style>
-            <p:txBody>
-              <a:bodyPr rtlCol="0" anchor="ctr"/>
-              <a:lstStyle/>
-              <a:p>
-                <a:pPr algn="ctr"/>
-                <a:endParaRPr lang="en-CA" dirty="0"/>
-              </a:p>
-            </p:txBody>
-          </p:sp>
-          <p:sp>
-            <p:nvSpPr>
-              <p:cNvPr id="31" name="Oval 30">
-                <a:extLst>
-                  <a:ext uri="{FF2B5EF4-FFF2-40B4-BE49-F238E27FC236}">
-                    <a16:creationId xmlns:a16="http://schemas.microsoft.com/office/drawing/2014/main" id="{19CE18DE-0DAC-4CEF-ADEC-FF59FCB1283E}"/>
-                  </a:ext>
-                </a:extLst>
-              </p:cNvPr>
-              <p:cNvSpPr/>
-              <p:nvPr/>
-            </p:nvSpPr>
-            <p:spPr>
-              <a:xfrm>
-                <a:off x="5131904" y="4583570"/>
-                <a:ext cx="410817" cy="417444"/>
-              </a:xfrm>
-              <a:prstGeom prst="ellipse">
-                <a:avLst/>
-              </a:prstGeom>
-              <a:solidFill>
-                <a:schemeClr val="tx1"/>
-              </a:solidFill>
-              <a:ln>
-                <a:solidFill>
-                  <a:schemeClr val="tx1"/>
-                </a:solidFill>
-              </a:ln>
-            </p:spPr>
-            <p:style>
-              <a:lnRef idx="2">
-                <a:schemeClr val="accent1">
-                  <a:shade val="50000"/>
-                </a:schemeClr>
-              </a:lnRef>
-              <a:fillRef idx="1">
-                <a:schemeClr val="accent1"/>
-              </a:fillRef>
-              <a:effectRef idx="0">
-                <a:schemeClr val="accent1"/>
-              </a:effectRef>
-              <a:fontRef idx="minor">
-                <a:schemeClr val="lt1"/>
-              </a:fontRef>
-            </p:style>
-            <p:txBody>
-              <a:bodyPr rtlCol="0" anchor="ctr"/>
-              <a:lstStyle/>
-              <a:p>
-                <a:pPr algn="ctr"/>
-                <a:endParaRPr lang="en-CA"/>
-              </a:p>
-            </p:txBody>
-          </p:sp>
-          <p:sp>
-            <p:nvSpPr>
-              <p:cNvPr id="32" name="Flowchart: Extract 31">
-                <a:extLst>
-                  <a:ext uri="{FF2B5EF4-FFF2-40B4-BE49-F238E27FC236}">
-                    <a16:creationId xmlns:a16="http://schemas.microsoft.com/office/drawing/2014/main" id="{A764AB6B-D4F9-48C9-B06F-153CA6616224}"/>
-                  </a:ext>
-                </a:extLst>
-              </p:cNvPr>
-              <p:cNvSpPr/>
-              <p:nvPr/>
-            </p:nvSpPr>
-            <p:spPr>
-              <a:xfrm>
-                <a:off x="5019360" y="4667977"/>
-                <a:ext cx="640383" cy="537071"/>
-              </a:xfrm>
-              <a:prstGeom prst="flowChartExtract">
-                <a:avLst/>
-              </a:prstGeom>
-              <a:solidFill>
-                <a:schemeClr val="tx1"/>
-              </a:solidFill>
-              <a:ln>
-                <a:solidFill>
-                  <a:schemeClr val="tx1"/>
-                </a:solidFill>
-              </a:ln>
-            </p:spPr>
-            <p:style>
-              <a:lnRef idx="2">
-                <a:schemeClr val="accent1">
-                  <a:shade val="50000"/>
-                </a:schemeClr>
-              </a:lnRef>
-              <a:fillRef idx="1">
-                <a:schemeClr val="accent1"/>
-              </a:fillRef>
-              <a:effectRef idx="0">
-                <a:schemeClr val="accent1"/>
-              </a:effectRef>
-              <a:fontRef idx="minor">
-                <a:schemeClr val="lt1"/>
-              </a:fontRef>
-            </p:style>
-            <p:txBody>
-              <a:bodyPr rtlCol="0" anchor="ctr"/>
-              <a:lstStyle/>
-              <a:p>
-                <a:pPr algn="ctr"/>
-                <a:endParaRPr lang="en-CA"/>
-              </a:p>
-            </p:txBody>
-          </p:sp>
-          <p:sp>
-            <p:nvSpPr>
-              <p:cNvPr id="33" name="Trapezoid 32">
-                <a:extLst>
-                  <a:ext uri="{FF2B5EF4-FFF2-40B4-BE49-F238E27FC236}">
-                    <a16:creationId xmlns:a16="http://schemas.microsoft.com/office/drawing/2014/main" id="{46A36237-BE98-48DB-BB26-CBFF8977EC90}"/>
-                  </a:ext>
-                </a:extLst>
-              </p:cNvPr>
-              <p:cNvSpPr/>
-              <p:nvPr/>
-            </p:nvSpPr>
-            <p:spPr>
-              <a:xfrm>
-                <a:off x="5295109" y="5205048"/>
-                <a:ext cx="122582" cy="304901"/>
-              </a:xfrm>
-              <a:prstGeom prst="trapezoid">
-                <a:avLst/>
-              </a:prstGeom>
-              <a:solidFill>
-                <a:schemeClr val="tx1"/>
-              </a:solidFill>
-              <a:ln>
-                <a:solidFill>
-                  <a:schemeClr val="tx1"/>
-                </a:solidFill>
-              </a:ln>
-            </p:spPr>
-            <p:style>
-              <a:lnRef idx="2">
-                <a:schemeClr val="accent1">
-                  <a:shade val="50000"/>
-                </a:schemeClr>
-              </a:lnRef>
-              <a:fillRef idx="1">
-                <a:schemeClr val="accent1"/>
-              </a:fillRef>
-              <a:effectRef idx="0">
-                <a:schemeClr val="accent1"/>
-              </a:effectRef>
-              <a:fontRef idx="minor">
-                <a:schemeClr val="lt1"/>
-              </a:fontRef>
-            </p:style>
-            <p:txBody>
-              <a:bodyPr rtlCol="0" anchor="ctr"/>
-              <a:lstStyle/>
-              <a:p>
-                <a:pPr algn="ctr"/>
-                <a:endParaRPr lang="en-CA"/>
-              </a:p>
-            </p:txBody>
-          </p:sp>
-        </p:grpSp>
-        <p:sp>
-          <p:nvSpPr>
-            <p:cNvPr id="41" name="Rectangle 40">
-              <a:extLst>
-                <a:ext uri="{FF2B5EF4-FFF2-40B4-BE49-F238E27FC236}">
-                  <a16:creationId xmlns:a16="http://schemas.microsoft.com/office/drawing/2014/main" id="{DE03F1AB-47E0-4963-8E51-751ECFA470B8}"/>
-                </a:ext>
-              </a:extLst>
-            </p:cNvPr>
-            <p:cNvSpPr/>
-            <p:nvPr/>
-          </p:nvSpPr>
-          <p:spPr>
-            <a:xfrm>
-              <a:off x="4054149" y="1782547"/>
-              <a:ext cx="1370692" cy="2400657"/>
-            </a:xfrm>
-            <a:prstGeom prst="rect">
-              <a:avLst/>
-            </a:prstGeom>
-            <a:noFill/>
-          </p:spPr>
-          <p:txBody>
-            <a:bodyPr wrap="square" lIns="91440" tIns="45720" rIns="91440" bIns="45720">
-              <a:spAutoFit/>
-            </a:bodyPr>
-            <a:lstStyle/>
-            <a:p>
-              <a:pPr algn="ctr"/>
-              <a:r>
-                <a:rPr lang="en-US" sz="15000" dirty="0">
-                  <a:ln w="0"/>
-                  <a:effectLst>
-                    <a:outerShdw blurRad="38100" dist="19050" dir="2700000" algn="tl" rotWithShape="0">
-                      <a:schemeClr val="dk1">
-                        <a:alpha val="40000"/>
-                      </a:schemeClr>
-                    </a:outerShdw>
-                  </a:effectLst>
-                </a:rPr>
-                <a:t>8</a:t>
-              </a:r>
-              <a:endParaRPr lang="en-US" sz="15000" b="0" cap="none" spc="0" dirty="0">
-                <a:ln w="0"/>
-                <a:solidFill>
-                  <a:schemeClr val="tx1"/>
-                </a:solidFill>
-                <a:effectLst>
-                  <a:outerShdw blurRad="38100" dist="19050" dir="2700000" algn="tl" rotWithShape="0">
-                    <a:schemeClr val="dk1">
-                      <a:alpha val="40000"/>
-                    </a:schemeClr>
-                  </a:outerShdw>
-                </a:effectLst>
-              </a:endParaRPr>
-            </a:p>
-          </p:txBody>
-        </p:sp>
-      </p:grpSp>
-      <p:grpSp>
-        <p:nvGrpSpPr>
-          <p:cNvPr id="46" name="Group 45">
-            <a:extLst>
-              <a:ext uri="{FF2B5EF4-FFF2-40B4-BE49-F238E27FC236}">
-                <a16:creationId xmlns:a16="http://schemas.microsoft.com/office/drawing/2014/main" id="{08395BE0-A50F-415A-B4B1-082BAD54AD3D}"/>
-              </a:ext>
-            </a:extLst>
-          </p:cNvPr>
-          <p:cNvGrpSpPr/>
-          <p:nvPr/>
-        </p:nvGrpSpPr>
-        <p:grpSpPr>
-          <a:xfrm>
-            <a:off x="6433932" y="1097674"/>
-            <a:ext cx="2239618" cy="3228608"/>
-            <a:chOff x="6433932" y="1097674"/>
-            <a:chExt cx="2239618" cy="3228608"/>
-          </a:xfrm>
-        </p:grpSpPr>
-        <p:sp>
-          <p:nvSpPr>
-            <p:cNvPr id="26" name="Rectangle: Rounded Corners 25">
-              <a:extLst>
-                <a:ext uri="{FF2B5EF4-FFF2-40B4-BE49-F238E27FC236}">
-                  <a16:creationId xmlns:a16="http://schemas.microsoft.com/office/drawing/2014/main" id="{DE23115B-0834-41C2-99F1-E40C56CCA2C3}"/>
-                </a:ext>
-              </a:extLst>
-            </p:cNvPr>
-            <p:cNvSpPr/>
-            <p:nvPr/>
-          </p:nvSpPr>
-          <p:spPr>
-            <a:xfrm>
-              <a:off x="6433932" y="1106003"/>
-              <a:ext cx="2239618" cy="3220279"/>
-            </a:xfrm>
-            <a:prstGeom prst="roundRect">
-              <a:avLst/>
-            </a:prstGeom>
-            <a:solidFill>
-              <a:srgbClr val="F0F5F5"/>
-            </a:solidFill>
-            <a:ln w="76200">
-              <a:solidFill>
-                <a:schemeClr val="tx1"/>
-              </a:solidFill>
-            </a:ln>
-          </p:spPr>
-          <p:style>
-            <a:lnRef idx="2">
-              <a:schemeClr val="accent1">
-                <a:shade val="50000"/>
-              </a:schemeClr>
-            </a:lnRef>
-            <a:fillRef idx="1">
-              <a:schemeClr val="accent1"/>
-            </a:fillRef>
-            <a:effectRef idx="0">
-              <a:schemeClr val="accent1"/>
-            </a:effectRef>
-            <a:fontRef idx="minor">
-              <a:schemeClr val="lt1"/>
-            </a:fontRef>
-          </p:style>
-          <p:txBody>
-            <a:bodyPr rtlCol="0" anchor="ctr"/>
-            <a:lstStyle/>
-            <a:p>
-              <a:pPr algn="ctr"/>
-              <a:endParaRPr lang="en-CA"/>
-            </a:p>
-          </p:txBody>
-        </p:sp>
-        <p:grpSp>
-          <p:nvGrpSpPr>
-            <p:cNvPr id="34" name="Group 33">
-              <a:extLst>
-                <a:ext uri="{FF2B5EF4-FFF2-40B4-BE49-F238E27FC236}">
-                  <a16:creationId xmlns:a16="http://schemas.microsoft.com/office/drawing/2014/main" id="{534EBE97-5505-40B8-8D7E-F748744A4916}"/>
-                </a:ext>
-              </a:extLst>
-            </p:cNvPr>
-            <p:cNvGrpSpPr/>
-            <p:nvPr/>
-          </p:nvGrpSpPr>
-          <p:grpSpPr>
-            <a:xfrm>
-              <a:off x="6484838" y="1097674"/>
-              <a:ext cx="914400" cy="1080148"/>
-              <a:chOff x="6473688" y="3091068"/>
-              <a:chExt cx="914400" cy="914400"/>
-            </a:xfrm>
-          </p:grpSpPr>
-          <p:grpSp>
-            <p:nvGrpSpPr>
-              <p:cNvPr id="35" name="Group 34">
-                <a:extLst>
-                  <a:ext uri="{FF2B5EF4-FFF2-40B4-BE49-F238E27FC236}">
-                    <a16:creationId xmlns:a16="http://schemas.microsoft.com/office/drawing/2014/main" id="{FED5F4C2-FB4F-4853-B645-964DC06B0E4C}"/>
-                  </a:ext>
-                </a:extLst>
-              </p:cNvPr>
-              <p:cNvGrpSpPr/>
-              <p:nvPr/>
-            </p:nvGrpSpPr>
-            <p:grpSpPr>
-              <a:xfrm>
-                <a:off x="6473688" y="3091068"/>
-                <a:ext cx="914400" cy="914400"/>
-                <a:chOff x="5638800" y="2971800"/>
-                <a:chExt cx="914400" cy="914400"/>
-              </a:xfrm>
-            </p:grpSpPr>
-            <p:pic>
-              <p:nvPicPr>
-                <p:cNvPr id="37" name="Graphic 36" descr="Heart">
-                  <a:extLst>
-                    <a:ext uri="{FF2B5EF4-FFF2-40B4-BE49-F238E27FC236}">
-                      <a16:creationId xmlns:a16="http://schemas.microsoft.com/office/drawing/2014/main" id="{7C81A2A4-F10E-46E3-825F-254A7212ADC3}"/>
-                    </a:ext>
-                  </a:extLst>
-                </p:cNvPr>
-                <p:cNvPicPr>
-                  <a:picLocks noChangeAspect="1"/>
-                </p:cNvPicPr>
-                <p:nvPr/>
-              </p:nvPicPr>
-              <p:blipFill>
-                <a:blip r:embed="rId2">
-                  <a:extLst>
-                    <a:ext uri="{28A0092B-C50C-407E-A947-70E740481C1C}">
-                      <a14:useLocalDpi xmlns:a14="http://schemas.microsoft.com/office/drawing/2010/main" val="0"/>
-                    </a:ext>
-                    <a:ext uri="{96DAC541-7B7A-43D3-8B79-37D633B846F1}">
-                      <asvg:svgBlip xmlns:asvg="http://schemas.microsoft.com/office/drawing/2016/SVG/main" r:embed="rId3"/>
-                    </a:ext>
-                  </a:extLst>
-                </a:blip>
-                <a:stretch>
-                  <a:fillRect/>
-                </a:stretch>
-              </p:blipFill>
-              <p:spPr>
-                <a:xfrm rot="10800000">
-                  <a:off x="5638800" y="2971800"/>
-                  <a:ext cx="914400" cy="914400"/>
-                </a:xfrm>
-                <a:prstGeom prst="rect">
-                  <a:avLst/>
-                </a:prstGeom>
-              </p:spPr>
-            </p:pic>
-            <p:sp>
-              <p:nvSpPr>
-                <p:cNvPr id="38" name="Trapezoid 37">
-                  <a:extLst>
-                    <a:ext uri="{FF2B5EF4-FFF2-40B4-BE49-F238E27FC236}">
-                      <a16:creationId xmlns:a16="http://schemas.microsoft.com/office/drawing/2014/main" id="{CE88E1E4-0DF6-47B2-AE03-554E5BD522C2}"/>
-                    </a:ext>
-                  </a:extLst>
-                </p:cNvPr>
-                <p:cNvSpPr/>
-                <p:nvPr/>
-              </p:nvSpPr>
-              <p:spPr>
-                <a:xfrm>
-                  <a:off x="5996608" y="3617842"/>
-                  <a:ext cx="178905" cy="268357"/>
-                </a:xfrm>
-                <a:prstGeom prst="trapezoid">
-                  <a:avLst/>
-                </a:prstGeom>
-                <a:solidFill>
-                  <a:schemeClr val="tx1"/>
-                </a:solidFill>
-                <a:ln>
-                  <a:solidFill>
-                    <a:schemeClr val="tx1"/>
-                  </a:solidFill>
-                </a:ln>
-              </p:spPr>
-              <p:style>
-                <a:lnRef idx="2">
-                  <a:schemeClr val="accent1">
-                    <a:shade val="50000"/>
-                  </a:schemeClr>
-                </a:lnRef>
-                <a:fillRef idx="1">
-                  <a:schemeClr val="accent1"/>
-                </a:fillRef>
-                <a:effectRef idx="0">
-                  <a:schemeClr val="accent1"/>
-                </a:effectRef>
-                <a:fontRef idx="minor">
-                  <a:schemeClr val="lt1"/>
-                </a:fontRef>
-              </p:style>
-              <p:txBody>
-                <a:bodyPr rtlCol="0" anchor="ctr"/>
-                <a:lstStyle/>
-                <a:p>
-                  <a:pPr algn="ctr"/>
-                  <a:endParaRPr lang="en-CA"/>
-                </a:p>
-              </p:txBody>
-            </p:sp>
-          </p:grpSp>
-          <p:sp>
-            <p:nvSpPr>
-              <p:cNvPr id="36" name="Oval 35">
-                <a:extLst>
-                  <a:ext uri="{FF2B5EF4-FFF2-40B4-BE49-F238E27FC236}">
-                    <a16:creationId xmlns:a16="http://schemas.microsoft.com/office/drawing/2014/main" id="{DCDB6689-363E-4C32-A86B-B8D0ED4478A7}"/>
-                  </a:ext>
-                </a:extLst>
-              </p:cNvPr>
-              <p:cNvSpPr/>
-              <p:nvPr/>
-            </p:nvSpPr>
-            <p:spPr>
-              <a:xfrm>
-                <a:off x="6844748" y="3670848"/>
-                <a:ext cx="172278" cy="185530"/>
-              </a:xfrm>
-              <a:prstGeom prst="ellipse">
-                <a:avLst/>
-              </a:prstGeom>
-              <a:solidFill>
-                <a:schemeClr val="tx1"/>
-              </a:solidFill>
-              <a:ln>
-                <a:solidFill>
-                  <a:schemeClr val="tx1"/>
-                </a:solidFill>
-              </a:ln>
-            </p:spPr>
-            <p:style>
-              <a:lnRef idx="2">
-                <a:schemeClr val="accent1">
-                  <a:shade val="50000"/>
-                </a:schemeClr>
-              </a:lnRef>
-              <a:fillRef idx="1">
-                <a:schemeClr val="accent1"/>
-              </a:fillRef>
-              <a:effectRef idx="0">
-                <a:schemeClr val="accent1"/>
-              </a:effectRef>
-              <a:fontRef idx="minor">
-                <a:schemeClr val="lt1"/>
-              </a:fontRef>
-            </p:style>
-            <p:txBody>
-              <a:bodyPr rtlCol="0" anchor="ctr"/>
-              <a:lstStyle/>
-              <a:p>
-                <a:pPr algn="ctr"/>
-                <a:endParaRPr lang="en-CA"/>
-              </a:p>
-            </p:txBody>
-          </p:sp>
-        </p:grpSp>
-        <p:sp>
-          <p:nvSpPr>
-            <p:cNvPr id="42" name="Rectangle 41">
-              <a:extLst>
-                <a:ext uri="{FF2B5EF4-FFF2-40B4-BE49-F238E27FC236}">
-                  <a16:creationId xmlns:a16="http://schemas.microsoft.com/office/drawing/2014/main" id="{4ABCF9A4-FF74-4F12-85CE-AF76EE70A525}"/>
-                </a:ext>
-              </a:extLst>
-            </p:cNvPr>
-            <p:cNvSpPr/>
-            <p:nvPr/>
-          </p:nvSpPr>
-          <p:spPr>
-            <a:xfrm>
-              <a:off x="7038649" y="1782547"/>
-              <a:ext cx="1370692" cy="2400657"/>
-            </a:xfrm>
-            <a:prstGeom prst="rect">
-              <a:avLst/>
-            </a:prstGeom>
-            <a:noFill/>
-          </p:spPr>
-          <p:txBody>
-            <a:bodyPr wrap="square" lIns="91440" tIns="45720" rIns="91440" bIns="45720">
-              <a:spAutoFit/>
-            </a:bodyPr>
-            <a:lstStyle/>
-            <a:p>
-              <a:pPr algn="ctr"/>
-              <a:r>
-                <a:rPr lang="en-US" sz="15000" dirty="0">
-                  <a:ln w="0"/>
-                  <a:effectLst>
-                    <a:outerShdw blurRad="38100" dist="19050" dir="2700000" algn="tl" rotWithShape="0">
-                      <a:schemeClr val="dk1">
-                        <a:alpha val="40000"/>
-                      </a:schemeClr>
-                    </a:outerShdw>
-                  </a:effectLst>
-                </a:rPr>
-                <a:t>8</a:t>
-              </a:r>
-              <a:endParaRPr lang="en-US" sz="15000" b="0" cap="none" spc="0" dirty="0">
-                <a:ln w="0"/>
-                <a:solidFill>
-                  <a:schemeClr val="tx1"/>
-                </a:solidFill>
-                <a:effectLst>
-                  <a:outerShdw blurRad="38100" dist="19050" dir="2700000" algn="tl" rotWithShape="0">
-                    <a:schemeClr val="dk1">
-                      <a:alpha val="40000"/>
-                    </a:schemeClr>
-                  </a:outerShdw>
-                </a:effectLst>
-              </a:endParaRPr>
-            </a:p>
-          </p:txBody>
-        </p:sp>
-      </p:grpSp>
-      <p:grpSp>
-        <p:nvGrpSpPr>
-          <p:cNvPr id="47" name="Group 46">
-            <a:extLst>
-              <a:ext uri="{FF2B5EF4-FFF2-40B4-BE49-F238E27FC236}">
-                <a16:creationId xmlns:a16="http://schemas.microsoft.com/office/drawing/2014/main" id="{BB5E08DF-FD7A-41C4-913E-DCCB552B5ACD}"/>
-              </a:ext>
-            </a:extLst>
-          </p:cNvPr>
-          <p:cNvGrpSpPr/>
-          <p:nvPr/>
-        </p:nvGrpSpPr>
-        <p:grpSpPr>
-          <a:xfrm>
-            <a:off x="9396343" y="1106004"/>
-            <a:ext cx="2239618" cy="3220279"/>
-            <a:chOff x="9396343" y="1106004"/>
-            <a:chExt cx="2239618" cy="3220279"/>
-          </a:xfrm>
-        </p:grpSpPr>
-        <p:sp>
-          <p:nvSpPr>
-            <p:cNvPr id="27" name="Rectangle: Rounded Corners 26">
-              <a:extLst>
-                <a:ext uri="{FF2B5EF4-FFF2-40B4-BE49-F238E27FC236}">
-                  <a16:creationId xmlns:a16="http://schemas.microsoft.com/office/drawing/2014/main" id="{0C0F8BF2-88C5-43C0-A054-410C430A3CC7}"/>
-                </a:ext>
-              </a:extLst>
-            </p:cNvPr>
-            <p:cNvSpPr/>
-            <p:nvPr/>
-          </p:nvSpPr>
-          <p:spPr>
-            <a:xfrm>
-              <a:off x="9396343" y="1106004"/>
-              <a:ext cx="2239618" cy="3220279"/>
-            </a:xfrm>
-            <a:prstGeom prst="roundRect">
-              <a:avLst/>
-            </a:prstGeom>
-            <a:solidFill>
-              <a:srgbClr val="F0F5F5"/>
-            </a:solidFill>
-            <a:ln w="76200">
-              <a:solidFill>
-                <a:schemeClr val="tx1"/>
-              </a:solidFill>
-            </a:ln>
-          </p:spPr>
-          <p:style>
-            <a:lnRef idx="2">
-              <a:schemeClr val="accent1">
-                <a:shade val="50000"/>
-              </a:schemeClr>
-            </a:lnRef>
-            <a:fillRef idx="1">
-              <a:schemeClr val="accent1"/>
-            </a:fillRef>
-            <a:effectRef idx="0">
-              <a:schemeClr val="accent1"/>
-            </a:effectRef>
-            <a:fontRef idx="minor">
-              <a:schemeClr val="lt1"/>
-            </a:fontRef>
-          </p:style>
-          <p:txBody>
-            <a:bodyPr rtlCol="0" anchor="ctr"/>
-            <a:lstStyle/>
-            <a:p>
-              <a:pPr algn="ctr"/>
-              <a:endParaRPr lang="en-CA"/>
-            </a:p>
-          </p:txBody>
-        </p:sp>
-        <p:pic>
-          <p:nvPicPr>
-            <p:cNvPr id="39" name="Graphic 38" descr="Heart">
-              <a:extLst>
-                <a:ext uri="{FF2B5EF4-FFF2-40B4-BE49-F238E27FC236}">
-                  <a16:creationId xmlns:a16="http://schemas.microsoft.com/office/drawing/2014/main" id="{84192BF4-C809-4E36-87CF-14AB6020055B}"/>
-                </a:ext>
-              </a:extLst>
-            </p:cNvPr>
-            <p:cNvPicPr>
-              <a:picLocks noChangeAspect="1"/>
-            </p:cNvPicPr>
-            <p:nvPr/>
-          </p:nvPicPr>
-          <p:blipFill>
-            <a:blip r:embed="rId4">
-              <a:extLst>
-                <a:ext uri="{28A0092B-C50C-407E-A947-70E740481C1C}">
-                  <a14:useLocalDpi xmlns:a14="http://schemas.microsoft.com/office/drawing/2010/main" val="0"/>
-                </a:ext>
-                <a:ext uri="{96DAC541-7B7A-43D3-8B79-37D633B846F1}">
-                  <asvg:svgBlip xmlns:asvg="http://schemas.microsoft.com/office/drawing/2016/SVG/main" r:embed="rId5"/>
-                </a:ext>
-              </a:extLst>
-            </a:blip>
-            <a:stretch>
-              <a:fillRect/>
-            </a:stretch>
-          </p:blipFill>
-          <p:spPr>
-            <a:xfrm>
-              <a:off x="9447143" y="1137194"/>
-              <a:ext cx="1037389" cy="1239906"/>
-            </a:xfrm>
-            <a:prstGeom prst="rect">
-              <a:avLst/>
-            </a:prstGeom>
-          </p:spPr>
-        </p:pic>
-        <p:sp>
-          <p:nvSpPr>
-            <p:cNvPr id="43" name="Rectangle 42">
-              <a:extLst>
-                <a:ext uri="{FF2B5EF4-FFF2-40B4-BE49-F238E27FC236}">
-                  <a16:creationId xmlns:a16="http://schemas.microsoft.com/office/drawing/2014/main" id="{0B59361C-F895-42BF-860F-4C229AF5A0D0}"/>
-                </a:ext>
-              </a:extLst>
-            </p:cNvPr>
-            <p:cNvSpPr/>
-            <p:nvPr/>
-          </p:nvSpPr>
-          <p:spPr>
-            <a:xfrm>
-              <a:off x="9997749" y="1782547"/>
-              <a:ext cx="1370692" cy="2400657"/>
-            </a:xfrm>
-            <a:prstGeom prst="rect">
-              <a:avLst/>
-            </a:prstGeom>
-            <a:noFill/>
-          </p:spPr>
-          <p:txBody>
-            <a:bodyPr wrap="square" lIns="91440" tIns="45720" rIns="91440" bIns="45720">
-              <a:spAutoFit/>
-            </a:bodyPr>
-            <a:lstStyle/>
-            <a:p>
-              <a:pPr algn="ctr"/>
-              <a:r>
-                <a:rPr lang="en-US" sz="15000" dirty="0">
-                  <a:ln w="0"/>
-                  <a:effectLst>
-                    <a:outerShdw blurRad="38100" dist="19050" dir="2700000" algn="tl" rotWithShape="0">
-                      <a:schemeClr val="dk1">
-                        <a:alpha val="40000"/>
-                      </a:schemeClr>
-                    </a:outerShdw>
-                  </a:effectLst>
-                </a:rPr>
-                <a:t>8</a:t>
-              </a:r>
-              <a:endParaRPr lang="en-US" sz="15000" b="0" cap="none" spc="0" dirty="0">
-                <a:ln w="0"/>
-                <a:solidFill>
-                  <a:schemeClr val="tx1"/>
-                </a:solidFill>
-                <a:effectLst>
-                  <a:outerShdw blurRad="38100" dist="19050" dir="2700000" algn="tl" rotWithShape="0">
-                    <a:schemeClr val="dk1">
-                      <a:alpha val="40000"/>
-                    </a:schemeClr>
-                  </a:outerShdw>
-                </a:effectLst>
-              </a:endParaRPr>
-            </a:p>
-          </p:txBody>
-        </p:sp>
-      </p:grpSp>
-    </p:spTree>
-    <p:extLst>
-      <p:ext uri="{BB962C8B-B14F-4D97-AF65-F5344CB8AC3E}">
-        <p14:creationId xmlns:p14="http://schemas.microsoft.com/office/powerpoint/2010/main" val="3185518007"/>
-      </p:ext>
-    </p:extLst>
-  </p:cSld>
-  <p:clrMapOvr>
-    <a:masterClrMapping/>
-  </p:clrMapOvr>
-</p:sld>
-</file>
-
 <file path=ppt/theme/theme1.xml><?xml version="1.0" encoding="utf-8"?>
 <a:theme xmlns:a="http://schemas.openxmlformats.org/drawingml/2006/main" name="Office Theme">
   <a:themeElements>
